--- a/01.doc/AOP.pptx
+++ b/01.doc/AOP.pptx
@@ -23,13 +23,13 @@
   <p:notesSz cx="6858000" cy="9144000"/>
   <p:embeddedFontLst>
     <p:embeddedFont>
-      <p:font typeface="배달의민족 주아" panose="02020603020101020101" pitchFamily="18" charset="-127"/>
+      <p:font typeface="맑은 고딕" panose="020B0503020000020004" pitchFamily="50" charset="-127"/>
       <p:regular r:id="rId13"/>
+      <p:bold r:id="rId14"/>
     </p:embeddedFont>
     <p:embeddedFont>
-      <p:font typeface="맑은 고딕" panose="020B0503020000020004" pitchFamily="50" charset="-127"/>
-      <p:regular r:id="rId14"/>
-      <p:bold r:id="rId15"/>
+      <p:font typeface="배달의민족 주아" panose="02020603020101020101" pitchFamily="18" charset="-127"/>
+      <p:regular r:id="rId15"/>
     </p:embeddedFont>
   </p:embeddedFontLst>
   <p:defaultTextStyle>
@@ -129,7 +129,7 @@
   </p:defaultTextStyle>
   <p:extLst>
     <p:ext uri="{EFAFB233-063F-42B5-8137-9DF3F51BA10A}">
-      <p15:sldGuideLst xmlns="" xmlns:p15="http://schemas.microsoft.com/office/powerpoint/2012/main"/>
+      <p15:sldGuideLst xmlns:p15="http://schemas.microsoft.com/office/powerpoint/2012/main" xmlns=""/>
     </p:ext>
   </p:extLst>
 </p:presentation>
@@ -218,7 +218,7 @@
             <a:fld id="{5CAFCE75-64EF-F547-942C-BCED075BFDDC}" type="datetimeFigureOut">
               <a:rPr kumimoji="1" lang="ko-KR" altLang="en-US" smtClean="0"/>
               <a:pPr/>
-              <a:t>2019-12-10</a:t>
+              <a:t>2019-12-11</a:t>
             </a:fld>
             <a:endParaRPr kumimoji="1" lang="ko-KR" altLang="en-US"/>
           </a:p>
@@ -483,7 +483,7 @@
           <p:cNvPr id="2" name="제목 1">
             <a:extLst>
               <a:ext uri="{FF2B5EF4-FFF2-40B4-BE49-F238E27FC236}">
-                <a16:creationId xmlns="" xmlns:a16="http://schemas.microsoft.com/office/drawing/2014/main" id="{F0215948-5B1A-E54E-93AD-8B579A758275}"/>
+                <a16:creationId xmlns:a16="http://schemas.microsoft.com/office/drawing/2014/main" xmlns="" id="{F0215948-5B1A-E54E-93AD-8B579A758275}"/>
               </a:ext>
             </a:extLst>
           </p:cNvPr>
@@ -520,7 +520,7 @@
           <p:cNvPr id="3" name="부제목 2">
             <a:extLst>
               <a:ext uri="{FF2B5EF4-FFF2-40B4-BE49-F238E27FC236}">
-                <a16:creationId xmlns="" xmlns:a16="http://schemas.microsoft.com/office/drawing/2014/main" id="{588E59E6-D1AC-D84D-B0EB-CCA091FBF5B9}"/>
+                <a16:creationId xmlns:a16="http://schemas.microsoft.com/office/drawing/2014/main" xmlns="" id="{588E59E6-D1AC-D84D-B0EB-CCA091FBF5B9}"/>
               </a:ext>
             </a:extLst>
           </p:cNvPr>
@@ -590,7 +590,7 @@
           <p:cNvPr id="4" name="날짜 개체 틀 3">
             <a:extLst>
               <a:ext uri="{FF2B5EF4-FFF2-40B4-BE49-F238E27FC236}">
-                <a16:creationId xmlns="" xmlns:a16="http://schemas.microsoft.com/office/drawing/2014/main" id="{D0FE2932-8A68-1E4D-9017-7FC216DBA319}"/>
+                <a16:creationId xmlns:a16="http://schemas.microsoft.com/office/drawing/2014/main" xmlns="" id="{D0FE2932-8A68-1E4D-9017-7FC216DBA319}"/>
               </a:ext>
             </a:extLst>
           </p:cNvPr>
@@ -609,7 +609,7 @@
             <a:fld id="{ACE156AC-F178-FC4A-8F40-A38725500740}" type="datetimeFigureOut">
               <a:rPr kumimoji="1" lang="ko-KR" altLang="en-US" smtClean="0"/>
               <a:pPr/>
-              <a:t>2019-12-10</a:t>
+              <a:t>2019-12-11</a:t>
             </a:fld>
             <a:endParaRPr kumimoji="1" lang="ko-KR" altLang="en-US"/>
           </a:p>
@@ -620,7 +620,7 @@
           <p:cNvPr id="5" name="바닥글 개체 틀 4">
             <a:extLst>
               <a:ext uri="{FF2B5EF4-FFF2-40B4-BE49-F238E27FC236}">
-                <a16:creationId xmlns="" xmlns:a16="http://schemas.microsoft.com/office/drawing/2014/main" id="{3C412354-D2D2-5B45-8D74-78B85A897400}"/>
+                <a16:creationId xmlns:a16="http://schemas.microsoft.com/office/drawing/2014/main" xmlns="" id="{3C412354-D2D2-5B45-8D74-78B85A897400}"/>
               </a:ext>
             </a:extLst>
           </p:cNvPr>
@@ -645,7 +645,7 @@
           <p:cNvPr id="6" name="슬라이드 번호 개체 틀 5">
             <a:extLst>
               <a:ext uri="{FF2B5EF4-FFF2-40B4-BE49-F238E27FC236}">
-                <a16:creationId xmlns="" xmlns:a16="http://schemas.microsoft.com/office/drawing/2014/main" id="{DD4B9E51-C76B-8248-A3F3-BE36807ACF51}"/>
+                <a16:creationId xmlns:a16="http://schemas.microsoft.com/office/drawing/2014/main" xmlns="" id="{DD4B9E51-C76B-8248-A3F3-BE36807ACF51}"/>
               </a:ext>
             </a:extLst>
           </p:cNvPr>
@@ -705,7 +705,7 @@
           <p:cNvPr id="2" name="제목 1">
             <a:extLst>
               <a:ext uri="{FF2B5EF4-FFF2-40B4-BE49-F238E27FC236}">
-                <a16:creationId xmlns="" xmlns:a16="http://schemas.microsoft.com/office/drawing/2014/main" id="{2A5E2B98-A3FC-FA4D-A2BD-D8450F5D8D26}"/>
+                <a16:creationId xmlns:a16="http://schemas.microsoft.com/office/drawing/2014/main" xmlns="" id="{2A5E2B98-A3FC-FA4D-A2BD-D8450F5D8D26}"/>
               </a:ext>
             </a:extLst>
           </p:cNvPr>
@@ -733,7 +733,7 @@
           <p:cNvPr id="3" name="세로 텍스트 개체 틀 2">
             <a:extLst>
               <a:ext uri="{FF2B5EF4-FFF2-40B4-BE49-F238E27FC236}">
-                <a16:creationId xmlns="" xmlns:a16="http://schemas.microsoft.com/office/drawing/2014/main" id="{6A079FFF-2472-FA47-B6AC-F80C7746F99D}"/>
+                <a16:creationId xmlns:a16="http://schemas.microsoft.com/office/drawing/2014/main" xmlns="" id="{6A079FFF-2472-FA47-B6AC-F80C7746F99D}"/>
               </a:ext>
             </a:extLst>
           </p:cNvPr>
@@ -765,7 +765,7 @@
           <p:cNvPr id="4" name="날짜 개체 틀 3">
             <a:extLst>
               <a:ext uri="{FF2B5EF4-FFF2-40B4-BE49-F238E27FC236}">
-                <a16:creationId xmlns="" xmlns:a16="http://schemas.microsoft.com/office/drawing/2014/main" id="{98C0AE3F-9567-F945-9095-A599EAF6BEE3}"/>
+                <a16:creationId xmlns:a16="http://schemas.microsoft.com/office/drawing/2014/main" xmlns="" id="{98C0AE3F-9567-F945-9095-A599EAF6BEE3}"/>
               </a:ext>
             </a:extLst>
           </p:cNvPr>
@@ -784,7 +784,7 @@
             <a:fld id="{ACE156AC-F178-FC4A-8F40-A38725500740}" type="datetimeFigureOut">
               <a:rPr kumimoji="1" lang="ko-KR" altLang="en-US" smtClean="0"/>
               <a:pPr/>
-              <a:t>2019-12-10</a:t>
+              <a:t>2019-12-11</a:t>
             </a:fld>
             <a:endParaRPr kumimoji="1" lang="ko-KR" altLang="en-US"/>
           </a:p>
@@ -795,7 +795,7 @@
           <p:cNvPr id="5" name="바닥글 개체 틀 4">
             <a:extLst>
               <a:ext uri="{FF2B5EF4-FFF2-40B4-BE49-F238E27FC236}">
-                <a16:creationId xmlns="" xmlns:a16="http://schemas.microsoft.com/office/drawing/2014/main" id="{985BE14D-E304-4540-B91A-45368E6891AC}"/>
+                <a16:creationId xmlns:a16="http://schemas.microsoft.com/office/drawing/2014/main" xmlns="" id="{985BE14D-E304-4540-B91A-45368E6891AC}"/>
               </a:ext>
             </a:extLst>
           </p:cNvPr>
@@ -820,7 +820,7 @@
           <p:cNvPr id="6" name="슬라이드 번호 개체 틀 5">
             <a:extLst>
               <a:ext uri="{FF2B5EF4-FFF2-40B4-BE49-F238E27FC236}">
-                <a16:creationId xmlns="" xmlns:a16="http://schemas.microsoft.com/office/drawing/2014/main" id="{2695B521-7F98-BF41-B606-35A7CC96F9D7}"/>
+                <a16:creationId xmlns:a16="http://schemas.microsoft.com/office/drawing/2014/main" xmlns="" id="{2695B521-7F98-BF41-B606-35A7CC96F9D7}"/>
               </a:ext>
             </a:extLst>
           </p:cNvPr>
@@ -880,7 +880,7 @@
           <p:cNvPr id="2" name="세로 제목 1">
             <a:extLst>
               <a:ext uri="{FF2B5EF4-FFF2-40B4-BE49-F238E27FC236}">
-                <a16:creationId xmlns="" xmlns:a16="http://schemas.microsoft.com/office/drawing/2014/main" id="{CC9F30B6-7E51-E849-9012-A2137E7DDD2A}"/>
+                <a16:creationId xmlns:a16="http://schemas.microsoft.com/office/drawing/2014/main" xmlns="" id="{CC9F30B6-7E51-E849-9012-A2137E7DDD2A}"/>
               </a:ext>
             </a:extLst>
           </p:cNvPr>
@@ -913,7 +913,7 @@
           <p:cNvPr id="3" name="세로 텍스트 개체 틀 2">
             <a:extLst>
               <a:ext uri="{FF2B5EF4-FFF2-40B4-BE49-F238E27FC236}">
-                <a16:creationId xmlns="" xmlns:a16="http://schemas.microsoft.com/office/drawing/2014/main" id="{7B69FA03-416D-8C4A-AE97-8A6CECC42143}"/>
+                <a16:creationId xmlns:a16="http://schemas.microsoft.com/office/drawing/2014/main" xmlns="" id="{7B69FA03-416D-8C4A-AE97-8A6CECC42143}"/>
               </a:ext>
             </a:extLst>
           </p:cNvPr>
@@ -950,7 +950,7 @@
           <p:cNvPr id="4" name="날짜 개체 틀 3">
             <a:extLst>
               <a:ext uri="{FF2B5EF4-FFF2-40B4-BE49-F238E27FC236}">
-                <a16:creationId xmlns="" xmlns:a16="http://schemas.microsoft.com/office/drawing/2014/main" id="{D4C60FB7-084B-C546-AA5A-31F216EEEECF}"/>
+                <a16:creationId xmlns:a16="http://schemas.microsoft.com/office/drawing/2014/main" xmlns="" id="{D4C60FB7-084B-C546-AA5A-31F216EEEECF}"/>
               </a:ext>
             </a:extLst>
           </p:cNvPr>
@@ -969,7 +969,7 @@
             <a:fld id="{ACE156AC-F178-FC4A-8F40-A38725500740}" type="datetimeFigureOut">
               <a:rPr kumimoji="1" lang="ko-KR" altLang="en-US" smtClean="0"/>
               <a:pPr/>
-              <a:t>2019-12-10</a:t>
+              <a:t>2019-12-11</a:t>
             </a:fld>
             <a:endParaRPr kumimoji="1" lang="ko-KR" altLang="en-US"/>
           </a:p>
@@ -980,7 +980,7 @@
           <p:cNvPr id="5" name="바닥글 개체 틀 4">
             <a:extLst>
               <a:ext uri="{FF2B5EF4-FFF2-40B4-BE49-F238E27FC236}">
-                <a16:creationId xmlns="" xmlns:a16="http://schemas.microsoft.com/office/drawing/2014/main" id="{78E3B417-D516-7441-91B1-954736D5687B}"/>
+                <a16:creationId xmlns:a16="http://schemas.microsoft.com/office/drawing/2014/main" xmlns="" id="{78E3B417-D516-7441-91B1-954736D5687B}"/>
               </a:ext>
             </a:extLst>
           </p:cNvPr>
@@ -1005,7 +1005,7 @@
           <p:cNvPr id="6" name="슬라이드 번호 개체 틀 5">
             <a:extLst>
               <a:ext uri="{FF2B5EF4-FFF2-40B4-BE49-F238E27FC236}">
-                <a16:creationId xmlns="" xmlns:a16="http://schemas.microsoft.com/office/drawing/2014/main" id="{58F0D530-E2C2-254A-9891-CE4FEBFB8F75}"/>
+                <a16:creationId xmlns:a16="http://schemas.microsoft.com/office/drawing/2014/main" xmlns="" id="{58F0D530-E2C2-254A-9891-CE4FEBFB8F75}"/>
               </a:ext>
             </a:extLst>
           </p:cNvPr>
@@ -1065,7 +1065,7 @@
           <p:cNvPr id="2" name="제목 1">
             <a:extLst>
               <a:ext uri="{FF2B5EF4-FFF2-40B4-BE49-F238E27FC236}">
-                <a16:creationId xmlns="" xmlns:a16="http://schemas.microsoft.com/office/drawing/2014/main" id="{25908939-8DB2-E548-ACE8-A5E3DB62C879}"/>
+                <a16:creationId xmlns:a16="http://schemas.microsoft.com/office/drawing/2014/main" xmlns="" id="{25908939-8DB2-E548-ACE8-A5E3DB62C879}"/>
               </a:ext>
             </a:extLst>
           </p:cNvPr>
@@ -1093,7 +1093,7 @@
           <p:cNvPr id="3" name="내용 개체 틀 2">
             <a:extLst>
               <a:ext uri="{FF2B5EF4-FFF2-40B4-BE49-F238E27FC236}">
-                <a16:creationId xmlns="" xmlns:a16="http://schemas.microsoft.com/office/drawing/2014/main" id="{3E0E5E13-51CA-F449-A7FF-A628F1A4CA5F}"/>
+                <a16:creationId xmlns:a16="http://schemas.microsoft.com/office/drawing/2014/main" xmlns="" id="{3E0E5E13-51CA-F449-A7FF-A628F1A4CA5F}"/>
               </a:ext>
             </a:extLst>
           </p:cNvPr>
@@ -1125,7 +1125,7 @@
           <p:cNvPr id="4" name="날짜 개체 틀 3">
             <a:extLst>
               <a:ext uri="{FF2B5EF4-FFF2-40B4-BE49-F238E27FC236}">
-                <a16:creationId xmlns="" xmlns:a16="http://schemas.microsoft.com/office/drawing/2014/main" id="{A133EAE4-BEA2-1548-A59F-046FF0521C68}"/>
+                <a16:creationId xmlns:a16="http://schemas.microsoft.com/office/drawing/2014/main" xmlns="" id="{A133EAE4-BEA2-1548-A59F-046FF0521C68}"/>
               </a:ext>
             </a:extLst>
           </p:cNvPr>
@@ -1144,7 +1144,7 @@
             <a:fld id="{ACE156AC-F178-FC4A-8F40-A38725500740}" type="datetimeFigureOut">
               <a:rPr kumimoji="1" lang="ko-KR" altLang="en-US" smtClean="0"/>
               <a:pPr/>
-              <a:t>2019-12-10</a:t>
+              <a:t>2019-12-11</a:t>
             </a:fld>
             <a:endParaRPr kumimoji="1" lang="ko-KR" altLang="en-US"/>
           </a:p>
@@ -1155,7 +1155,7 @@
           <p:cNvPr id="5" name="바닥글 개체 틀 4">
             <a:extLst>
               <a:ext uri="{FF2B5EF4-FFF2-40B4-BE49-F238E27FC236}">
-                <a16:creationId xmlns="" xmlns:a16="http://schemas.microsoft.com/office/drawing/2014/main" id="{1C4AB806-1717-6841-A40B-D91B892BC0AC}"/>
+                <a16:creationId xmlns:a16="http://schemas.microsoft.com/office/drawing/2014/main" xmlns="" id="{1C4AB806-1717-6841-A40B-D91B892BC0AC}"/>
               </a:ext>
             </a:extLst>
           </p:cNvPr>
@@ -1180,7 +1180,7 @@
           <p:cNvPr id="6" name="슬라이드 번호 개체 틀 5">
             <a:extLst>
               <a:ext uri="{FF2B5EF4-FFF2-40B4-BE49-F238E27FC236}">
-                <a16:creationId xmlns="" xmlns:a16="http://schemas.microsoft.com/office/drawing/2014/main" id="{C498F8E6-61EE-9A40-A82C-56B21C4FBA2E}"/>
+                <a16:creationId xmlns:a16="http://schemas.microsoft.com/office/drawing/2014/main" xmlns="" id="{C498F8E6-61EE-9A40-A82C-56B21C4FBA2E}"/>
               </a:ext>
             </a:extLst>
           </p:cNvPr>
@@ -1240,7 +1240,7 @@
           <p:cNvPr id="2" name="제목 1">
             <a:extLst>
               <a:ext uri="{FF2B5EF4-FFF2-40B4-BE49-F238E27FC236}">
-                <a16:creationId xmlns="" xmlns:a16="http://schemas.microsoft.com/office/drawing/2014/main" id="{20738035-A752-A04F-AC37-BE71AD6A1D56}"/>
+                <a16:creationId xmlns:a16="http://schemas.microsoft.com/office/drawing/2014/main" xmlns="" id="{20738035-A752-A04F-AC37-BE71AD6A1D56}"/>
               </a:ext>
             </a:extLst>
           </p:cNvPr>
@@ -1277,7 +1277,7 @@
           <p:cNvPr id="3" name="텍스트 개체 틀 2">
             <a:extLst>
               <a:ext uri="{FF2B5EF4-FFF2-40B4-BE49-F238E27FC236}">
-                <a16:creationId xmlns="" xmlns:a16="http://schemas.microsoft.com/office/drawing/2014/main" id="{45ED5397-BA55-5E49-8353-8A17C30A646F}"/>
+                <a16:creationId xmlns:a16="http://schemas.microsoft.com/office/drawing/2014/main" xmlns="" id="{45ED5397-BA55-5E49-8353-8A17C30A646F}"/>
               </a:ext>
             </a:extLst>
           </p:cNvPr>
@@ -1405,7 +1405,7 @@
           <p:cNvPr id="4" name="날짜 개체 틀 3">
             <a:extLst>
               <a:ext uri="{FF2B5EF4-FFF2-40B4-BE49-F238E27FC236}">
-                <a16:creationId xmlns="" xmlns:a16="http://schemas.microsoft.com/office/drawing/2014/main" id="{7DE34B4F-B9C4-6441-A021-A747F74D9083}"/>
+                <a16:creationId xmlns:a16="http://schemas.microsoft.com/office/drawing/2014/main" xmlns="" id="{7DE34B4F-B9C4-6441-A021-A747F74D9083}"/>
               </a:ext>
             </a:extLst>
           </p:cNvPr>
@@ -1424,7 +1424,7 @@
             <a:fld id="{ACE156AC-F178-FC4A-8F40-A38725500740}" type="datetimeFigureOut">
               <a:rPr kumimoji="1" lang="ko-KR" altLang="en-US" smtClean="0"/>
               <a:pPr/>
-              <a:t>2019-12-10</a:t>
+              <a:t>2019-12-11</a:t>
             </a:fld>
             <a:endParaRPr kumimoji="1" lang="ko-KR" altLang="en-US"/>
           </a:p>
@@ -1435,7 +1435,7 @@
           <p:cNvPr id="5" name="바닥글 개체 틀 4">
             <a:extLst>
               <a:ext uri="{FF2B5EF4-FFF2-40B4-BE49-F238E27FC236}">
-                <a16:creationId xmlns="" xmlns:a16="http://schemas.microsoft.com/office/drawing/2014/main" id="{A5B6457E-0B56-1849-8C54-FFA2CC53DD8E}"/>
+                <a16:creationId xmlns:a16="http://schemas.microsoft.com/office/drawing/2014/main" xmlns="" id="{A5B6457E-0B56-1849-8C54-FFA2CC53DD8E}"/>
               </a:ext>
             </a:extLst>
           </p:cNvPr>
@@ -1460,7 +1460,7 @@
           <p:cNvPr id="6" name="슬라이드 번호 개체 틀 5">
             <a:extLst>
               <a:ext uri="{FF2B5EF4-FFF2-40B4-BE49-F238E27FC236}">
-                <a16:creationId xmlns="" xmlns:a16="http://schemas.microsoft.com/office/drawing/2014/main" id="{513D8DC1-B9C2-EC42-AB77-8CA99AF0B5D7}"/>
+                <a16:creationId xmlns:a16="http://schemas.microsoft.com/office/drawing/2014/main" xmlns="" id="{513D8DC1-B9C2-EC42-AB77-8CA99AF0B5D7}"/>
               </a:ext>
             </a:extLst>
           </p:cNvPr>
@@ -1520,7 +1520,7 @@
           <p:cNvPr id="2" name="제목 1">
             <a:extLst>
               <a:ext uri="{FF2B5EF4-FFF2-40B4-BE49-F238E27FC236}">
-                <a16:creationId xmlns="" xmlns:a16="http://schemas.microsoft.com/office/drawing/2014/main" id="{572AC94E-DE91-3648-9D50-663BA6102CE3}"/>
+                <a16:creationId xmlns:a16="http://schemas.microsoft.com/office/drawing/2014/main" xmlns="" id="{572AC94E-DE91-3648-9D50-663BA6102CE3}"/>
               </a:ext>
             </a:extLst>
           </p:cNvPr>
@@ -1548,7 +1548,7 @@
           <p:cNvPr id="3" name="내용 개체 틀 2">
             <a:extLst>
               <a:ext uri="{FF2B5EF4-FFF2-40B4-BE49-F238E27FC236}">
-                <a16:creationId xmlns="" xmlns:a16="http://schemas.microsoft.com/office/drawing/2014/main" id="{D767EA31-594C-0C4F-ABE8-4C1F0DC90912}"/>
+                <a16:creationId xmlns:a16="http://schemas.microsoft.com/office/drawing/2014/main" xmlns="" id="{D767EA31-594C-0C4F-ABE8-4C1F0DC90912}"/>
               </a:ext>
             </a:extLst>
           </p:cNvPr>
@@ -1585,7 +1585,7 @@
           <p:cNvPr id="4" name="내용 개체 틀 3">
             <a:extLst>
               <a:ext uri="{FF2B5EF4-FFF2-40B4-BE49-F238E27FC236}">
-                <a16:creationId xmlns="" xmlns:a16="http://schemas.microsoft.com/office/drawing/2014/main" id="{B2622D40-DAB4-7248-A1B5-FF4E3669FB92}"/>
+                <a16:creationId xmlns:a16="http://schemas.microsoft.com/office/drawing/2014/main" xmlns="" id="{B2622D40-DAB4-7248-A1B5-FF4E3669FB92}"/>
               </a:ext>
             </a:extLst>
           </p:cNvPr>
@@ -1622,7 +1622,7 @@
           <p:cNvPr id="5" name="날짜 개체 틀 4">
             <a:extLst>
               <a:ext uri="{FF2B5EF4-FFF2-40B4-BE49-F238E27FC236}">
-                <a16:creationId xmlns="" xmlns:a16="http://schemas.microsoft.com/office/drawing/2014/main" id="{55D8839B-9014-BA4A-A907-E47C2462E550}"/>
+                <a16:creationId xmlns:a16="http://schemas.microsoft.com/office/drawing/2014/main" xmlns="" id="{55D8839B-9014-BA4A-A907-E47C2462E550}"/>
               </a:ext>
             </a:extLst>
           </p:cNvPr>
@@ -1641,7 +1641,7 @@
             <a:fld id="{ACE156AC-F178-FC4A-8F40-A38725500740}" type="datetimeFigureOut">
               <a:rPr kumimoji="1" lang="ko-KR" altLang="en-US" smtClean="0"/>
               <a:pPr/>
-              <a:t>2019-12-10</a:t>
+              <a:t>2019-12-11</a:t>
             </a:fld>
             <a:endParaRPr kumimoji="1" lang="ko-KR" altLang="en-US"/>
           </a:p>
@@ -1652,7 +1652,7 @@
           <p:cNvPr id="6" name="바닥글 개체 틀 5">
             <a:extLst>
               <a:ext uri="{FF2B5EF4-FFF2-40B4-BE49-F238E27FC236}">
-                <a16:creationId xmlns="" xmlns:a16="http://schemas.microsoft.com/office/drawing/2014/main" id="{0CF04C83-BF5E-5C44-855B-07A61405377B}"/>
+                <a16:creationId xmlns:a16="http://schemas.microsoft.com/office/drawing/2014/main" xmlns="" id="{0CF04C83-BF5E-5C44-855B-07A61405377B}"/>
               </a:ext>
             </a:extLst>
           </p:cNvPr>
@@ -1677,7 +1677,7 @@
           <p:cNvPr id="7" name="슬라이드 번호 개체 틀 6">
             <a:extLst>
               <a:ext uri="{FF2B5EF4-FFF2-40B4-BE49-F238E27FC236}">
-                <a16:creationId xmlns="" xmlns:a16="http://schemas.microsoft.com/office/drawing/2014/main" id="{EAE3301C-ED85-6E4E-97CB-26B53561128B}"/>
+                <a16:creationId xmlns:a16="http://schemas.microsoft.com/office/drawing/2014/main" xmlns="" id="{EAE3301C-ED85-6E4E-97CB-26B53561128B}"/>
               </a:ext>
             </a:extLst>
           </p:cNvPr>
@@ -1737,7 +1737,7 @@
           <p:cNvPr id="2" name="제목 1">
             <a:extLst>
               <a:ext uri="{FF2B5EF4-FFF2-40B4-BE49-F238E27FC236}">
-                <a16:creationId xmlns="" xmlns:a16="http://schemas.microsoft.com/office/drawing/2014/main" id="{2D48C063-E021-C841-B92D-A087198E7C60}"/>
+                <a16:creationId xmlns:a16="http://schemas.microsoft.com/office/drawing/2014/main" xmlns="" id="{2D48C063-E021-C841-B92D-A087198E7C60}"/>
               </a:ext>
             </a:extLst>
           </p:cNvPr>
@@ -1770,7 +1770,7 @@
           <p:cNvPr id="3" name="텍스트 개체 틀 2">
             <a:extLst>
               <a:ext uri="{FF2B5EF4-FFF2-40B4-BE49-F238E27FC236}">
-                <a16:creationId xmlns="" xmlns:a16="http://schemas.microsoft.com/office/drawing/2014/main" id="{015AAEF1-6ADE-2A4F-A1B2-B4214FBACDB8}"/>
+                <a16:creationId xmlns:a16="http://schemas.microsoft.com/office/drawing/2014/main" xmlns="" id="{015AAEF1-6ADE-2A4F-A1B2-B4214FBACDB8}"/>
               </a:ext>
             </a:extLst>
           </p:cNvPr>
@@ -1844,7 +1844,7 @@
           <p:cNvPr id="4" name="내용 개체 틀 3">
             <a:extLst>
               <a:ext uri="{FF2B5EF4-FFF2-40B4-BE49-F238E27FC236}">
-                <a16:creationId xmlns="" xmlns:a16="http://schemas.microsoft.com/office/drawing/2014/main" id="{DD0A6D24-CF00-D447-BA91-083FD7FD1EDF}"/>
+                <a16:creationId xmlns:a16="http://schemas.microsoft.com/office/drawing/2014/main" xmlns="" id="{DD0A6D24-CF00-D447-BA91-083FD7FD1EDF}"/>
               </a:ext>
             </a:extLst>
           </p:cNvPr>
@@ -1881,7 +1881,7 @@
           <p:cNvPr id="5" name="텍스트 개체 틀 4">
             <a:extLst>
               <a:ext uri="{FF2B5EF4-FFF2-40B4-BE49-F238E27FC236}">
-                <a16:creationId xmlns="" xmlns:a16="http://schemas.microsoft.com/office/drawing/2014/main" id="{B1A05A70-C9A1-994D-98CF-9B83235CF9EE}"/>
+                <a16:creationId xmlns:a16="http://schemas.microsoft.com/office/drawing/2014/main" xmlns="" id="{B1A05A70-C9A1-994D-98CF-9B83235CF9EE}"/>
               </a:ext>
             </a:extLst>
           </p:cNvPr>
@@ -1955,7 +1955,7 @@
           <p:cNvPr id="6" name="내용 개체 틀 5">
             <a:extLst>
               <a:ext uri="{FF2B5EF4-FFF2-40B4-BE49-F238E27FC236}">
-                <a16:creationId xmlns="" xmlns:a16="http://schemas.microsoft.com/office/drawing/2014/main" id="{2EBD6979-0DF5-C248-A430-408686A9D3DD}"/>
+                <a16:creationId xmlns:a16="http://schemas.microsoft.com/office/drawing/2014/main" xmlns="" id="{2EBD6979-0DF5-C248-A430-408686A9D3DD}"/>
               </a:ext>
             </a:extLst>
           </p:cNvPr>
@@ -1992,7 +1992,7 @@
           <p:cNvPr id="7" name="날짜 개체 틀 6">
             <a:extLst>
               <a:ext uri="{FF2B5EF4-FFF2-40B4-BE49-F238E27FC236}">
-                <a16:creationId xmlns="" xmlns:a16="http://schemas.microsoft.com/office/drawing/2014/main" id="{1ECD500E-620C-2444-99DF-1F1E77D80078}"/>
+                <a16:creationId xmlns:a16="http://schemas.microsoft.com/office/drawing/2014/main" xmlns="" id="{1ECD500E-620C-2444-99DF-1F1E77D80078}"/>
               </a:ext>
             </a:extLst>
           </p:cNvPr>
@@ -2011,7 +2011,7 @@
             <a:fld id="{ACE156AC-F178-FC4A-8F40-A38725500740}" type="datetimeFigureOut">
               <a:rPr kumimoji="1" lang="ko-KR" altLang="en-US" smtClean="0"/>
               <a:pPr/>
-              <a:t>2019-12-10</a:t>
+              <a:t>2019-12-11</a:t>
             </a:fld>
             <a:endParaRPr kumimoji="1" lang="ko-KR" altLang="en-US"/>
           </a:p>
@@ -2022,7 +2022,7 @@
           <p:cNvPr id="8" name="바닥글 개체 틀 7">
             <a:extLst>
               <a:ext uri="{FF2B5EF4-FFF2-40B4-BE49-F238E27FC236}">
-                <a16:creationId xmlns="" xmlns:a16="http://schemas.microsoft.com/office/drawing/2014/main" id="{5FC09583-EDEB-8140-9E03-7E3D359A6F6A}"/>
+                <a16:creationId xmlns:a16="http://schemas.microsoft.com/office/drawing/2014/main" xmlns="" id="{5FC09583-EDEB-8140-9E03-7E3D359A6F6A}"/>
               </a:ext>
             </a:extLst>
           </p:cNvPr>
@@ -2047,7 +2047,7 @@
           <p:cNvPr id="9" name="슬라이드 번호 개체 틀 8">
             <a:extLst>
               <a:ext uri="{FF2B5EF4-FFF2-40B4-BE49-F238E27FC236}">
-                <a16:creationId xmlns="" xmlns:a16="http://schemas.microsoft.com/office/drawing/2014/main" id="{95125583-F585-AF4D-8136-8CC5AC5DE6DD}"/>
+                <a16:creationId xmlns:a16="http://schemas.microsoft.com/office/drawing/2014/main" xmlns="" id="{95125583-F585-AF4D-8136-8CC5AC5DE6DD}"/>
               </a:ext>
             </a:extLst>
           </p:cNvPr>
@@ -2107,7 +2107,7 @@
           <p:cNvPr id="2" name="제목 1">
             <a:extLst>
               <a:ext uri="{FF2B5EF4-FFF2-40B4-BE49-F238E27FC236}">
-                <a16:creationId xmlns="" xmlns:a16="http://schemas.microsoft.com/office/drawing/2014/main" id="{F49BD015-8352-6342-BF8C-4736C2A1DAE4}"/>
+                <a16:creationId xmlns:a16="http://schemas.microsoft.com/office/drawing/2014/main" xmlns="" id="{F49BD015-8352-6342-BF8C-4736C2A1DAE4}"/>
               </a:ext>
             </a:extLst>
           </p:cNvPr>
@@ -2135,7 +2135,7 @@
           <p:cNvPr id="3" name="날짜 개체 틀 2">
             <a:extLst>
               <a:ext uri="{FF2B5EF4-FFF2-40B4-BE49-F238E27FC236}">
-                <a16:creationId xmlns="" xmlns:a16="http://schemas.microsoft.com/office/drawing/2014/main" id="{2F95FE88-801B-5043-8A28-57A8255CDB66}"/>
+                <a16:creationId xmlns:a16="http://schemas.microsoft.com/office/drawing/2014/main" xmlns="" id="{2F95FE88-801B-5043-8A28-57A8255CDB66}"/>
               </a:ext>
             </a:extLst>
           </p:cNvPr>
@@ -2154,7 +2154,7 @@
             <a:fld id="{ACE156AC-F178-FC4A-8F40-A38725500740}" type="datetimeFigureOut">
               <a:rPr kumimoji="1" lang="ko-KR" altLang="en-US" smtClean="0"/>
               <a:pPr/>
-              <a:t>2019-12-10</a:t>
+              <a:t>2019-12-11</a:t>
             </a:fld>
             <a:endParaRPr kumimoji="1" lang="ko-KR" altLang="en-US"/>
           </a:p>
@@ -2165,7 +2165,7 @@
           <p:cNvPr id="4" name="바닥글 개체 틀 3">
             <a:extLst>
               <a:ext uri="{FF2B5EF4-FFF2-40B4-BE49-F238E27FC236}">
-                <a16:creationId xmlns="" xmlns:a16="http://schemas.microsoft.com/office/drawing/2014/main" id="{1B29247F-613F-8041-A68F-2E695BEFA12E}"/>
+                <a16:creationId xmlns:a16="http://schemas.microsoft.com/office/drawing/2014/main" xmlns="" id="{1B29247F-613F-8041-A68F-2E695BEFA12E}"/>
               </a:ext>
             </a:extLst>
           </p:cNvPr>
@@ -2190,7 +2190,7 @@
           <p:cNvPr id="5" name="슬라이드 번호 개체 틀 4">
             <a:extLst>
               <a:ext uri="{FF2B5EF4-FFF2-40B4-BE49-F238E27FC236}">
-                <a16:creationId xmlns="" xmlns:a16="http://schemas.microsoft.com/office/drawing/2014/main" id="{B20387DC-5EE6-F94C-86EA-19E6A36F2376}"/>
+                <a16:creationId xmlns:a16="http://schemas.microsoft.com/office/drawing/2014/main" xmlns="" id="{B20387DC-5EE6-F94C-86EA-19E6A36F2376}"/>
               </a:ext>
             </a:extLst>
           </p:cNvPr>
@@ -2250,7 +2250,7 @@
           <p:cNvPr id="2" name="날짜 개체 틀 1">
             <a:extLst>
               <a:ext uri="{FF2B5EF4-FFF2-40B4-BE49-F238E27FC236}">
-                <a16:creationId xmlns="" xmlns:a16="http://schemas.microsoft.com/office/drawing/2014/main" id="{AC54CF41-2CCB-2546-8A51-3EC7908852B3}"/>
+                <a16:creationId xmlns:a16="http://schemas.microsoft.com/office/drawing/2014/main" xmlns="" id="{AC54CF41-2CCB-2546-8A51-3EC7908852B3}"/>
               </a:ext>
             </a:extLst>
           </p:cNvPr>
@@ -2269,7 +2269,7 @@
             <a:fld id="{ACE156AC-F178-FC4A-8F40-A38725500740}" type="datetimeFigureOut">
               <a:rPr kumimoji="1" lang="ko-KR" altLang="en-US" smtClean="0"/>
               <a:pPr/>
-              <a:t>2019-12-10</a:t>
+              <a:t>2019-12-11</a:t>
             </a:fld>
             <a:endParaRPr kumimoji="1" lang="ko-KR" altLang="en-US"/>
           </a:p>
@@ -2280,7 +2280,7 @@
           <p:cNvPr id="3" name="바닥글 개체 틀 2">
             <a:extLst>
               <a:ext uri="{FF2B5EF4-FFF2-40B4-BE49-F238E27FC236}">
-                <a16:creationId xmlns="" xmlns:a16="http://schemas.microsoft.com/office/drawing/2014/main" id="{5C41C900-20D4-1E46-A503-DEA018F92506}"/>
+                <a16:creationId xmlns:a16="http://schemas.microsoft.com/office/drawing/2014/main" xmlns="" id="{5C41C900-20D4-1E46-A503-DEA018F92506}"/>
               </a:ext>
             </a:extLst>
           </p:cNvPr>
@@ -2305,7 +2305,7 @@
           <p:cNvPr id="4" name="슬라이드 번호 개체 틀 3">
             <a:extLst>
               <a:ext uri="{FF2B5EF4-FFF2-40B4-BE49-F238E27FC236}">
-                <a16:creationId xmlns="" xmlns:a16="http://schemas.microsoft.com/office/drawing/2014/main" id="{473903CA-6145-3846-B5B6-56790FC68ACB}"/>
+                <a16:creationId xmlns:a16="http://schemas.microsoft.com/office/drawing/2014/main" xmlns="" id="{473903CA-6145-3846-B5B6-56790FC68ACB}"/>
               </a:ext>
             </a:extLst>
           </p:cNvPr>
@@ -2365,7 +2365,7 @@
           <p:cNvPr id="2" name="제목 1">
             <a:extLst>
               <a:ext uri="{FF2B5EF4-FFF2-40B4-BE49-F238E27FC236}">
-                <a16:creationId xmlns="" xmlns:a16="http://schemas.microsoft.com/office/drawing/2014/main" id="{5BB53706-6F59-164D-8AB3-61AA4193855E}"/>
+                <a16:creationId xmlns:a16="http://schemas.microsoft.com/office/drawing/2014/main" xmlns="" id="{5BB53706-6F59-164D-8AB3-61AA4193855E}"/>
               </a:ext>
             </a:extLst>
           </p:cNvPr>
@@ -2402,7 +2402,7 @@
           <p:cNvPr id="3" name="내용 개체 틀 2">
             <a:extLst>
               <a:ext uri="{FF2B5EF4-FFF2-40B4-BE49-F238E27FC236}">
-                <a16:creationId xmlns="" xmlns:a16="http://schemas.microsoft.com/office/drawing/2014/main" id="{7705A654-A7BC-6F44-B678-0077F702E549}"/>
+                <a16:creationId xmlns:a16="http://schemas.microsoft.com/office/drawing/2014/main" xmlns="" id="{7705A654-A7BC-6F44-B678-0077F702E549}"/>
               </a:ext>
             </a:extLst>
           </p:cNvPr>
@@ -2467,7 +2467,7 @@
           <p:cNvPr id="4" name="텍스트 개체 틀 3">
             <a:extLst>
               <a:ext uri="{FF2B5EF4-FFF2-40B4-BE49-F238E27FC236}">
-                <a16:creationId xmlns="" xmlns:a16="http://schemas.microsoft.com/office/drawing/2014/main" id="{85861AE6-FE95-6C4A-A5DD-59F45593D0F8}"/>
+                <a16:creationId xmlns:a16="http://schemas.microsoft.com/office/drawing/2014/main" xmlns="" id="{85861AE6-FE95-6C4A-A5DD-59F45593D0F8}"/>
               </a:ext>
             </a:extLst>
           </p:cNvPr>
@@ -2541,7 +2541,7 @@
           <p:cNvPr id="5" name="날짜 개체 틀 4">
             <a:extLst>
               <a:ext uri="{FF2B5EF4-FFF2-40B4-BE49-F238E27FC236}">
-                <a16:creationId xmlns="" xmlns:a16="http://schemas.microsoft.com/office/drawing/2014/main" id="{CEC38569-2EC9-484E-BC36-4FD46BA240E8}"/>
+                <a16:creationId xmlns:a16="http://schemas.microsoft.com/office/drawing/2014/main" xmlns="" id="{CEC38569-2EC9-484E-BC36-4FD46BA240E8}"/>
               </a:ext>
             </a:extLst>
           </p:cNvPr>
@@ -2560,7 +2560,7 @@
             <a:fld id="{ACE156AC-F178-FC4A-8F40-A38725500740}" type="datetimeFigureOut">
               <a:rPr kumimoji="1" lang="ko-KR" altLang="en-US" smtClean="0"/>
               <a:pPr/>
-              <a:t>2019-12-10</a:t>
+              <a:t>2019-12-11</a:t>
             </a:fld>
             <a:endParaRPr kumimoji="1" lang="ko-KR" altLang="en-US"/>
           </a:p>
@@ -2571,7 +2571,7 @@
           <p:cNvPr id="6" name="바닥글 개체 틀 5">
             <a:extLst>
               <a:ext uri="{FF2B5EF4-FFF2-40B4-BE49-F238E27FC236}">
-                <a16:creationId xmlns="" xmlns:a16="http://schemas.microsoft.com/office/drawing/2014/main" id="{B10CDF1C-8E4C-8241-BA2C-C99E5B7E9191}"/>
+                <a16:creationId xmlns:a16="http://schemas.microsoft.com/office/drawing/2014/main" xmlns="" id="{B10CDF1C-8E4C-8241-BA2C-C99E5B7E9191}"/>
               </a:ext>
             </a:extLst>
           </p:cNvPr>
@@ -2596,7 +2596,7 @@
           <p:cNvPr id="7" name="슬라이드 번호 개체 틀 6">
             <a:extLst>
               <a:ext uri="{FF2B5EF4-FFF2-40B4-BE49-F238E27FC236}">
-                <a16:creationId xmlns="" xmlns:a16="http://schemas.microsoft.com/office/drawing/2014/main" id="{14D33965-C422-214D-8E44-BED179F2B464}"/>
+                <a16:creationId xmlns:a16="http://schemas.microsoft.com/office/drawing/2014/main" xmlns="" id="{14D33965-C422-214D-8E44-BED179F2B464}"/>
               </a:ext>
             </a:extLst>
           </p:cNvPr>
@@ -2656,7 +2656,7 @@
           <p:cNvPr id="2" name="제목 1">
             <a:extLst>
               <a:ext uri="{FF2B5EF4-FFF2-40B4-BE49-F238E27FC236}">
-                <a16:creationId xmlns="" xmlns:a16="http://schemas.microsoft.com/office/drawing/2014/main" id="{CE4343F3-D339-3D4A-9995-04AF273A728B}"/>
+                <a16:creationId xmlns:a16="http://schemas.microsoft.com/office/drawing/2014/main" xmlns="" id="{CE4343F3-D339-3D4A-9995-04AF273A728B}"/>
               </a:ext>
             </a:extLst>
           </p:cNvPr>
@@ -2693,7 +2693,7 @@
           <p:cNvPr id="3" name="그림 개체 틀 2">
             <a:extLst>
               <a:ext uri="{FF2B5EF4-FFF2-40B4-BE49-F238E27FC236}">
-                <a16:creationId xmlns="" xmlns:a16="http://schemas.microsoft.com/office/drawing/2014/main" id="{466D680B-DF64-1E47-B558-E4E9FCE8C012}"/>
+                <a16:creationId xmlns:a16="http://schemas.microsoft.com/office/drawing/2014/main" xmlns="" id="{466D680B-DF64-1E47-B558-E4E9FCE8C012}"/>
               </a:ext>
             </a:extLst>
           </p:cNvPr>
@@ -2760,7 +2760,7 @@
           <p:cNvPr id="4" name="텍스트 개체 틀 3">
             <a:extLst>
               <a:ext uri="{FF2B5EF4-FFF2-40B4-BE49-F238E27FC236}">
-                <a16:creationId xmlns="" xmlns:a16="http://schemas.microsoft.com/office/drawing/2014/main" id="{D01AC4ED-49CE-8D45-919C-2793B67A77A8}"/>
+                <a16:creationId xmlns:a16="http://schemas.microsoft.com/office/drawing/2014/main" xmlns="" id="{D01AC4ED-49CE-8D45-919C-2793B67A77A8}"/>
               </a:ext>
             </a:extLst>
           </p:cNvPr>
@@ -2834,7 +2834,7 @@
           <p:cNvPr id="5" name="날짜 개체 틀 4">
             <a:extLst>
               <a:ext uri="{FF2B5EF4-FFF2-40B4-BE49-F238E27FC236}">
-                <a16:creationId xmlns="" xmlns:a16="http://schemas.microsoft.com/office/drawing/2014/main" id="{6154C891-D6C4-F84E-AF79-923E3C88E217}"/>
+                <a16:creationId xmlns:a16="http://schemas.microsoft.com/office/drawing/2014/main" xmlns="" id="{6154C891-D6C4-F84E-AF79-923E3C88E217}"/>
               </a:ext>
             </a:extLst>
           </p:cNvPr>
@@ -2853,7 +2853,7 @@
             <a:fld id="{ACE156AC-F178-FC4A-8F40-A38725500740}" type="datetimeFigureOut">
               <a:rPr kumimoji="1" lang="ko-KR" altLang="en-US" smtClean="0"/>
               <a:pPr/>
-              <a:t>2019-12-10</a:t>
+              <a:t>2019-12-11</a:t>
             </a:fld>
             <a:endParaRPr kumimoji="1" lang="ko-KR" altLang="en-US"/>
           </a:p>
@@ -2864,7 +2864,7 @@
           <p:cNvPr id="6" name="바닥글 개체 틀 5">
             <a:extLst>
               <a:ext uri="{FF2B5EF4-FFF2-40B4-BE49-F238E27FC236}">
-                <a16:creationId xmlns="" xmlns:a16="http://schemas.microsoft.com/office/drawing/2014/main" id="{C9DE4D14-A320-6446-8026-44D5260079EA}"/>
+                <a16:creationId xmlns:a16="http://schemas.microsoft.com/office/drawing/2014/main" xmlns="" id="{C9DE4D14-A320-6446-8026-44D5260079EA}"/>
               </a:ext>
             </a:extLst>
           </p:cNvPr>
@@ -2889,7 +2889,7 @@
           <p:cNvPr id="7" name="슬라이드 번호 개체 틀 6">
             <a:extLst>
               <a:ext uri="{FF2B5EF4-FFF2-40B4-BE49-F238E27FC236}">
-                <a16:creationId xmlns="" xmlns:a16="http://schemas.microsoft.com/office/drawing/2014/main" id="{3B086DF2-9F59-6945-B2A9-CB77FF8B2FFB}"/>
+                <a16:creationId xmlns:a16="http://schemas.microsoft.com/office/drawing/2014/main" xmlns="" id="{3B086DF2-9F59-6945-B2A9-CB77FF8B2FFB}"/>
               </a:ext>
             </a:extLst>
           </p:cNvPr>
@@ -2959,7 +2959,7 @@
           <p:cNvPr id="2" name="제목 개체 틀 1">
             <a:extLst>
               <a:ext uri="{FF2B5EF4-FFF2-40B4-BE49-F238E27FC236}">
-                <a16:creationId xmlns="" xmlns:a16="http://schemas.microsoft.com/office/drawing/2014/main" id="{FA4F4CFC-3045-7748-B28E-892F3216124E}"/>
+                <a16:creationId xmlns:a16="http://schemas.microsoft.com/office/drawing/2014/main" xmlns="" id="{FA4F4CFC-3045-7748-B28E-892F3216124E}"/>
               </a:ext>
             </a:extLst>
           </p:cNvPr>
@@ -2997,7 +2997,7 @@
           <p:cNvPr id="3" name="텍스트 개체 틀 2">
             <a:extLst>
               <a:ext uri="{FF2B5EF4-FFF2-40B4-BE49-F238E27FC236}">
-                <a16:creationId xmlns="" xmlns:a16="http://schemas.microsoft.com/office/drawing/2014/main" id="{57A11C7A-7CAD-7B4E-B8E7-FD3E44F2AD60}"/>
+                <a16:creationId xmlns:a16="http://schemas.microsoft.com/office/drawing/2014/main" xmlns="" id="{57A11C7A-7CAD-7B4E-B8E7-FD3E44F2AD60}"/>
               </a:ext>
             </a:extLst>
           </p:cNvPr>
@@ -3039,7 +3039,7 @@
           <p:cNvPr id="4" name="날짜 개체 틀 3">
             <a:extLst>
               <a:ext uri="{FF2B5EF4-FFF2-40B4-BE49-F238E27FC236}">
-                <a16:creationId xmlns="" xmlns:a16="http://schemas.microsoft.com/office/drawing/2014/main" id="{2ED43360-5054-BC43-AAE8-E246BC0C435E}"/>
+                <a16:creationId xmlns:a16="http://schemas.microsoft.com/office/drawing/2014/main" xmlns="" id="{2ED43360-5054-BC43-AAE8-E246BC0C435E}"/>
               </a:ext>
             </a:extLst>
           </p:cNvPr>
@@ -3076,7 +3076,7 @@
             <a:fld id="{ACE156AC-F178-FC4A-8F40-A38725500740}" type="datetimeFigureOut">
               <a:rPr kumimoji="1" lang="ko-KR" altLang="en-US" smtClean="0"/>
               <a:pPr/>
-              <a:t>2019-12-10</a:t>
+              <a:t>2019-12-11</a:t>
             </a:fld>
             <a:endParaRPr kumimoji="1" lang="ko-KR" altLang="en-US"/>
           </a:p>
@@ -3087,7 +3087,7 @@
           <p:cNvPr id="5" name="바닥글 개체 틀 4">
             <a:extLst>
               <a:ext uri="{FF2B5EF4-FFF2-40B4-BE49-F238E27FC236}">
-                <a16:creationId xmlns="" xmlns:a16="http://schemas.microsoft.com/office/drawing/2014/main" id="{F947AE0D-B559-3345-9906-9F20127E89C2}"/>
+                <a16:creationId xmlns:a16="http://schemas.microsoft.com/office/drawing/2014/main" xmlns="" id="{F947AE0D-B559-3345-9906-9F20127E89C2}"/>
               </a:ext>
             </a:extLst>
           </p:cNvPr>
@@ -3130,7 +3130,7 @@
           <p:cNvPr id="6" name="슬라이드 번호 개체 틀 5">
             <a:extLst>
               <a:ext uri="{FF2B5EF4-FFF2-40B4-BE49-F238E27FC236}">
-                <a16:creationId xmlns="" xmlns:a16="http://schemas.microsoft.com/office/drawing/2014/main" id="{A2C0E009-4D69-E141-BDE3-7A5BCBD91A1C}"/>
+                <a16:creationId xmlns:a16="http://schemas.microsoft.com/office/drawing/2014/main" xmlns="" id="{A2C0E009-4D69-E141-BDE3-7A5BCBD91A1C}"/>
               </a:ext>
             </a:extLst>
           </p:cNvPr>
@@ -3499,7 +3499,7 @@
           <p:cNvPr id="2" name="왼쪽 대괄호[L] 1">
             <a:extLst>
               <a:ext uri="{FF2B5EF4-FFF2-40B4-BE49-F238E27FC236}">
-                <a16:creationId xmlns="" xmlns:a16="http://schemas.microsoft.com/office/drawing/2014/main" id="{FD2BE796-18C4-7542-922F-AC07CCDE25AD}"/>
+                <a16:creationId xmlns:a16="http://schemas.microsoft.com/office/drawing/2014/main" xmlns="" id="{FD2BE796-18C4-7542-922F-AC07CCDE25AD}"/>
               </a:ext>
             </a:extLst>
           </p:cNvPr>
@@ -3548,7 +3548,7 @@
           <p:cNvPr id="13" name="왼쪽 대괄호[L] 12">
             <a:extLst>
               <a:ext uri="{FF2B5EF4-FFF2-40B4-BE49-F238E27FC236}">
-                <a16:creationId xmlns="" xmlns:a16="http://schemas.microsoft.com/office/drawing/2014/main" id="{EFECA2F4-7A60-7B4A-9E41-4C7AFF855ED1}"/>
+                <a16:creationId xmlns:a16="http://schemas.microsoft.com/office/drawing/2014/main" xmlns="" id="{EFECA2F4-7A60-7B4A-9E41-4C7AFF855ED1}"/>
               </a:ext>
             </a:extLst>
           </p:cNvPr>
@@ -3845,7 +3845,7 @@
           <p:cNvPr id="17" name="그림 16">
             <a:extLst>
               <a:ext uri="{FF2B5EF4-FFF2-40B4-BE49-F238E27FC236}">
-                <a16:creationId xmlns="" xmlns:a16="http://schemas.microsoft.com/office/drawing/2014/main" id="{4E4BF807-5974-A34A-9980-0041EFD87BF0}"/>
+                <a16:creationId xmlns:a16="http://schemas.microsoft.com/office/drawing/2014/main" xmlns="" id="{4E4BF807-5974-A34A-9980-0041EFD87BF0}"/>
               </a:ext>
             </a:extLst>
           </p:cNvPr>
@@ -3875,7 +3875,7 @@
           <p:cNvPr id="7" name="그림 6">
             <a:extLst>
               <a:ext uri="{FF2B5EF4-FFF2-40B4-BE49-F238E27FC236}">
-                <a16:creationId xmlns="" xmlns:a16="http://schemas.microsoft.com/office/drawing/2014/main" id="{4E4BF807-5974-A34A-9980-0041EFD87BF0}"/>
+                <a16:creationId xmlns:a16="http://schemas.microsoft.com/office/drawing/2014/main" xmlns="" id="{4E4BF807-5974-A34A-9980-0041EFD87BF0}"/>
               </a:ext>
             </a:extLst>
           </p:cNvPr>
@@ -3942,7 +3942,7 @@
           <p:cNvPr id="2" name="왼쪽 대괄호[L] 1">
             <a:extLst>
               <a:ext uri="{FF2B5EF4-FFF2-40B4-BE49-F238E27FC236}">
-                <a16:creationId xmlns="" xmlns:a16="http://schemas.microsoft.com/office/drawing/2014/main" id="{FD2BE796-18C4-7542-922F-AC07CCDE25AD}"/>
+                <a16:creationId xmlns:a16="http://schemas.microsoft.com/office/drawing/2014/main" xmlns="" id="{FD2BE796-18C4-7542-922F-AC07CCDE25AD}"/>
               </a:ext>
             </a:extLst>
           </p:cNvPr>
@@ -3993,7 +3993,7 @@
           <p:cNvPr id="13" name="왼쪽 대괄호[L] 12">
             <a:extLst>
               <a:ext uri="{FF2B5EF4-FFF2-40B4-BE49-F238E27FC236}">
-                <a16:creationId xmlns="" xmlns:a16="http://schemas.microsoft.com/office/drawing/2014/main" id="{EFECA2F4-7A60-7B4A-9E41-4C7AFF855ED1}"/>
+                <a16:creationId xmlns:a16="http://schemas.microsoft.com/office/drawing/2014/main" xmlns="" id="{EFECA2F4-7A60-7B4A-9E41-4C7AFF855ED1}"/>
               </a:ext>
             </a:extLst>
           </p:cNvPr>
@@ -4122,7 +4122,7 @@
           <p:cNvPr id="7" name="그림 6">
             <a:extLst>
               <a:ext uri="{FF2B5EF4-FFF2-40B4-BE49-F238E27FC236}">
-                <a16:creationId xmlns="" xmlns:a16="http://schemas.microsoft.com/office/drawing/2014/main" id="{95C89E7D-FCD8-254C-B718-BA729EAAFC40}"/>
+                <a16:creationId xmlns:a16="http://schemas.microsoft.com/office/drawing/2014/main" xmlns="" id="{95C89E7D-FCD8-254C-B718-BA729EAAFC40}"/>
               </a:ext>
             </a:extLst>
           </p:cNvPr>
@@ -4189,7 +4189,7 @@
           <p:cNvPr id="7" name="TextBox 6">
             <a:extLst>
               <a:ext uri="{FF2B5EF4-FFF2-40B4-BE49-F238E27FC236}">
-                <a16:creationId xmlns="" xmlns:a16="http://schemas.microsoft.com/office/drawing/2014/main" id="{42FE3236-750D-A047-B36B-3A3B34F30683}"/>
+                <a16:creationId xmlns:a16="http://schemas.microsoft.com/office/drawing/2014/main" xmlns="" id="{42FE3236-750D-A047-B36B-3A3B34F30683}"/>
               </a:ext>
             </a:extLst>
           </p:cNvPr>
@@ -4248,7 +4248,7 @@
           <p:cNvPr id="22" name="TextBox 21">
             <a:extLst>
               <a:ext uri="{FF2B5EF4-FFF2-40B4-BE49-F238E27FC236}">
-                <a16:creationId xmlns="" xmlns:a16="http://schemas.microsoft.com/office/drawing/2014/main" id="{891037EF-45BE-2049-B684-DDCDF37608A5}"/>
+                <a16:creationId xmlns:a16="http://schemas.microsoft.com/office/drawing/2014/main" xmlns="" id="{891037EF-45BE-2049-B684-DDCDF37608A5}"/>
               </a:ext>
             </a:extLst>
           </p:cNvPr>
@@ -4307,7 +4307,7 @@
           <p:cNvPr id="28" name="TextBox 27">
             <a:extLst>
               <a:ext uri="{FF2B5EF4-FFF2-40B4-BE49-F238E27FC236}">
-                <a16:creationId xmlns="" xmlns:a16="http://schemas.microsoft.com/office/drawing/2014/main" id="{3CBBC928-2143-ED49-9C10-4DD06080EC37}"/>
+                <a16:creationId xmlns:a16="http://schemas.microsoft.com/office/drawing/2014/main" xmlns="" id="{3CBBC928-2143-ED49-9C10-4DD06080EC37}"/>
               </a:ext>
             </a:extLst>
           </p:cNvPr>
@@ -4376,7 +4376,7 @@
           <p:cNvPr id="33" name="TextBox 32">
             <a:extLst>
               <a:ext uri="{FF2B5EF4-FFF2-40B4-BE49-F238E27FC236}">
-                <a16:creationId xmlns="" xmlns:a16="http://schemas.microsoft.com/office/drawing/2014/main" id="{9C8B4252-4EEE-734E-AFA7-0099FFEA17CC}"/>
+                <a16:creationId xmlns:a16="http://schemas.microsoft.com/office/drawing/2014/main" xmlns="" id="{9C8B4252-4EEE-734E-AFA7-0099FFEA17CC}"/>
               </a:ext>
             </a:extLst>
           </p:cNvPr>
@@ -4401,14 +4401,14 @@
           <a:p>
             <a:pPr algn="ctr"/>
             <a:r>
-              <a:rPr kumimoji="1" lang="en-US" altLang="ko-KR" sz="2000" smtClean="0">
+              <a:rPr kumimoji="1" lang="ko-KR" altLang="en-US" sz="2000" dirty="0" smtClean="0">
                 <a:solidFill>
                   <a:schemeClr val="bg1"/>
                 </a:solidFill>
                 <a:latin typeface="배달의민족 주아" pitchFamily="18" charset="-127"/>
                 <a:ea typeface="배달의민족 주아" pitchFamily="18" charset="-127"/>
               </a:rPr>
-              <a:t>Q&amp;A</a:t>
+              <a:t>샘플 코드</a:t>
             </a:r>
             <a:endParaRPr kumimoji="1" lang="ko-KR" altLang="en-US" sz="2000" dirty="0">
               <a:solidFill>
@@ -4425,7 +4425,7 @@
           <p:cNvPr id="3" name="모서리가 둥근 직사각형 2">
             <a:extLst>
               <a:ext uri="{FF2B5EF4-FFF2-40B4-BE49-F238E27FC236}">
-                <a16:creationId xmlns="" xmlns:a16="http://schemas.microsoft.com/office/drawing/2014/main" id="{B15BC01F-85DD-6C4D-969F-ADCBD2EA1767}"/>
+                <a16:creationId xmlns:a16="http://schemas.microsoft.com/office/drawing/2014/main" xmlns="" id="{B15BC01F-85DD-6C4D-969F-ADCBD2EA1767}"/>
               </a:ext>
             </a:extLst>
           </p:cNvPr>
@@ -4480,7 +4480,7 @@
           <p:cNvPr id="4" name="직사각형 3">
             <a:extLst>
               <a:ext uri="{FF2B5EF4-FFF2-40B4-BE49-F238E27FC236}">
-                <a16:creationId xmlns="" xmlns:a16="http://schemas.microsoft.com/office/drawing/2014/main" id="{54DE23C4-D779-3D4A-955D-339E1BFECDE9}"/>
+                <a16:creationId xmlns:a16="http://schemas.microsoft.com/office/drawing/2014/main" xmlns="" id="{54DE23C4-D779-3D4A-955D-339E1BFECDE9}"/>
               </a:ext>
             </a:extLst>
           </p:cNvPr>
@@ -4535,7 +4535,7 @@
           <p:cNvPr id="37" name="직사각형 36">
             <a:extLst>
               <a:ext uri="{FF2B5EF4-FFF2-40B4-BE49-F238E27FC236}">
-                <a16:creationId xmlns="" xmlns:a16="http://schemas.microsoft.com/office/drawing/2014/main" id="{9E85BA02-5CD5-C244-B2E5-5A66D4E9D24A}"/>
+                <a16:creationId xmlns:a16="http://schemas.microsoft.com/office/drawing/2014/main" xmlns="" id="{9E85BA02-5CD5-C244-B2E5-5A66D4E9D24A}"/>
               </a:ext>
             </a:extLst>
           </p:cNvPr>
@@ -4589,7 +4589,7 @@
           <p:cNvPr id="40" name="모서리가 둥근 직사각형 39">
             <a:extLst>
               <a:ext uri="{FF2B5EF4-FFF2-40B4-BE49-F238E27FC236}">
-                <a16:creationId xmlns="" xmlns:a16="http://schemas.microsoft.com/office/drawing/2014/main" id="{08DCDE5E-8FBD-9F45-B642-7F7DC2A30298}"/>
+                <a16:creationId xmlns:a16="http://schemas.microsoft.com/office/drawing/2014/main" xmlns="" id="{08DCDE5E-8FBD-9F45-B642-7F7DC2A30298}"/>
               </a:ext>
             </a:extLst>
           </p:cNvPr>
@@ -4644,7 +4644,7 @@
           <p:cNvPr id="41" name="직사각형 40">
             <a:extLst>
               <a:ext uri="{FF2B5EF4-FFF2-40B4-BE49-F238E27FC236}">
-                <a16:creationId xmlns="" xmlns:a16="http://schemas.microsoft.com/office/drawing/2014/main" id="{7DED2737-C550-0043-A389-B804C5C9CDED}"/>
+                <a16:creationId xmlns:a16="http://schemas.microsoft.com/office/drawing/2014/main" xmlns="" id="{7DED2737-C550-0043-A389-B804C5C9CDED}"/>
               </a:ext>
             </a:extLst>
           </p:cNvPr>
@@ -4699,7 +4699,7 @@
           <p:cNvPr id="42" name="직사각형 41">
             <a:extLst>
               <a:ext uri="{FF2B5EF4-FFF2-40B4-BE49-F238E27FC236}">
-                <a16:creationId xmlns="" xmlns:a16="http://schemas.microsoft.com/office/drawing/2014/main" id="{DA2565A9-A39B-8C49-8DF8-F04B259702F2}"/>
+                <a16:creationId xmlns:a16="http://schemas.microsoft.com/office/drawing/2014/main" xmlns="" id="{DA2565A9-A39B-8C49-8DF8-F04B259702F2}"/>
               </a:ext>
             </a:extLst>
           </p:cNvPr>
@@ -4753,7 +4753,7 @@
           <p:cNvPr id="43" name="직사각형 42">
             <a:extLst>
               <a:ext uri="{FF2B5EF4-FFF2-40B4-BE49-F238E27FC236}">
-                <a16:creationId xmlns="" xmlns:a16="http://schemas.microsoft.com/office/drawing/2014/main" id="{3C4567BC-0D51-9846-8D02-B52A3DAD6382}"/>
+                <a16:creationId xmlns:a16="http://schemas.microsoft.com/office/drawing/2014/main" xmlns="" id="{3C4567BC-0D51-9846-8D02-B52A3DAD6382}"/>
               </a:ext>
             </a:extLst>
           </p:cNvPr>
@@ -4807,7 +4807,7 @@
           <p:cNvPr id="44" name="모서리가 둥근 직사각형 43">
             <a:extLst>
               <a:ext uri="{FF2B5EF4-FFF2-40B4-BE49-F238E27FC236}">
-                <a16:creationId xmlns="" xmlns:a16="http://schemas.microsoft.com/office/drawing/2014/main" id="{192C4406-F5BE-AB4A-BC1D-5F2AC2B497E5}"/>
+                <a16:creationId xmlns:a16="http://schemas.microsoft.com/office/drawing/2014/main" xmlns="" id="{192C4406-F5BE-AB4A-BC1D-5F2AC2B497E5}"/>
               </a:ext>
             </a:extLst>
           </p:cNvPr>
@@ -4862,7 +4862,7 @@
           <p:cNvPr id="45" name="직사각형 44">
             <a:extLst>
               <a:ext uri="{FF2B5EF4-FFF2-40B4-BE49-F238E27FC236}">
-                <a16:creationId xmlns="" xmlns:a16="http://schemas.microsoft.com/office/drawing/2014/main" id="{40A1B75A-1C2F-3C4B-A218-8DEF5EA1A240}"/>
+                <a16:creationId xmlns:a16="http://schemas.microsoft.com/office/drawing/2014/main" xmlns="" id="{40A1B75A-1C2F-3C4B-A218-8DEF5EA1A240}"/>
               </a:ext>
             </a:extLst>
           </p:cNvPr>
@@ -4917,7 +4917,7 @@
           <p:cNvPr id="46" name="직사각형 45">
             <a:extLst>
               <a:ext uri="{FF2B5EF4-FFF2-40B4-BE49-F238E27FC236}">
-                <a16:creationId xmlns="" xmlns:a16="http://schemas.microsoft.com/office/drawing/2014/main" id="{1E8C94F4-E033-604B-8A58-00F978D2EB43}"/>
+                <a16:creationId xmlns:a16="http://schemas.microsoft.com/office/drawing/2014/main" xmlns="" id="{1E8C94F4-E033-604B-8A58-00F978D2EB43}"/>
               </a:ext>
             </a:extLst>
           </p:cNvPr>
@@ -4971,7 +4971,7 @@
           <p:cNvPr id="47" name="직사각형 46">
             <a:extLst>
               <a:ext uri="{FF2B5EF4-FFF2-40B4-BE49-F238E27FC236}">
-                <a16:creationId xmlns="" xmlns:a16="http://schemas.microsoft.com/office/drawing/2014/main" id="{33CE4ED5-DA1F-5940-AC3E-08F271B2E1E5}"/>
+                <a16:creationId xmlns:a16="http://schemas.microsoft.com/office/drawing/2014/main" xmlns="" id="{33CE4ED5-DA1F-5940-AC3E-08F271B2E1E5}"/>
               </a:ext>
             </a:extLst>
           </p:cNvPr>
@@ -5025,7 +5025,7 @@
           <p:cNvPr id="48" name="직사각형 47">
             <a:extLst>
               <a:ext uri="{FF2B5EF4-FFF2-40B4-BE49-F238E27FC236}">
-                <a16:creationId xmlns="" xmlns:a16="http://schemas.microsoft.com/office/drawing/2014/main" id="{EF879863-4002-0649-908E-E3FA425C7515}"/>
+                <a16:creationId xmlns:a16="http://schemas.microsoft.com/office/drawing/2014/main" xmlns="" id="{EF879863-4002-0649-908E-E3FA425C7515}"/>
               </a:ext>
             </a:extLst>
           </p:cNvPr>
@@ -5079,7 +5079,7 @@
           <p:cNvPr id="49" name="모서리가 둥근 직사각형 48">
             <a:extLst>
               <a:ext uri="{FF2B5EF4-FFF2-40B4-BE49-F238E27FC236}">
-                <a16:creationId xmlns="" xmlns:a16="http://schemas.microsoft.com/office/drawing/2014/main" id="{D9415A5C-B5F6-434A-AAC2-5D23A69D0690}"/>
+                <a16:creationId xmlns:a16="http://schemas.microsoft.com/office/drawing/2014/main" xmlns="" id="{D9415A5C-B5F6-434A-AAC2-5D23A69D0690}"/>
               </a:ext>
             </a:extLst>
           </p:cNvPr>
@@ -5134,7 +5134,7 @@
           <p:cNvPr id="50" name="직사각형 49">
             <a:extLst>
               <a:ext uri="{FF2B5EF4-FFF2-40B4-BE49-F238E27FC236}">
-                <a16:creationId xmlns="" xmlns:a16="http://schemas.microsoft.com/office/drawing/2014/main" id="{A2E4B733-0B2F-EB44-9495-3D7B493225B5}"/>
+                <a16:creationId xmlns:a16="http://schemas.microsoft.com/office/drawing/2014/main" xmlns="" id="{A2E4B733-0B2F-EB44-9495-3D7B493225B5}"/>
               </a:ext>
             </a:extLst>
           </p:cNvPr>
@@ -5189,7 +5189,7 @@
           <p:cNvPr id="51" name="직사각형 50">
             <a:extLst>
               <a:ext uri="{FF2B5EF4-FFF2-40B4-BE49-F238E27FC236}">
-                <a16:creationId xmlns="" xmlns:a16="http://schemas.microsoft.com/office/drawing/2014/main" id="{25B6C46A-2DED-544B-825A-A3E9D8F9B9F1}"/>
+                <a16:creationId xmlns:a16="http://schemas.microsoft.com/office/drawing/2014/main" xmlns="" id="{25B6C46A-2DED-544B-825A-A3E9D8F9B9F1}"/>
               </a:ext>
             </a:extLst>
           </p:cNvPr>
@@ -5243,7 +5243,7 @@
           <p:cNvPr id="52" name="직사각형 51">
             <a:extLst>
               <a:ext uri="{FF2B5EF4-FFF2-40B4-BE49-F238E27FC236}">
-                <a16:creationId xmlns="" xmlns:a16="http://schemas.microsoft.com/office/drawing/2014/main" id="{9B00F2CE-B862-1F45-A8EF-EEAB910DC2DD}"/>
+                <a16:creationId xmlns:a16="http://schemas.microsoft.com/office/drawing/2014/main" xmlns="" id="{9B00F2CE-B862-1F45-A8EF-EEAB910DC2DD}"/>
               </a:ext>
             </a:extLst>
           </p:cNvPr>
@@ -5297,7 +5297,7 @@
           <p:cNvPr id="53" name="직사각형 52">
             <a:extLst>
               <a:ext uri="{FF2B5EF4-FFF2-40B4-BE49-F238E27FC236}">
-                <a16:creationId xmlns="" xmlns:a16="http://schemas.microsoft.com/office/drawing/2014/main" id="{C840DF5C-D742-454B-9744-B666449F3463}"/>
+                <a16:creationId xmlns:a16="http://schemas.microsoft.com/office/drawing/2014/main" xmlns="" id="{C840DF5C-D742-454B-9744-B666449F3463}"/>
               </a:ext>
             </a:extLst>
           </p:cNvPr>
@@ -5351,7 +5351,7 @@
           <p:cNvPr id="54" name="직사각형 53">
             <a:extLst>
               <a:ext uri="{FF2B5EF4-FFF2-40B4-BE49-F238E27FC236}">
-                <a16:creationId xmlns="" xmlns:a16="http://schemas.microsoft.com/office/drawing/2014/main" id="{7FD7FDAD-86FC-2F4C-974B-9A9A60523BA0}"/>
+                <a16:creationId xmlns:a16="http://schemas.microsoft.com/office/drawing/2014/main" xmlns="" id="{7FD7FDAD-86FC-2F4C-974B-9A9A60523BA0}"/>
               </a:ext>
             </a:extLst>
           </p:cNvPr>
@@ -5405,7 +5405,7 @@
           <p:cNvPr id="36" name="직사각형 35">
             <a:extLst>
               <a:ext uri="{FF2B5EF4-FFF2-40B4-BE49-F238E27FC236}">
-                <a16:creationId xmlns="" xmlns:a16="http://schemas.microsoft.com/office/drawing/2014/main" id="{2E8730FD-3FE0-CF49-87D6-55D4CADD52EC}"/>
+                <a16:creationId xmlns:a16="http://schemas.microsoft.com/office/drawing/2014/main" xmlns="" id="{2E8730FD-3FE0-CF49-87D6-55D4CADD52EC}"/>
               </a:ext>
             </a:extLst>
           </p:cNvPr>
@@ -5459,7 +5459,7 @@
           <p:cNvPr id="38" name="TextBox 37">
             <a:extLst>
               <a:ext uri="{FF2B5EF4-FFF2-40B4-BE49-F238E27FC236}">
-                <a16:creationId xmlns="" xmlns:a16="http://schemas.microsoft.com/office/drawing/2014/main" id="{D924124E-8556-6D40-B0AF-F8C8FE260281}"/>
+                <a16:creationId xmlns:a16="http://schemas.microsoft.com/office/drawing/2014/main" xmlns="" id="{D924124E-8556-6D40-B0AF-F8C8FE260281}"/>
               </a:ext>
             </a:extLst>
           </p:cNvPr>
@@ -5545,7 +5545,7 @@
           <p:cNvPr id="34" name="직사각형 33">
             <a:extLst>
               <a:ext uri="{FF2B5EF4-FFF2-40B4-BE49-F238E27FC236}">
-                <a16:creationId xmlns="" xmlns:a16="http://schemas.microsoft.com/office/drawing/2014/main" id="{37CB002D-8420-B548-9BEA-2E18D8A9A204}"/>
+                <a16:creationId xmlns:a16="http://schemas.microsoft.com/office/drawing/2014/main" xmlns="" id="{37CB002D-8420-B548-9BEA-2E18D8A9A204}"/>
               </a:ext>
             </a:extLst>
           </p:cNvPr>
@@ -5599,7 +5599,7 @@
           <p:cNvPr id="8" name="직사각형 7">
             <a:extLst>
               <a:ext uri="{FF2B5EF4-FFF2-40B4-BE49-F238E27FC236}">
-                <a16:creationId xmlns="" xmlns:a16="http://schemas.microsoft.com/office/drawing/2014/main" id="{6B8B80B4-792D-174E-8B2C-A10CA85CDD01}"/>
+                <a16:creationId xmlns:a16="http://schemas.microsoft.com/office/drawing/2014/main" xmlns="" id="{6B8B80B4-792D-174E-8B2C-A10CA85CDD01}"/>
               </a:ext>
             </a:extLst>
           </p:cNvPr>
@@ -5651,7 +5651,7 @@
           <p:cNvPr id="9" name="직각 삼각형[R] 8">
             <a:extLst>
               <a:ext uri="{FF2B5EF4-FFF2-40B4-BE49-F238E27FC236}">
-                <a16:creationId xmlns="" xmlns:a16="http://schemas.microsoft.com/office/drawing/2014/main" id="{E9289217-6E56-7D4B-B6FB-329F373CAF3E}"/>
+                <a16:creationId xmlns:a16="http://schemas.microsoft.com/office/drawing/2014/main" xmlns="" id="{E9289217-6E56-7D4B-B6FB-329F373CAF3E}"/>
               </a:ext>
             </a:extLst>
           </p:cNvPr>
@@ -5705,7 +5705,7 @@
           <p:cNvPr id="31" name="직사각형 30">
             <a:extLst>
               <a:ext uri="{FF2B5EF4-FFF2-40B4-BE49-F238E27FC236}">
-                <a16:creationId xmlns="" xmlns:a16="http://schemas.microsoft.com/office/drawing/2014/main" id="{A89F077E-F7A4-3D49-BAB5-4E9D17005D90}"/>
+                <a16:creationId xmlns:a16="http://schemas.microsoft.com/office/drawing/2014/main" xmlns="" id="{A89F077E-F7A4-3D49-BAB5-4E9D17005D90}"/>
               </a:ext>
             </a:extLst>
           </p:cNvPr>
@@ -5759,7 +5759,7 @@
           <p:cNvPr id="32" name="TextBox 31">
             <a:extLst>
               <a:ext uri="{FF2B5EF4-FFF2-40B4-BE49-F238E27FC236}">
-                <a16:creationId xmlns="" xmlns:a16="http://schemas.microsoft.com/office/drawing/2014/main" id="{942FB8DE-965C-0845-A309-74C9F51EAF9F}"/>
+                <a16:creationId xmlns:a16="http://schemas.microsoft.com/office/drawing/2014/main" xmlns="" id="{942FB8DE-965C-0845-A309-74C9F51EAF9F}"/>
               </a:ext>
             </a:extLst>
           </p:cNvPr>
@@ -5802,7 +5802,7 @@
           <p:cNvPr id="33" name="TextBox 32">
             <a:extLst>
               <a:ext uri="{FF2B5EF4-FFF2-40B4-BE49-F238E27FC236}">
-                <a16:creationId xmlns="" xmlns:a16="http://schemas.microsoft.com/office/drawing/2014/main" id="{7F85061E-E6C3-C84C-BB7D-87EC6FAD4193}"/>
+                <a16:creationId xmlns:a16="http://schemas.microsoft.com/office/drawing/2014/main" xmlns="" id="{7F85061E-E6C3-C84C-BB7D-87EC6FAD4193}"/>
               </a:ext>
             </a:extLst>
           </p:cNvPr>
@@ -5915,7 +5915,7 @@
           <p:cNvPr id="79" name="TextBox 78">
             <a:extLst>
               <a:ext uri="{FF2B5EF4-FFF2-40B4-BE49-F238E27FC236}">
-                <a16:creationId xmlns="" xmlns:a16="http://schemas.microsoft.com/office/drawing/2014/main" id="{7F85061E-E6C3-C84C-BB7D-87EC6FAD4193}"/>
+                <a16:creationId xmlns:a16="http://schemas.microsoft.com/office/drawing/2014/main" xmlns="" id="{7F85061E-E6C3-C84C-BB7D-87EC6FAD4193}"/>
               </a:ext>
             </a:extLst>
           </p:cNvPr>
@@ -6133,7 +6133,7 @@
           <p:cNvPr id="19" name="TextBox 18">
             <a:extLst>
               <a:ext uri="{FF2B5EF4-FFF2-40B4-BE49-F238E27FC236}">
-                <a16:creationId xmlns="" xmlns:a16="http://schemas.microsoft.com/office/drawing/2014/main" id="{BC578308-8F78-DB4D-8BBF-E8CCC31D5FEE}"/>
+                <a16:creationId xmlns:a16="http://schemas.microsoft.com/office/drawing/2014/main" xmlns="" id="{BC578308-8F78-DB4D-8BBF-E8CCC31D5FEE}"/>
               </a:ext>
             </a:extLst>
           </p:cNvPr>
@@ -6242,7 +6242,7 @@
           <p:cNvPr id="20" name="TextBox 19">
             <a:extLst>
               <a:ext uri="{FF2B5EF4-FFF2-40B4-BE49-F238E27FC236}">
-                <a16:creationId xmlns="" xmlns:a16="http://schemas.microsoft.com/office/drawing/2014/main" id="{849EE5DD-2363-0B42-B4FD-2464134E7BE2}"/>
+                <a16:creationId xmlns:a16="http://schemas.microsoft.com/office/drawing/2014/main" xmlns="" id="{849EE5DD-2363-0B42-B4FD-2464134E7BE2}"/>
               </a:ext>
             </a:extLst>
           </p:cNvPr>
@@ -6453,7 +6453,7 @@
           <p:cNvPr id="50" name="TextBox 49">
             <a:extLst>
               <a:ext uri="{FF2B5EF4-FFF2-40B4-BE49-F238E27FC236}">
-                <a16:creationId xmlns="" xmlns:a16="http://schemas.microsoft.com/office/drawing/2014/main" id="{3B845D38-5442-6B48-ADA4-3CD7234B8DE3}"/>
+                <a16:creationId xmlns:a16="http://schemas.microsoft.com/office/drawing/2014/main" xmlns="" id="{3B845D38-5442-6B48-ADA4-3CD7234B8DE3}"/>
               </a:ext>
             </a:extLst>
           </p:cNvPr>
@@ -6500,7 +6500,7 @@
           <p:cNvPr id="51" name="TextBox 50">
             <a:extLst>
               <a:ext uri="{FF2B5EF4-FFF2-40B4-BE49-F238E27FC236}">
-                <a16:creationId xmlns="" xmlns:a16="http://schemas.microsoft.com/office/drawing/2014/main" id="{3B845D38-5442-6B48-ADA4-3CD7234B8DE3}"/>
+                <a16:creationId xmlns:a16="http://schemas.microsoft.com/office/drawing/2014/main" xmlns="" id="{3B845D38-5442-6B48-ADA4-3CD7234B8DE3}"/>
               </a:ext>
             </a:extLst>
           </p:cNvPr>
@@ -6565,7 +6565,7 @@
           <p:cNvPr id="52" name="TextBox 51">
             <a:extLst>
               <a:ext uri="{FF2B5EF4-FFF2-40B4-BE49-F238E27FC236}">
-                <a16:creationId xmlns="" xmlns:a16="http://schemas.microsoft.com/office/drawing/2014/main" id="{3B845D38-5442-6B48-ADA4-3CD7234B8DE3}"/>
+                <a16:creationId xmlns:a16="http://schemas.microsoft.com/office/drawing/2014/main" xmlns="" id="{3B845D38-5442-6B48-ADA4-3CD7234B8DE3}"/>
               </a:ext>
             </a:extLst>
           </p:cNvPr>
@@ -6735,7 +6735,7 @@
           <p:cNvPr id="34" name="직사각형 33">
             <a:extLst>
               <a:ext uri="{FF2B5EF4-FFF2-40B4-BE49-F238E27FC236}">
-                <a16:creationId xmlns="" xmlns:a16="http://schemas.microsoft.com/office/drawing/2014/main" id="{37CB002D-8420-B548-9BEA-2E18D8A9A204}"/>
+                <a16:creationId xmlns:a16="http://schemas.microsoft.com/office/drawing/2014/main" xmlns="" id="{37CB002D-8420-B548-9BEA-2E18D8A9A204}"/>
               </a:ext>
             </a:extLst>
           </p:cNvPr>
@@ -6789,7 +6789,7 @@
           <p:cNvPr id="8" name="직사각형 7">
             <a:extLst>
               <a:ext uri="{FF2B5EF4-FFF2-40B4-BE49-F238E27FC236}">
-                <a16:creationId xmlns="" xmlns:a16="http://schemas.microsoft.com/office/drawing/2014/main" id="{6B8B80B4-792D-174E-8B2C-A10CA85CDD01}"/>
+                <a16:creationId xmlns:a16="http://schemas.microsoft.com/office/drawing/2014/main" xmlns="" id="{6B8B80B4-792D-174E-8B2C-A10CA85CDD01}"/>
               </a:ext>
             </a:extLst>
           </p:cNvPr>
@@ -6841,7 +6841,7 @@
           <p:cNvPr id="9" name="직각 삼각형[R] 8">
             <a:extLst>
               <a:ext uri="{FF2B5EF4-FFF2-40B4-BE49-F238E27FC236}">
-                <a16:creationId xmlns="" xmlns:a16="http://schemas.microsoft.com/office/drawing/2014/main" id="{E9289217-6E56-7D4B-B6FB-329F373CAF3E}"/>
+                <a16:creationId xmlns:a16="http://schemas.microsoft.com/office/drawing/2014/main" xmlns="" id="{E9289217-6E56-7D4B-B6FB-329F373CAF3E}"/>
               </a:ext>
             </a:extLst>
           </p:cNvPr>
@@ -6895,7 +6895,7 @@
           <p:cNvPr id="31" name="직사각형 30">
             <a:extLst>
               <a:ext uri="{FF2B5EF4-FFF2-40B4-BE49-F238E27FC236}">
-                <a16:creationId xmlns="" xmlns:a16="http://schemas.microsoft.com/office/drawing/2014/main" id="{A89F077E-F7A4-3D49-BAB5-4E9D17005D90}"/>
+                <a16:creationId xmlns:a16="http://schemas.microsoft.com/office/drawing/2014/main" xmlns="" id="{A89F077E-F7A4-3D49-BAB5-4E9D17005D90}"/>
               </a:ext>
             </a:extLst>
           </p:cNvPr>
@@ -6949,7 +6949,7 @@
           <p:cNvPr id="32" name="TextBox 31">
             <a:extLst>
               <a:ext uri="{FF2B5EF4-FFF2-40B4-BE49-F238E27FC236}">
-                <a16:creationId xmlns="" xmlns:a16="http://schemas.microsoft.com/office/drawing/2014/main" id="{942FB8DE-965C-0845-A309-74C9F51EAF9F}"/>
+                <a16:creationId xmlns:a16="http://schemas.microsoft.com/office/drawing/2014/main" xmlns="" id="{942FB8DE-965C-0845-A309-74C9F51EAF9F}"/>
               </a:ext>
             </a:extLst>
           </p:cNvPr>
@@ -6999,7 +6999,7 @@
           <p:cNvPr id="10" name="직선 연결선[R] 9">
             <a:extLst>
               <a:ext uri="{FF2B5EF4-FFF2-40B4-BE49-F238E27FC236}">
-                <a16:creationId xmlns="" xmlns:a16="http://schemas.microsoft.com/office/drawing/2014/main" id="{3857C8F2-A192-E54E-ABE9-F03801DAB105}"/>
+                <a16:creationId xmlns:a16="http://schemas.microsoft.com/office/drawing/2014/main" xmlns="" id="{3857C8F2-A192-E54E-ABE9-F03801DAB105}"/>
               </a:ext>
             </a:extLst>
           </p:cNvPr>
@@ -7042,7 +7042,7 @@
           <p:cNvPr id="19" name="TextBox 18">
             <a:extLst>
               <a:ext uri="{FF2B5EF4-FFF2-40B4-BE49-F238E27FC236}">
-                <a16:creationId xmlns="" xmlns:a16="http://schemas.microsoft.com/office/drawing/2014/main" id="{BC578308-8F78-DB4D-8BBF-E8CCC31D5FEE}"/>
+                <a16:creationId xmlns:a16="http://schemas.microsoft.com/office/drawing/2014/main" xmlns="" id="{BC578308-8F78-DB4D-8BBF-E8CCC31D5FEE}"/>
               </a:ext>
             </a:extLst>
           </p:cNvPr>
@@ -7170,7 +7170,7 @@
           <p:cNvPr id="20" name="TextBox 19">
             <a:extLst>
               <a:ext uri="{FF2B5EF4-FFF2-40B4-BE49-F238E27FC236}">
-                <a16:creationId xmlns="" xmlns:a16="http://schemas.microsoft.com/office/drawing/2014/main" id="{849EE5DD-2363-0B42-B4FD-2464134E7BE2}"/>
+                <a16:creationId xmlns:a16="http://schemas.microsoft.com/office/drawing/2014/main" xmlns="" id="{849EE5DD-2363-0B42-B4FD-2464134E7BE2}"/>
               </a:ext>
             </a:extLst>
           </p:cNvPr>
@@ -7264,7 +7264,7 @@
           <p:cNvPr id="22" name="TextBox 21">
             <a:extLst>
               <a:ext uri="{FF2B5EF4-FFF2-40B4-BE49-F238E27FC236}">
-                <a16:creationId xmlns="" xmlns:a16="http://schemas.microsoft.com/office/drawing/2014/main" id="{3B845D38-5442-6B48-ADA4-3CD7234B8DE3}"/>
+                <a16:creationId xmlns:a16="http://schemas.microsoft.com/office/drawing/2014/main" xmlns="" id="{3B845D38-5442-6B48-ADA4-3CD7234B8DE3}"/>
               </a:ext>
             </a:extLst>
           </p:cNvPr>
@@ -7622,7 +7622,7 @@
           <p:cNvPr id="25" name="직사각형 24">
             <a:extLst>
               <a:ext uri="{FF2B5EF4-FFF2-40B4-BE49-F238E27FC236}">
-                <a16:creationId xmlns="" xmlns:a16="http://schemas.microsoft.com/office/drawing/2014/main" id="{A89F077E-F7A4-3D49-BAB5-4E9D17005D90}"/>
+                <a16:creationId xmlns:a16="http://schemas.microsoft.com/office/drawing/2014/main" xmlns="" id="{A89F077E-F7A4-3D49-BAB5-4E9D17005D90}"/>
               </a:ext>
             </a:extLst>
           </p:cNvPr>
@@ -7676,7 +7676,7 @@
           <p:cNvPr id="26" name="TextBox 25">
             <a:extLst>
               <a:ext uri="{FF2B5EF4-FFF2-40B4-BE49-F238E27FC236}">
-                <a16:creationId xmlns="" xmlns:a16="http://schemas.microsoft.com/office/drawing/2014/main" id="{942FB8DE-965C-0845-A309-74C9F51EAF9F}"/>
+                <a16:creationId xmlns:a16="http://schemas.microsoft.com/office/drawing/2014/main" xmlns="" id="{942FB8DE-965C-0845-A309-74C9F51EAF9F}"/>
               </a:ext>
             </a:extLst>
           </p:cNvPr>
@@ -7726,7 +7726,7 @@
           <p:cNvPr id="27" name="TextBox 26">
             <a:extLst>
               <a:ext uri="{FF2B5EF4-FFF2-40B4-BE49-F238E27FC236}">
-                <a16:creationId xmlns="" xmlns:a16="http://schemas.microsoft.com/office/drawing/2014/main" id="{3B845D38-5442-6B48-ADA4-3CD7234B8DE3}"/>
+                <a16:creationId xmlns:a16="http://schemas.microsoft.com/office/drawing/2014/main" xmlns="" id="{3B845D38-5442-6B48-ADA4-3CD7234B8DE3}"/>
               </a:ext>
             </a:extLst>
           </p:cNvPr>
@@ -7759,8 +7759,12 @@
                 <a:latin typeface="배달의민족 주아" pitchFamily="18" charset="-127"/>
                 <a:ea typeface="배달의민족 주아" pitchFamily="18" charset="-127"/>
               </a:rPr>
-              <a:t>Before advice</a:t>
-            </a:r>
+              <a:t>Before </a:t>
+            </a:r>
+            <a:endParaRPr kumimoji="1" lang="en-US" altLang="ko-KR" dirty="0" smtClean="0">
+              <a:latin typeface="배달의민족 주아" pitchFamily="18" charset="-127"/>
+              <a:ea typeface="배달의민족 주아" pitchFamily="18" charset="-127"/>
+            </a:endParaRPr>
           </a:p>
           <a:p>
             <a:pPr algn="just">
@@ -7805,7 +7809,14 @@
                 <a:latin typeface="배달의민족 주아" pitchFamily="18" charset="-127"/>
                 <a:ea typeface="배달의민족 주아" pitchFamily="18" charset="-127"/>
               </a:rPr>
-              <a:t>After returning advice</a:t>
+              <a:t>After </a:t>
+            </a:r>
+            <a:r>
+              <a:rPr kumimoji="1" lang="en-US" altLang="ko-KR" dirty="0" smtClean="0">
+                <a:latin typeface="배달의민족 주아" pitchFamily="18" charset="-127"/>
+                <a:ea typeface="배달의민족 주아" pitchFamily="18" charset="-127"/>
+              </a:rPr>
+              <a:t>returning </a:t>
             </a:r>
           </a:p>
           <a:p>
@@ -7851,15 +7862,12 @@
                 <a:latin typeface="배달의민족 주아" pitchFamily="18" charset="-127"/>
                 <a:ea typeface="배달의민족 주아" pitchFamily="18" charset="-127"/>
               </a:rPr>
-              <a:t>throwing </a:t>
-            </a:r>
-            <a:r>
-              <a:rPr kumimoji="1" lang="en-US" altLang="ko-KR" dirty="0" smtClean="0">
-                <a:latin typeface="배달의민족 주아" pitchFamily="18" charset="-127"/>
-                <a:ea typeface="배달의민족 주아" pitchFamily="18" charset="-127"/>
-              </a:rPr>
-              <a:t>advice</a:t>
-            </a:r>
+              <a:t>throwing</a:t>
+            </a:r>
+            <a:endParaRPr kumimoji="1" lang="en-US" altLang="ko-KR" dirty="0" smtClean="0">
+              <a:latin typeface="배달의민족 주아" pitchFamily="18" charset="-127"/>
+              <a:ea typeface="배달의민족 주아" pitchFamily="18" charset="-127"/>
+            </a:endParaRPr>
           </a:p>
           <a:p>
             <a:pPr algn="just">
@@ -7914,8 +7922,12 @@
                 <a:latin typeface="배달의민족 주아" pitchFamily="18" charset="-127"/>
                 <a:ea typeface="배달의민족 주아" pitchFamily="18" charset="-127"/>
               </a:rPr>
-              <a:t>After advice</a:t>
-            </a:r>
+              <a:t>After</a:t>
+            </a:r>
+            <a:endParaRPr kumimoji="1" lang="en-US" altLang="ko-KR" dirty="0" smtClean="0">
+              <a:latin typeface="배달의민족 주아" pitchFamily="18" charset="-127"/>
+              <a:ea typeface="배달의민족 주아" pitchFamily="18" charset="-127"/>
+            </a:endParaRPr>
           </a:p>
           <a:p>
             <a:pPr algn="just">
@@ -7984,8 +7996,12 @@
                 <a:latin typeface="배달의민족 주아" pitchFamily="18" charset="-127"/>
                 <a:ea typeface="배달의민족 주아" pitchFamily="18" charset="-127"/>
               </a:rPr>
-              <a:t>Around advice</a:t>
-            </a:r>
+              <a:t>Around</a:t>
+            </a:r>
+            <a:endParaRPr kumimoji="1" lang="en-US" altLang="ko-KR" dirty="0" smtClean="0">
+              <a:latin typeface="배달의민족 주아" pitchFamily="18" charset="-127"/>
+              <a:ea typeface="배달의민족 주아" pitchFamily="18" charset="-127"/>
+            </a:endParaRPr>
           </a:p>
           <a:p>
             <a:pPr algn="just">
@@ -8098,7 +8114,7 @@
           <p:cNvPr id="8" name="직사각형 7">
             <a:extLst>
               <a:ext uri="{FF2B5EF4-FFF2-40B4-BE49-F238E27FC236}">
-                <a16:creationId xmlns="" xmlns:a16="http://schemas.microsoft.com/office/drawing/2014/main" id="{6B8B80B4-792D-174E-8B2C-A10CA85CDD01}"/>
+                <a16:creationId xmlns:a16="http://schemas.microsoft.com/office/drawing/2014/main" xmlns="" id="{6B8B80B4-792D-174E-8B2C-A10CA85CDD01}"/>
               </a:ext>
             </a:extLst>
           </p:cNvPr>
@@ -8150,7 +8166,7 @@
           <p:cNvPr id="9" name="직각 삼각형[R] 8">
             <a:extLst>
               <a:ext uri="{FF2B5EF4-FFF2-40B4-BE49-F238E27FC236}">
-                <a16:creationId xmlns="" xmlns:a16="http://schemas.microsoft.com/office/drawing/2014/main" id="{E9289217-6E56-7D4B-B6FB-329F373CAF3E}"/>
+                <a16:creationId xmlns:a16="http://schemas.microsoft.com/office/drawing/2014/main" xmlns="" id="{E9289217-6E56-7D4B-B6FB-329F373CAF3E}"/>
               </a:ext>
             </a:extLst>
           </p:cNvPr>
@@ -8204,7 +8220,7 @@
           <p:cNvPr id="19" name="TextBox 18">
             <a:extLst>
               <a:ext uri="{FF2B5EF4-FFF2-40B4-BE49-F238E27FC236}">
-                <a16:creationId xmlns="" xmlns:a16="http://schemas.microsoft.com/office/drawing/2014/main" id="{BC578308-8F78-DB4D-8BBF-E8CCC31D5FEE}"/>
+                <a16:creationId xmlns:a16="http://schemas.microsoft.com/office/drawing/2014/main" xmlns="" id="{BC578308-8F78-DB4D-8BBF-E8CCC31D5FEE}"/>
               </a:ext>
             </a:extLst>
           </p:cNvPr>
@@ -8275,7 +8291,7 @@
           <p:cNvPr id="20" name="TextBox 19">
             <a:extLst>
               <a:ext uri="{FF2B5EF4-FFF2-40B4-BE49-F238E27FC236}">
-                <a16:creationId xmlns="" xmlns:a16="http://schemas.microsoft.com/office/drawing/2014/main" id="{849EE5DD-2363-0B42-B4FD-2464134E7BE2}"/>
+                <a16:creationId xmlns:a16="http://schemas.microsoft.com/office/drawing/2014/main" xmlns="" id="{849EE5DD-2363-0B42-B4FD-2464134E7BE2}"/>
               </a:ext>
             </a:extLst>
           </p:cNvPr>
@@ -8343,7 +8359,7 @@
           <p:cNvPr id="16" name="직사각형 15">
             <a:extLst>
               <a:ext uri="{FF2B5EF4-FFF2-40B4-BE49-F238E27FC236}">
-                <a16:creationId xmlns="" xmlns:a16="http://schemas.microsoft.com/office/drawing/2014/main" id="{F323C5E6-A911-2440-93DA-DEE87A35D1B3}"/>
+                <a16:creationId xmlns:a16="http://schemas.microsoft.com/office/drawing/2014/main" xmlns="" id="{F323C5E6-A911-2440-93DA-DEE87A35D1B3}"/>
               </a:ext>
             </a:extLst>
           </p:cNvPr>
@@ -8397,7 +8413,7 @@
           <p:cNvPr id="17" name="TextBox 16">
             <a:extLst>
               <a:ext uri="{FF2B5EF4-FFF2-40B4-BE49-F238E27FC236}">
-                <a16:creationId xmlns="" xmlns:a16="http://schemas.microsoft.com/office/drawing/2014/main" id="{7F85061E-E6C3-C84C-BB7D-87EC6FAD4193}"/>
+                <a16:creationId xmlns:a16="http://schemas.microsoft.com/office/drawing/2014/main" xmlns="" id="{7F85061E-E6C3-C84C-BB7D-87EC6FAD4193}"/>
               </a:ext>
             </a:extLst>
           </p:cNvPr>
@@ -8703,7 +8719,7 @@
           <p:cNvPr id="18" name="그림 17">
             <a:extLst>
               <a:ext uri="{FF2B5EF4-FFF2-40B4-BE49-F238E27FC236}">
-                <a16:creationId xmlns="" xmlns:a16="http://schemas.microsoft.com/office/drawing/2014/main" id="{812D3A33-7692-BA40-9F75-B21606CDE920}"/>
+                <a16:creationId xmlns:a16="http://schemas.microsoft.com/office/drawing/2014/main" xmlns="" id="{812D3A33-7692-BA40-9F75-B21606CDE920}"/>
               </a:ext>
             </a:extLst>
           </p:cNvPr>
@@ -8733,7 +8749,7 @@
           <p:cNvPr id="28" name="TextBox 27">
             <a:extLst>
               <a:ext uri="{FF2B5EF4-FFF2-40B4-BE49-F238E27FC236}">
-                <a16:creationId xmlns="" xmlns:a16="http://schemas.microsoft.com/office/drawing/2014/main" id="{942FB8DE-965C-0845-A309-74C9F51EAF9F}"/>
+                <a16:creationId xmlns:a16="http://schemas.microsoft.com/office/drawing/2014/main" xmlns="" id="{942FB8DE-965C-0845-A309-74C9F51EAF9F}"/>
               </a:ext>
             </a:extLst>
           </p:cNvPr>
@@ -8790,7 +8806,7 @@
           <p:cNvPr id="29" name="TextBox 28">
             <a:extLst>
               <a:ext uri="{FF2B5EF4-FFF2-40B4-BE49-F238E27FC236}">
-                <a16:creationId xmlns="" xmlns:a16="http://schemas.microsoft.com/office/drawing/2014/main" id="{3B845D38-5442-6B48-ADA4-3CD7234B8DE3}"/>
+                <a16:creationId xmlns:a16="http://schemas.microsoft.com/office/drawing/2014/main" xmlns="" id="{3B845D38-5442-6B48-ADA4-3CD7234B8DE3}"/>
               </a:ext>
             </a:extLst>
           </p:cNvPr>
@@ -8959,7 +8975,7 @@
           <p:cNvPr id="30" name="TextBox 29">
             <a:extLst>
               <a:ext uri="{FF2B5EF4-FFF2-40B4-BE49-F238E27FC236}">
-                <a16:creationId xmlns="" xmlns:a16="http://schemas.microsoft.com/office/drawing/2014/main" id="{7F85061E-E6C3-C84C-BB7D-87EC6FAD4193}"/>
+                <a16:creationId xmlns:a16="http://schemas.microsoft.com/office/drawing/2014/main" xmlns="" id="{7F85061E-E6C3-C84C-BB7D-87EC6FAD4193}"/>
               </a:ext>
             </a:extLst>
           </p:cNvPr>
@@ -8988,7 +9004,7 @@
               </a:lnSpc>
             </a:pPr>
             <a:r>
-              <a:rPr lang="ko-KR" altLang="en-US" sz="1600" smtClean="0">
+              <a:rPr lang="ko-KR" altLang="en-US" sz="1600" dirty="0" smtClean="0">
                 <a:ln>
                   <a:solidFill>
                     <a:schemeClr val="tx1">
@@ -9007,7 +9023,7 @@
               <a:t>▼   </a:t>
             </a:r>
             <a:r>
-              <a:rPr lang="en-US" altLang="ko-KR" sz="1600" smtClean="0">
+              <a:rPr lang="en-US" altLang="ko-KR" sz="1600" dirty="0" smtClean="0">
                 <a:ln>
                   <a:solidFill>
                     <a:schemeClr val="tx1">
@@ -9026,7 +9042,7 @@
               <a:t>Pom.xml</a:t>
             </a:r>
             <a:r>
-              <a:rPr lang="ko-KR" altLang="en-US" sz="1600" smtClean="0">
+              <a:rPr lang="ko-KR" altLang="en-US" sz="1600" dirty="0" smtClean="0">
                 <a:ln>
                   <a:solidFill>
                     <a:schemeClr val="tx1">
@@ -9068,7 +9084,7 @@
           <p:cNvPr id="33" name="TextBox 32">
             <a:extLst>
               <a:ext uri="{FF2B5EF4-FFF2-40B4-BE49-F238E27FC236}">
-                <a16:creationId xmlns="" xmlns:a16="http://schemas.microsoft.com/office/drawing/2014/main" id="{7F85061E-E6C3-C84C-BB7D-87EC6FAD4193}"/>
+                <a16:creationId xmlns:a16="http://schemas.microsoft.com/office/drawing/2014/main" xmlns="" id="{7F85061E-E6C3-C84C-BB7D-87EC6FAD4193}"/>
               </a:ext>
             </a:extLst>
           </p:cNvPr>
@@ -9259,7 +9275,7 @@
           <p:cNvPr id="15" name="직선 연결선[R] 9">
             <a:extLst>
               <a:ext uri="{FF2B5EF4-FFF2-40B4-BE49-F238E27FC236}">
-                <a16:creationId xmlns="" xmlns:a16="http://schemas.microsoft.com/office/drawing/2014/main" id="{3857C8F2-A192-E54E-ABE9-F03801DAB105}"/>
+                <a16:creationId xmlns:a16="http://schemas.microsoft.com/office/drawing/2014/main" xmlns="" id="{3857C8F2-A192-E54E-ABE9-F03801DAB105}"/>
               </a:ext>
             </a:extLst>
           </p:cNvPr>
@@ -9339,7 +9355,7 @@
           <p:cNvPr id="13" name="직사각형 12">
             <a:extLst>
               <a:ext uri="{FF2B5EF4-FFF2-40B4-BE49-F238E27FC236}">
-                <a16:creationId xmlns="" xmlns:a16="http://schemas.microsoft.com/office/drawing/2014/main" id="{F323C5E6-A911-2440-93DA-DEE87A35D1B3}"/>
+                <a16:creationId xmlns:a16="http://schemas.microsoft.com/office/drawing/2014/main" xmlns="" id="{F323C5E6-A911-2440-93DA-DEE87A35D1B3}"/>
               </a:ext>
             </a:extLst>
           </p:cNvPr>
@@ -9393,7 +9409,7 @@
           <p:cNvPr id="8" name="직사각형 7">
             <a:extLst>
               <a:ext uri="{FF2B5EF4-FFF2-40B4-BE49-F238E27FC236}">
-                <a16:creationId xmlns="" xmlns:a16="http://schemas.microsoft.com/office/drawing/2014/main" id="{6B8B80B4-792D-174E-8B2C-A10CA85CDD01}"/>
+                <a16:creationId xmlns:a16="http://schemas.microsoft.com/office/drawing/2014/main" xmlns="" id="{6B8B80B4-792D-174E-8B2C-A10CA85CDD01}"/>
               </a:ext>
             </a:extLst>
           </p:cNvPr>
@@ -9445,7 +9461,7 @@
           <p:cNvPr id="9" name="직각 삼각형[R] 8">
             <a:extLst>
               <a:ext uri="{FF2B5EF4-FFF2-40B4-BE49-F238E27FC236}">
-                <a16:creationId xmlns="" xmlns:a16="http://schemas.microsoft.com/office/drawing/2014/main" id="{E9289217-6E56-7D4B-B6FB-329F373CAF3E}"/>
+                <a16:creationId xmlns:a16="http://schemas.microsoft.com/office/drawing/2014/main" xmlns="" id="{E9289217-6E56-7D4B-B6FB-329F373CAF3E}"/>
               </a:ext>
             </a:extLst>
           </p:cNvPr>
@@ -9499,7 +9515,7 @@
           <p:cNvPr id="10" name="TextBox 9">
             <a:extLst>
               <a:ext uri="{FF2B5EF4-FFF2-40B4-BE49-F238E27FC236}">
-                <a16:creationId xmlns="" xmlns:a16="http://schemas.microsoft.com/office/drawing/2014/main" id="{BC578308-8F78-DB4D-8BBF-E8CCC31D5FEE}"/>
+                <a16:creationId xmlns:a16="http://schemas.microsoft.com/office/drawing/2014/main" xmlns="" id="{BC578308-8F78-DB4D-8BBF-E8CCC31D5FEE}"/>
               </a:ext>
             </a:extLst>
           </p:cNvPr>
@@ -9589,7 +9605,7 @@
           <p:cNvPr id="11" name="TextBox 10">
             <a:extLst>
               <a:ext uri="{FF2B5EF4-FFF2-40B4-BE49-F238E27FC236}">
-                <a16:creationId xmlns="" xmlns:a16="http://schemas.microsoft.com/office/drawing/2014/main" id="{849EE5DD-2363-0B42-B4FD-2464134E7BE2}"/>
+                <a16:creationId xmlns:a16="http://schemas.microsoft.com/office/drawing/2014/main" xmlns="" id="{849EE5DD-2363-0B42-B4FD-2464134E7BE2}"/>
               </a:ext>
             </a:extLst>
           </p:cNvPr>
@@ -9599,7 +9615,7 @@
         <p:spPr>
           <a:xfrm>
             <a:off x="212837" y="199491"/>
-            <a:ext cx="3426259" cy="461665"/>
+            <a:ext cx="1770036" cy="461665"/>
           </a:xfrm>
           <a:prstGeom prst="rect">
             <a:avLst/>
@@ -9613,34 +9629,24 @@
           <a:lstStyle/>
           <a:p>
             <a:r>
-              <a:rPr kumimoji="1" lang="en-US" altLang="ko-KR" sz="2400" smtClean="0">
+              <a:rPr kumimoji="1" lang="en-US" altLang="ko-KR" sz="2400" dirty="0" smtClean="0">
                 <a:solidFill>
                   <a:schemeClr val="bg1"/>
                 </a:solidFill>
                 <a:latin typeface="배달의민족 주아" pitchFamily="18" charset="-127"/>
                 <a:ea typeface="배달의민족 주아" pitchFamily="18" charset="-127"/>
               </a:rPr>
-              <a:t>03. Annotation </a:t>
-            </a:r>
-            <a:r>
-              <a:rPr kumimoji="1" lang="ko-KR" altLang="en-US" sz="2400" smtClean="0">
+              <a:t>04. </a:t>
+            </a:r>
+            <a:r>
+              <a:rPr kumimoji="1" lang="ko-KR" altLang="en-US" sz="2400" dirty="0" smtClean="0">
                 <a:solidFill>
                   <a:schemeClr val="bg1"/>
                 </a:solidFill>
                 <a:latin typeface="배달의민족 주아" pitchFamily="18" charset="-127"/>
                 <a:ea typeface="배달의민족 주아" pitchFamily="18" charset="-127"/>
               </a:rPr>
-              <a:t>기반 </a:t>
-            </a:r>
-            <a:r>
-              <a:rPr kumimoji="1" lang="en-US" altLang="ko-KR" sz="2400" smtClean="0">
-                <a:solidFill>
-                  <a:schemeClr val="bg1"/>
-                </a:solidFill>
-                <a:latin typeface="배달의민족 주아" pitchFamily="18" charset="-127"/>
-                <a:ea typeface="배달의민족 주아" pitchFamily="18" charset="-127"/>
-              </a:rPr>
-              <a:t>AOP</a:t>
+              <a:t>샘플 코드</a:t>
             </a:r>
             <a:endParaRPr kumimoji="1" lang="ko-KR" altLang="en-US" sz="2400" dirty="0">
               <a:solidFill>
@@ -9671,7 +9677,7 @@
             <p:cNvPr id="43" name="직사각형 42">
               <a:extLst>
                 <a:ext uri="{FF2B5EF4-FFF2-40B4-BE49-F238E27FC236}">
-                  <a16:creationId xmlns="" xmlns:a16="http://schemas.microsoft.com/office/drawing/2014/main" id="{A89F077E-F7A4-3D49-BAB5-4E9D17005D90}"/>
+                  <a16:creationId xmlns:a16="http://schemas.microsoft.com/office/drawing/2014/main" xmlns="" id="{A89F077E-F7A4-3D49-BAB5-4E9D17005D90}"/>
                 </a:ext>
               </a:extLst>
             </p:cNvPr>
@@ -9725,7 +9731,7 @@
             <p:cNvPr id="44" name="TextBox 43">
               <a:extLst>
                 <a:ext uri="{FF2B5EF4-FFF2-40B4-BE49-F238E27FC236}">
-                  <a16:creationId xmlns="" xmlns:a16="http://schemas.microsoft.com/office/drawing/2014/main" id="{942FB8DE-965C-0845-A309-74C9F51EAF9F}"/>
+                  <a16:creationId xmlns:a16="http://schemas.microsoft.com/office/drawing/2014/main" xmlns="" id="{942FB8DE-965C-0845-A309-74C9F51EAF9F}"/>
                 </a:ext>
               </a:extLst>
             </p:cNvPr>
@@ -9754,14 +9760,7 @@
                   <a:latin typeface="배달의민족 주아" pitchFamily="18" charset="-127"/>
                   <a:ea typeface="배달의민족 주아" pitchFamily="18" charset="-127"/>
                 </a:rPr>
-                <a:t>샘플 </a:t>
-              </a:r>
-              <a:r>
-                <a:rPr kumimoji="1" lang="ko-KR" altLang="en-US" sz="2000" dirty="0" smtClean="0">
-                  <a:latin typeface="배달의민족 주아" pitchFamily="18" charset="-127"/>
-                  <a:ea typeface="배달의민족 주아" pitchFamily="18" charset="-127"/>
-                </a:rPr>
-                <a:t>흐</a:t>
+                <a:t>샘플 흐</a:t>
               </a:r>
               <a:r>
                 <a:rPr kumimoji="1" lang="ko-KR" altLang="en-US" sz="2000" dirty="0">
@@ -9770,10 +9769,6 @@
                 </a:rPr>
                 <a:t>름</a:t>
               </a:r>
-              <a:endParaRPr kumimoji="1" lang="ko-KR" altLang="en-US" sz="2000" dirty="0">
-                <a:latin typeface="배달의민족 주아" pitchFamily="18" charset="-127"/>
-                <a:ea typeface="배달의민족 주아" pitchFamily="18" charset="-127"/>
-              </a:endParaRPr>
             </a:p>
           </p:txBody>
         </p:sp>
@@ -10490,7 +10485,7 @@
           <p:cNvPr id="13" name="직사각형 12">
             <a:extLst>
               <a:ext uri="{FF2B5EF4-FFF2-40B4-BE49-F238E27FC236}">
-                <a16:creationId xmlns="" xmlns:a16="http://schemas.microsoft.com/office/drawing/2014/main" id="{F323C5E6-A911-2440-93DA-DEE87A35D1B3}"/>
+                <a16:creationId xmlns:a16="http://schemas.microsoft.com/office/drawing/2014/main" xmlns="" id="{F323C5E6-A911-2440-93DA-DEE87A35D1B3}"/>
               </a:ext>
             </a:extLst>
           </p:cNvPr>
@@ -10544,7 +10539,7 @@
           <p:cNvPr id="8" name="직사각형 7">
             <a:extLst>
               <a:ext uri="{FF2B5EF4-FFF2-40B4-BE49-F238E27FC236}">
-                <a16:creationId xmlns="" xmlns:a16="http://schemas.microsoft.com/office/drawing/2014/main" id="{6B8B80B4-792D-174E-8B2C-A10CA85CDD01}"/>
+                <a16:creationId xmlns:a16="http://schemas.microsoft.com/office/drawing/2014/main" xmlns="" id="{6B8B80B4-792D-174E-8B2C-A10CA85CDD01}"/>
               </a:ext>
             </a:extLst>
           </p:cNvPr>
@@ -10596,7 +10591,7 @@
           <p:cNvPr id="9" name="직각 삼각형[R] 8">
             <a:extLst>
               <a:ext uri="{FF2B5EF4-FFF2-40B4-BE49-F238E27FC236}">
-                <a16:creationId xmlns="" xmlns:a16="http://schemas.microsoft.com/office/drawing/2014/main" id="{E9289217-6E56-7D4B-B6FB-329F373CAF3E}"/>
+                <a16:creationId xmlns:a16="http://schemas.microsoft.com/office/drawing/2014/main" xmlns="" id="{E9289217-6E56-7D4B-B6FB-329F373CAF3E}"/>
               </a:ext>
             </a:extLst>
           </p:cNvPr>
@@ -10650,7 +10645,7 @@
           <p:cNvPr id="10" name="TextBox 9">
             <a:extLst>
               <a:ext uri="{FF2B5EF4-FFF2-40B4-BE49-F238E27FC236}">
-                <a16:creationId xmlns="" xmlns:a16="http://schemas.microsoft.com/office/drawing/2014/main" id="{BC578308-8F78-DB4D-8BBF-E8CCC31D5FEE}"/>
+                <a16:creationId xmlns:a16="http://schemas.microsoft.com/office/drawing/2014/main" xmlns="" id="{BC578308-8F78-DB4D-8BBF-E8CCC31D5FEE}"/>
               </a:ext>
             </a:extLst>
           </p:cNvPr>
@@ -10721,7 +10716,7 @@
           <p:cNvPr id="11" name="TextBox 10">
             <a:extLst>
               <a:ext uri="{FF2B5EF4-FFF2-40B4-BE49-F238E27FC236}">
-                <a16:creationId xmlns="" xmlns:a16="http://schemas.microsoft.com/office/drawing/2014/main" id="{849EE5DD-2363-0B42-B4FD-2464134E7BE2}"/>
+                <a16:creationId xmlns:a16="http://schemas.microsoft.com/office/drawing/2014/main" xmlns="" id="{849EE5DD-2363-0B42-B4FD-2464134E7BE2}"/>
               </a:ext>
             </a:extLst>
           </p:cNvPr>
@@ -10731,7 +10726,7 @@
         <p:spPr>
           <a:xfrm>
             <a:off x="212837" y="199491"/>
-            <a:ext cx="3426259" cy="461665"/>
+            <a:ext cx="1770036" cy="461665"/>
           </a:xfrm>
           <a:prstGeom prst="rect">
             <a:avLst/>
@@ -10745,34 +10740,24 @@
           <a:lstStyle/>
           <a:p>
             <a:r>
-              <a:rPr kumimoji="1" lang="en-US" altLang="ko-KR" sz="2400" smtClean="0">
+              <a:rPr kumimoji="1" lang="en-US" altLang="ko-KR" sz="2400" dirty="0">
                 <a:solidFill>
                   <a:schemeClr val="bg1"/>
                 </a:solidFill>
                 <a:latin typeface="배달의민족 주아" pitchFamily="18" charset="-127"/>
                 <a:ea typeface="배달의민족 주아" pitchFamily="18" charset="-127"/>
               </a:rPr>
-              <a:t>03. Annotation </a:t>
-            </a:r>
-            <a:r>
-              <a:rPr kumimoji="1" lang="ko-KR" altLang="en-US" sz="2400" smtClean="0">
+              <a:t>04. </a:t>
+            </a:r>
+            <a:r>
+              <a:rPr kumimoji="1" lang="ko-KR" altLang="en-US" sz="2400" dirty="0">
                 <a:solidFill>
                   <a:schemeClr val="bg1"/>
                 </a:solidFill>
                 <a:latin typeface="배달의민족 주아" pitchFamily="18" charset="-127"/>
                 <a:ea typeface="배달의민족 주아" pitchFamily="18" charset="-127"/>
               </a:rPr>
-              <a:t>기반 </a:t>
-            </a:r>
-            <a:r>
-              <a:rPr kumimoji="1" lang="en-US" altLang="ko-KR" sz="2400" smtClean="0">
-                <a:solidFill>
-                  <a:schemeClr val="bg1"/>
-                </a:solidFill>
-                <a:latin typeface="배달의민족 주아" pitchFamily="18" charset="-127"/>
-                <a:ea typeface="배달의민족 주아" pitchFamily="18" charset="-127"/>
-              </a:rPr>
-              <a:t>AOP</a:t>
+              <a:t>샘플 코드</a:t>
             </a:r>
             <a:endParaRPr kumimoji="1" lang="ko-KR" altLang="en-US" sz="2400" dirty="0">
               <a:solidFill>
@@ -10789,7 +10774,7 @@
           <p:cNvPr id="7" name="TextBox 6">
             <a:extLst>
               <a:ext uri="{FF2B5EF4-FFF2-40B4-BE49-F238E27FC236}">
-                <a16:creationId xmlns="" xmlns:a16="http://schemas.microsoft.com/office/drawing/2014/main" id="{942FB8DE-965C-0845-A309-74C9F51EAF9F}"/>
+                <a16:creationId xmlns:a16="http://schemas.microsoft.com/office/drawing/2014/main" xmlns="" id="{942FB8DE-965C-0845-A309-74C9F51EAF9F}"/>
               </a:ext>
             </a:extLst>
           </p:cNvPr>
@@ -10856,7 +10841,7 @@
         </p:nvGrpSpPr>
         <p:grpSpPr>
           <a:xfrm>
-            <a:off x="2197249" y="2076121"/>
+            <a:off x="1119563" y="1998358"/>
             <a:ext cx="7795758" cy="4273288"/>
             <a:chOff x="290819" y="1998358"/>
             <a:chExt cx="7795758" cy="4273288"/>
@@ -11111,6 +11096,281 @@
           </p:txBody>
         </p:sp>
       </p:grpSp>
+      <p:sp>
+        <p:nvSpPr>
+          <p:cNvPr id="14" name="TextBox 13">
+            <a:extLst>
+              <a:ext uri="{FF2B5EF4-FFF2-40B4-BE49-F238E27FC236}">
+                <a16:creationId xmlns:a16="http://schemas.microsoft.com/office/drawing/2014/main" xmlns="" id="{7F85061E-E6C3-C84C-BB7D-87EC6FAD4193}"/>
+              </a:ext>
+            </a:extLst>
+          </p:cNvPr>
+          <p:cNvSpPr txBox="1"/>
+          <p:nvPr/>
+        </p:nvSpPr>
+        <p:spPr>
+          <a:xfrm>
+            <a:off x="7024354" y="2623477"/>
+            <a:ext cx="4016842" cy="412421"/>
+          </a:xfrm>
+          <a:prstGeom prst="rect">
+            <a:avLst/>
+          </a:prstGeom>
+          <a:noFill/>
+        </p:spPr>
+        <p:txBody>
+          <a:bodyPr wrap="square" rtlCol="0">
+            <a:spAutoFit/>
+          </a:bodyPr>
+          <a:lstStyle/>
+          <a:p>
+            <a:pPr algn="r">
+              <a:lnSpc>
+                <a:spcPct val="130000"/>
+              </a:lnSpc>
+            </a:pPr>
+            <a:r>
+              <a:rPr lang="en-US" altLang="ko-KR" sz="1600" dirty="0" err="1" smtClean="0">
+                <a:ln>
+                  <a:solidFill>
+                    <a:schemeClr val="tx1">
+                      <a:lumMod val="50000"/>
+                      <a:lumOff val="50000"/>
+                      <a:alpha val="20000"/>
+                    </a:schemeClr>
+                  </a:solidFill>
+                </a:ln>
+                <a:solidFill>
+                  <a:srgbClr val="BA2836"/>
+                </a:solidFill>
+                <a:latin typeface="배달의민족 주아" pitchFamily="18" charset="-127"/>
+                <a:ea typeface="배달의민족 주아" pitchFamily="18" charset="-127"/>
+              </a:rPr>
+              <a:t>Aop</a:t>
+            </a:r>
+            <a:r>
+              <a:rPr lang="en-US" altLang="ko-KR" sz="1600" dirty="0" smtClean="0">
+                <a:ln>
+                  <a:solidFill>
+                    <a:schemeClr val="tx1">
+                      <a:lumMod val="50000"/>
+                      <a:lumOff val="50000"/>
+                      <a:alpha val="20000"/>
+                    </a:schemeClr>
+                  </a:solidFill>
+                </a:ln>
+                <a:solidFill>
+                  <a:srgbClr val="BA2836"/>
+                </a:solidFill>
+                <a:latin typeface="배달의민족 주아" pitchFamily="18" charset="-127"/>
+                <a:ea typeface="배달의민족 주아" pitchFamily="18" charset="-127"/>
+              </a:rPr>
+              <a:t> </a:t>
+            </a:r>
+            <a:r>
+              <a:rPr lang="ko-KR" altLang="en-US" sz="1600" dirty="0" smtClean="0">
+                <a:ln>
+                  <a:solidFill>
+                    <a:schemeClr val="tx1">
+                      <a:lumMod val="50000"/>
+                      <a:lumOff val="50000"/>
+                      <a:alpha val="20000"/>
+                    </a:schemeClr>
+                  </a:solidFill>
+                </a:ln>
+                <a:solidFill>
+                  <a:srgbClr val="BA2836"/>
+                </a:solidFill>
+                <a:latin typeface="배달의민족 주아" pitchFamily="18" charset="-127"/>
+                <a:ea typeface="배달의민족 주아" pitchFamily="18" charset="-127"/>
+              </a:rPr>
+              <a:t>관련 설정을 추가하기 위해 </a:t>
+            </a:r>
+            <a:r>
+              <a:rPr lang="en-US" altLang="ko-KR" sz="1600" dirty="0" smtClean="0">
+                <a:ln>
+                  <a:solidFill>
+                    <a:schemeClr val="tx1">
+                      <a:lumMod val="50000"/>
+                      <a:lumOff val="50000"/>
+                      <a:alpha val="20000"/>
+                    </a:schemeClr>
+                  </a:solidFill>
+                </a:ln>
+                <a:solidFill>
+                  <a:srgbClr val="BA2836"/>
+                </a:solidFill>
+                <a:latin typeface="배달의민족 주아" pitchFamily="18" charset="-127"/>
+                <a:ea typeface="배달의민족 주아" pitchFamily="18" charset="-127"/>
+              </a:rPr>
+              <a:t>namespace </a:t>
+            </a:r>
+            <a:r>
+              <a:rPr lang="ko-KR" altLang="en-US" sz="1600" dirty="0" smtClean="0">
+                <a:ln>
+                  <a:solidFill>
+                    <a:schemeClr val="tx1">
+                      <a:lumMod val="50000"/>
+                      <a:lumOff val="50000"/>
+                      <a:alpha val="20000"/>
+                    </a:schemeClr>
+                  </a:solidFill>
+                </a:ln>
+                <a:solidFill>
+                  <a:srgbClr val="BA2836"/>
+                </a:solidFill>
+                <a:latin typeface="배달의민족 주아" pitchFamily="18" charset="-127"/>
+                <a:ea typeface="배달의민족 주아" pitchFamily="18" charset="-127"/>
+              </a:rPr>
+              <a:t>추가</a:t>
+            </a:r>
+            <a:endParaRPr lang="en-US" altLang="ko-KR" sz="1600" dirty="0">
+              <a:ln>
+                <a:solidFill>
+                  <a:schemeClr val="tx1">
+                    <a:lumMod val="50000"/>
+                    <a:lumOff val="50000"/>
+                    <a:alpha val="20000"/>
+                  </a:schemeClr>
+                </a:solidFill>
+              </a:ln>
+              <a:solidFill>
+                <a:srgbClr val="BA2836"/>
+              </a:solidFill>
+              <a:latin typeface="배달의민족 주아" pitchFamily="18" charset="-127"/>
+              <a:ea typeface="배달의민족 주아" pitchFamily="18" charset="-127"/>
+            </a:endParaRPr>
+          </a:p>
+        </p:txBody>
+      </p:sp>
+      <p:sp>
+        <p:nvSpPr>
+          <p:cNvPr id="18" name="TextBox 17">
+            <a:extLst>
+              <a:ext uri="{FF2B5EF4-FFF2-40B4-BE49-F238E27FC236}">
+                <a16:creationId xmlns:a16="http://schemas.microsoft.com/office/drawing/2014/main" xmlns="" id="{7F85061E-E6C3-C84C-BB7D-87EC6FAD4193}"/>
+              </a:ext>
+            </a:extLst>
+          </p:cNvPr>
+          <p:cNvSpPr txBox="1"/>
+          <p:nvPr/>
+        </p:nvSpPr>
+        <p:spPr>
+          <a:xfrm>
+            <a:off x="3758637" y="4723827"/>
+            <a:ext cx="4414007" cy="412421"/>
+          </a:xfrm>
+          <a:prstGeom prst="rect">
+            <a:avLst/>
+          </a:prstGeom>
+          <a:noFill/>
+        </p:spPr>
+        <p:txBody>
+          <a:bodyPr wrap="square" rtlCol="0">
+            <a:spAutoFit/>
+          </a:bodyPr>
+          <a:lstStyle/>
+          <a:p>
+            <a:pPr>
+              <a:lnSpc>
+                <a:spcPct val="130000"/>
+              </a:lnSpc>
+            </a:pPr>
+            <a:r>
+              <a:rPr lang="en-US" altLang="ko-KR" sz="1600" dirty="0" smtClean="0">
+                <a:ln>
+                  <a:solidFill>
+                    <a:schemeClr val="tx1">
+                      <a:lumMod val="50000"/>
+                      <a:lumOff val="50000"/>
+                      <a:alpha val="20000"/>
+                    </a:schemeClr>
+                  </a:solidFill>
+                </a:ln>
+                <a:solidFill>
+                  <a:srgbClr val="BA2836"/>
+                </a:solidFill>
+                <a:latin typeface="배달의민족 주아" pitchFamily="18" charset="-127"/>
+                <a:ea typeface="배달의민족 주아" pitchFamily="18" charset="-127"/>
+              </a:rPr>
+              <a:t>@Aspect</a:t>
+            </a:r>
+            <a:r>
+              <a:rPr lang="ko-KR" altLang="en-US" sz="1600" dirty="0" smtClean="0">
+                <a:ln>
+                  <a:solidFill>
+                    <a:schemeClr val="tx1">
+                      <a:lumMod val="50000"/>
+                      <a:lumOff val="50000"/>
+                      <a:alpha val="20000"/>
+                    </a:schemeClr>
+                  </a:solidFill>
+                </a:ln>
+                <a:solidFill>
+                  <a:srgbClr val="BA2836"/>
+                </a:solidFill>
+                <a:latin typeface="배달의민족 주아" pitchFamily="18" charset="-127"/>
+                <a:ea typeface="배달의민족 주아" pitchFamily="18" charset="-127"/>
+              </a:rPr>
+              <a:t>로 선언된 클래스를 자동으로 </a:t>
+            </a:r>
+            <a:r>
+              <a:rPr lang="en-US" altLang="ko-KR" sz="1600" dirty="0" smtClean="0">
+                <a:ln>
+                  <a:solidFill>
+                    <a:schemeClr val="tx1">
+                      <a:lumMod val="50000"/>
+                      <a:lumOff val="50000"/>
+                      <a:alpha val="20000"/>
+                    </a:schemeClr>
+                  </a:solidFill>
+                </a:ln>
+                <a:solidFill>
+                  <a:srgbClr val="BA2836"/>
+                </a:solidFill>
+                <a:latin typeface="배달의민족 주아" pitchFamily="18" charset="-127"/>
+                <a:ea typeface="배달의민족 주아" pitchFamily="18" charset="-127"/>
+              </a:rPr>
+              <a:t>Aspect</a:t>
+            </a:r>
+            <a:r>
+              <a:rPr lang="ko-KR" altLang="en-US" sz="1600" dirty="0" smtClean="0">
+                <a:ln>
+                  <a:solidFill>
+                    <a:schemeClr val="tx1">
+                      <a:lumMod val="50000"/>
+                      <a:lumOff val="50000"/>
+                      <a:alpha val="20000"/>
+                    </a:schemeClr>
+                  </a:solidFill>
+                </a:ln>
+                <a:solidFill>
+                  <a:srgbClr val="BA2836"/>
+                </a:solidFill>
+                <a:latin typeface="배달의민족 주아" pitchFamily="18" charset="-127"/>
+                <a:ea typeface="배달의민족 주아" pitchFamily="18" charset="-127"/>
+              </a:rPr>
+              <a:t>로 등록</a:t>
+            </a:r>
+            <a:endParaRPr lang="en-US" altLang="ko-KR" sz="1600" dirty="0">
+              <a:ln>
+                <a:solidFill>
+                  <a:schemeClr val="tx1">
+                    <a:lumMod val="50000"/>
+                    <a:lumOff val="50000"/>
+                    <a:alpha val="20000"/>
+                  </a:schemeClr>
+                </a:solidFill>
+              </a:ln>
+              <a:solidFill>
+                <a:srgbClr val="BA2836"/>
+              </a:solidFill>
+              <a:latin typeface="배달의민족 주아" pitchFamily="18" charset="-127"/>
+              <a:ea typeface="배달의민족 주아" pitchFamily="18" charset="-127"/>
+            </a:endParaRPr>
+          </a:p>
+        </p:txBody>
+      </p:sp>
     </p:spTree>
     <p:extLst>
       <p:ext uri="{BB962C8B-B14F-4D97-AF65-F5344CB8AC3E}">
@@ -11153,7 +11413,7 @@
           <p:cNvPr id="13" name="직사각형 12">
             <a:extLst>
               <a:ext uri="{FF2B5EF4-FFF2-40B4-BE49-F238E27FC236}">
-                <a16:creationId xmlns="" xmlns:a16="http://schemas.microsoft.com/office/drawing/2014/main" id="{F323C5E6-A911-2440-93DA-DEE87A35D1B3}"/>
+                <a16:creationId xmlns:a16="http://schemas.microsoft.com/office/drawing/2014/main" xmlns="" id="{F323C5E6-A911-2440-93DA-DEE87A35D1B3}"/>
               </a:ext>
             </a:extLst>
           </p:cNvPr>
@@ -11207,7 +11467,7 @@
           <p:cNvPr id="8" name="직사각형 7">
             <a:extLst>
               <a:ext uri="{FF2B5EF4-FFF2-40B4-BE49-F238E27FC236}">
-                <a16:creationId xmlns="" xmlns:a16="http://schemas.microsoft.com/office/drawing/2014/main" id="{6B8B80B4-792D-174E-8B2C-A10CA85CDD01}"/>
+                <a16:creationId xmlns:a16="http://schemas.microsoft.com/office/drawing/2014/main" xmlns="" id="{6B8B80B4-792D-174E-8B2C-A10CA85CDD01}"/>
               </a:ext>
             </a:extLst>
           </p:cNvPr>
@@ -11259,7 +11519,7 @@
           <p:cNvPr id="9" name="직각 삼각형[R] 8">
             <a:extLst>
               <a:ext uri="{FF2B5EF4-FFF2-40B4-BE49-F238E27FC236}">
-                <a16:creationId xmlns="" xmlns:a16="http://schemas.microsoft.com/office/drawing/2014/main" id="{E9289217-6E56-7D4B-B6FB-329F373CAF3E}"/>
+                <a16:creationId xmlns:a16="http://schemas.microsoft.com/office/drawing/2014/main" xmlns="" id="{E9289217-6E56-7D4B-B6FB-329F373CAF3E}"/>
               </a:ext>
             </a:extLst>
           </p:cNvPr>
@@ -11313,7 +11573,7 @@
           <p:cNvPr id="10" name="TextBox 9">
             <a:extLst>
               <a:ext uri="{FF2B5EF4-FFF2-40B4-BE49-F238E27FC236}">
-                <a16:creationId xmlns="" xmlns:a16="http://schemas.microsoft.com/office/drawing/2014/main" id="{BC578308-8F78-DB4D-8BBF-E8CCC31D5FEE}"/>
+                <a16:creationId xmlns:a16="http://schemas.microsoft.com/office/drawing/2014/main" xmlns="" id="{BC578308-8F78-DB4D-8BBF-E8CCC31D5FEE}"/>
               </a:ext>
             </a:extLst>
           </p:cNvPr>
@@ -11384,7 +11644,7 @@
           <p:cNvPr id="11" name="TextBox 10">
             <a:extLst>
               <a:ext uri="{FF2B5EF4-FFF2-40B4-BE49-F238E27FC236}">
-                <a16:creationId xmlns="" xmlns:a16="http://schemas.microsoft.com/office/drawing/2014/main" id="{849EE5DD-2363-0B42-B4FD-2464134E7BE2}"/>
+                <a16:creationId xmlns:a16="http://schemas.microsoft.com/office/drawing/2014/main" xmlns="" id="{849EE5DD-2363-0B42-B4FD-2464134E7BE2}"/>
               </a:ext>
             </a:extLst>
           </p:cNvPr>
@@ -11394,7 +11654,7 @@
         <p:spPr>
           <a:xfrm>
             <a:off x="212837" y="199491"/>
-            <a:ext cx="3426259" cy="461665"/>
+            <a:ext cx="1770036" cy="461665"/>
           </a:xfrm>
           <a:prstGeom prst="rect">
             <a:avLst/>
@@ -11408,34 +11668,24 @@
           <a:lstStyle/>
           <a:p>
             <a:r>
-              <a:rPr kumimoji="1" lang="en-US" altLang="ko-KR" sz="2400" smtClean="0">
+              <a:rPr kumimoji="1" lang="en-US" altLang="ko-KR" sz="2400" dirty="0">
                 <a:solidFill>
                   <a:schemeClr val="bg1"/>
                 </a:solidFill>
                 <a:latin typeface="배달의민족 주아" pitchFamily="18" charset="-127"/>
                 <a:ea typeface="배달의민족 주아" pitchFamily="18" charset="-127"/>
               </a:rPr>
-              <a:t>03. Annotation </a:t>
-            </a:r>
-            <a:r>
-              <a:rPr kumimoji="1" lang="ko-KR" altLang="en-US" sz="2400" smtClean="0">
+              <a:t>04. </a:t>
+            </a:r>
+            <a:r>
+              <a:rPr kumimoji="1" lang="ko-KR" altLang="en-US" sz="2400" dirty="0">
                 <a:solidFill>
                   <a:schemeClr val="bg1"/>
                 </a:solidFill>
                 <a:latin typeface="배달의민족 주아" pitchFamily="18" charset="-127"/>
                 <a:ea typeface="배달의민족 주아" pitchFamily="18" charset="-127"/>
               </a:rPr>
-              <a:t>기반 </a:t>
-            </a:r>
-            <a:r>
-              <a:rPr kumimoji="1" lang="en-US" altLang="ko-KR" sz="2400" smtClean="0">
-                <a:solidFill>
-                  <a:schemeClr val="bg1"/>
-                </a:solidFill>
-                <a:latin typeface="배달의민족 주아" pitchFamily="18" charset="-127"/>
-                <a:ea typeface="배달의민족 주아" pitchFamily="18" charset="-127"/>
-              </a:rPr>
-              <a:t>AOP</a:t>
+              <a:t>샘플 코드</a:t>
             </a:r>
             <a:endParaRPr kumimoji="1" lang="ko-KR" altLang="en-US" sz="2400" dirty="0">
               <a:solidFill>
@@ -11452,7 +11702,7 @@
           <p:cNvPr id="7" name="TextBox 6">
             <a:extLst>
               <a:ext uri="{FF2B5EF4-FFF2-40B4-BE49-F238E27FC236}">
-                <a16:creationId xmlns="" xmlns:a16="http://schemas.microsoft.com/office/drawing/2014/main" id="{942FB8DE-965C-0845-A309-74C9F51EAF9F}"/>
+                <a16:creationId xmlns:a16="http://schemas.microsoft.com/office/drawing/2014/main" xmlns="" id="{942FB8DE-965C-0845-A309-74C9F51EAF9F}"/>
               </a:ext>
             </a:extLst>
           </p:cNvPr>
@@ -11506,7 +11756,7 @@
           <p:cNvPr id="12" name="TextBox 11">
             <a:extLst>
               <a:ext uri="{FF2B5EF4-FFF2-40B4-BE49-F238E27FC236}">
-                <a16:creationId xmlns="" xmlns:a16="http://schemas.microsoft.com/office/drawing/2014/main" id="{3B845D38-5442-6B48-ADA4-3CD7234B8DE3}"/>
+                <a16:creationId xmlns:a16="http://schemas.microsoft.com/office/drawing/2014/main" xmlns="" id="{3B845D38-5442-6B48-ADA4-3CD7234B8DE3}"/>
               </a:ext>
             </a:extLst>
           </p:cNvPr>
@@ -11615,14 +11865,7 @@
                 <a:latin typeface="배달의민족 주아" pitchFamily="18" charset="-127"/>
                 <a:ea typeface="배달의민족 주아" pitchFamily="18" charset="-127"/>
               </a:rPr>
-              <a:t> </a:t>
-            </a:r>
-            <a:r>
-              <a:rPr kumimoji="1" lang="ko-KR" altLang="en-US" sz="1400" dirty="0" smtClean="0">
-                <a:latin typeface="배달의민족 주아" pitchFamily="18" charset="-127"/>
-                <a:ea typeface="배달의민족 주아" pitchFamily="18" charset="-127"/>
-              </a:rPr>
-              <a:t>값으로 가지며 </a:t>
+              <a:t> 값으로 가지며 </a:t>
             </a:r>
             <a:endParaRPr kumimoji="1" lang="en-US" altLang="ko-KR" sz="1400" dirty="0" smtClean="0">
               <a:latin typeface="배달의민족 주아" pitchFamily="18" charset="-127"/>
@@ -11647,14 +11890,7 @@
                 <a:latin typeface="배달의민족 주아" pitchFamily="18" charset="-127"/>
                 <a:ea typeface="배달의민족 주아" pitchFamily="18" charset="-127"/>
               </a:rPr>
-              <a:t>                   </a:t>
-            </a:r>
-            <a:r>
-              <a:rPr kumimoji="1" lang="en-US" altLang="ko-KR" sz="1400" dirty="0" smtClean="0">
-                <a:latin typeface="배달의민족 주아" pitchFamily="18" charset="-127"/>
-                <a:ea typeface="배달의민족 주아" pitchFamily="18" charset="-127"/>
-              </a:rPr>
-              <a:t>@</a:t>
+              <a:t>                   @</a:t>
             </a:r>
             <a:r>
               <a:rPr kumimoji="1" lang="en-US" altLang="ko-KR" sz="1400" dirty="0" err="1" smtClean="0">
@@ -11724,49 +11960,35 @@
                 <a:latin typeface="배달의민족 주아" pitchFamily="18" charset="-127"/>
                 <a:ea typeface="배달의민족 주아" pitchFamily="18" charset="-127"/>
               </a:rPr>
-              <a:t> </a:t>
+              <a:t> @</a:t>
+            </a:r>
+            <a:r>
+              <a:rPr kumimoji="1" lang="en-US" altLang="ko-KR" sz="1400" dirty="0" err="1" smtClean="0">
+                <a:latin typeface="배달의민족 주아" pitchFamily="18" charset="-127"/>
+                <a:ea typeface="배달의민족 주아" pitchFamily="18" charset="-127"/>
+              </a:rPr>
+              <a:t>pointcut</a:t>
+            </a:r>
+            <a:r>
+              <a:rPr kumimoji="1" lang="ko-KR" altLang="en-US" sz="1400" dirty="0" smtClean="0">
+                <a:latin typeface="배달의민족 주아" pitchFamily="18" charset="-127"/>
+                <a:ea typeface="배달의민족 주아" pitchFamily="18" charset="-127"/>
+              </a:rPr>
+              <a:t>이 적용된 </a:t>
             </a:r>
             <a:r>
               <a:rPr kumimoji="1" lang="en-US" altLang="ko-KR" sz="1400" dirty="0" smtClean="0">
                 <a:latin typeface="배달의민족 주아" pitchFamily="18" charset="-127"/>
                 <a:ea typeface="배달의민족 주아" pitchFamily="18" charset="-127"/>
               </a:rPr>
-              <a:t>@</a:t>
-            </a:r>
-            <a:r>
-              <a:rPr kumimoji="1" lang="en-US" altLang="ko-KR" sz="1400" dirty="0" err="1" smtClean="0">
-                <a:latin typeface="배달의민족 주아" pitchFamily="18" charset="-127"/>
-                <a:ea typeface="배달의민족 주아" pitchFamily="18" charset="-127"/>
-              </a:rPr>
-              <a:t>pointcut</a:t>
+              <a:t>method</a:t>
             </a:r>
             <a:r>
               <a:rPr kumimoji="1" lang="ko-KR" altLang="en-US" sz="1400" dirty="0" smtClean="0">
                 <a:latin typeface="배달의민족 주아" pitchFamily="18" charset="-127"/>
                 <a:ea typeface="배달의민족 주아" pitchFamily="18" charset="-127"/>
               </a:rPr>
-              <a:t>이 적용된 </a:t>
-            </a:r>
-            <a:r>
-              <a:rPr kumimoji="1" lang="en-US" altLang="ko-KR" sz="1400" dirty="0" smtClean="0">
-                <a:latin typeface="배달의민족 주아" pitchFamily="18" charset="-127"/>
-                <a:ea typeface="배달의민족 주아" pitchFamily="18" charset="-127"/>
-              </a:rPr>
-              <a:t>method</a:t>
-            </a:r>
-            <a:r>
-              <a:rPr kumimoji="1" lang="ko-KR" altLang="en-US" sz="1400" dirty="0" smtClean="0">
-                <a:latin typeface="배달의민족 주아" pitchFamily="18" charset="-127"/>
-                <a:ea typeface="배달의민족 주아" pitchFamily="18" charset="-127"/>
-              </a:rPr>
-              <a:t>는 몸체에 코드 가지고 있지 </a:t>
-            </a:r>
-            <a:r>
-              <a:rPr kumimoji="1" lang="ko-KR" altLang="en-US" sz="1400" dirty="0" smtClean="0">
-                <a:latin typeface="배달의민족 주아" pitchFamily="18" charset="-127"/>
-                <a:ea typeface="배달의민족 주아" pitchFamily="18" charset="-127"/>
-              </a:rPr>
-              <a:t>않음</a:t>
+              <a:t>는 몸체에 코드 가지고 있지 않음</a:t>
             </a:r>
             <a:endParaRPr kumimoji="1" lang="en-US" altLang="ko-KR" sz="1400" dirty="0" smtClean="0">
               <a:latin typeface="배달의민족 주아" pitchFamily="18" charset="-127"/>
@@ -12912,7 +13134,7 @@
           <p:cNvPr id="13" name="직사각형 12">
             <a:extLst>
               <a:ext uri="{FF2B5EF4-FFF2-40B4-BE49-F238E27FC236}">
-                <a16:creationId xmlns="" xmlns:a16="http://schemas.microsoft.com/office/drawing/2014/main" id="{F323C5E6-A911-2440-93DA-DEE87A35D1B3}"/>
+                <a16:creationId xmlns:a16="http://schemas.microsoft.com/office/drawing/2014/main" xmlns="" id="{F323C5E6-A911-2440-93DA-DEE87A35D1B3}"/>
               </a:ext>
             </a:extLst>
           </p:cNvPr>
@@ -12966,7 +13188,7 @@
           <p:cNvPr id="8" name="직사각형 7">
             <a:extLst>
               <a:ext uri="{FF2B5EF4-FFF2-40B4-BE49-F238E27FC236}">
-                <a16:creationId xmlns="" xmlns:a16="http://schemas.microsoft.com/office/drawing/2014/main" id="{6B8B80B4-792D-174E-8B2C-A10CA85CDD01}"/>
+                <a16:creationId xmlns:a16="http://schemas.microsoft.com/office/drawing/2014/main" xmlns="" id="{6B8B80B4-792D-174E-8B2C-A10CA85CDD01}"/>
               </a:ext>
             </a:extLst>
           </p:cNvPr>
@@ -13018,7 +13240,7 @@
           <p:cNvPr id="9" name="직각 삼각형[R] 8">
             <a:extLst>
               <a:ext uri="{FF2B5EF4-FFF2-40B4-BE49-F238E27FC236}">
-                <a16:creationId xmlns="" xmlns:a16="http://schemas.microsoft.com/office/drawing/2014/main" id="{E9289217-6E56-7D4B-B6FB-329F373CAF3E}"/>
+                <a16:creationId xmlns:a16="http://schemas.microsoft.com/office/drawing/2014/main" xmlns="" id="{E9289217-6E56-7D4B-B6FB-329F373CAF3E}"/>
               </a:ext>
             </a:extLst>
           </p:cNvPr>
@@ -13072,7 +13294,7 @@
           <p:cNvPr id="10" name="TextBox 9">
             <a:extLst>
               <a:ext uri="{FF2B5EF4-FFF2-40B4-BE49-F238E27FC236}">
-                <a16:creationId xmlns="" xmlns:a16="http://schemas.microsoft.com/office/drawing/2014/main" id="{BC578308-8F78-DB4D-8BBF-E8CCC31D5FEE}"/>
+                <a16:creationId xmlns:a16="http://schemas.microsoft.com/office/drawing/2014/main" xmlns="" id="{BC578308-8F78-DB4D-8BBF-E8CCC31D5FEE}"/>
               </a:ext>
             </a:extLst>
           </p:cNvPr>
@@ -13162,7 +13384,7 @@
           <p:cNvPr id="11" name="TextBox 10">
             <a:extLst>
               <a:ext uri="{FF2B5EF4-FFF2-40B4-BE49-F238E27FC236}">
-                <a16:creationId xmlns="" xmlns:a16="http://schemas.microsoft.com/office/drawing/2014/main" id="{849EE5DD-2363-0B42-B4FD-2464134E7BE2}"/>
+                <a16:creationId xmlns:a16="http://schemas.microsoft.com/office/drawing/2014/main" xmlns="" id="{849EE5DD-2363-0B42-B4FD-2464134E7BE2}"/>
               </a:ext>
             </a:extLst>
           </p:cNvPr>
@@ -13172,7 +13394,7 @@
         <p:spPr>
           <a:xfrm>
             <a:off x="212837" y="199491"/>
-            <a:ext cx="3426259" cy="461665"/>
+            <a:ext cx="1770036" cy="461665"/>
           </a:xfrm>
           <a:prstGeom prst="rect">
             <a:avLst/>
@@ -13186,34 +13408,24 @@
           <a:lstStyle/>
           <a:p>
             <a:r>
-              <a:rPr kumimoji="1" lang="en-US" altLang="ko-KR" sz="2400" smtClean="0">
+              <a:rPr kumimoji="1" lang="en-US" altLang="ko-KR" sz="2400" dirty="0">
                 <a:solidFill>
                   <a:schemeClr val="bg1"/>
                 </a:solidFill>
                 <a:latin typeface="배달의민족 주아" pitchFamily="18" charset="-127"/>
                 <a:ea typeface="배달의민족 주아" pitchFamily="18" charset="-127"/>
               </a:rPr>
-              <a:t>03. Annotation </a:t>
-            </a:r>
-            <a:r>
-              <a:rPr kumimoji="1" lang="ko-KR" altLang="en-US" sz="2400" smtClean="0">
+              <a:t>04. </a:t>
+            </a:r>
+            <a:r>
+              <a:rPr kumimoji="1" lang="ko-KR" altLang="en-US" sz="2400" dirty="0">
                 <a:solidFill>
                   <a:schemeClr val="bg1"/>
                 </a:solidFill>
                 <a:latin typeface="배달의민족 주아" pitchFamily="18" charset="-127"/>
                 <a:ea typeface="배달의민족 주아" pitchFamily="18" charset="-127"/>
               </a:rPr>
-              <a:t>기반 </a:t>
-            </a:r>
-            <a:r>
-              <a:rPr kumimoji="1" lang="en-US" altLang="ko-KR" sz="2400" smtClean="0">
-                <a:solidFill>
-                  <a:schemeClr val="bg1"/>
-                </a:solidFill>
-                <a:latin typeface="배달의민족 주아" pitchFamily="18" charset="-127"/>
-                <a:ea typeface="배달의민족 주아" pitchFamily="18" charset="-127"/>
-              </a:rPr>
-              <a:t>AOP</a:t>
+              <a:t>샘플 코드</a:t>
             </a:r>
             <a:endParaRPr kumimoji="1" lang="ko-KR" altLang="en-US" sz="2400" dirty="0">
               <a:solidFill>
@@ -13572,7 +13784,7 @@
           <p:cNvPr id="43" name="직선 연결선[R] 9">
             <a:extLst>
               <a:ext uri="{FF2B5EF4-FFF2-40B4-BE49-F238E27FC236}">
-                <a16:creationId xmlns="" xmlns:a16="http://schemas.microsoft.com/office/drawing/2014/main" id="{3857C8F2-A192-E54E-ABE9-F03801DAB105}"/>
+                <a16:creationId xmlns:a16="http://schemas.microsoft.com/office/drawing/2014/main" xmlns="" id="{3857C8F2-A192-E54E-ABE9-F03801DAB105}"/>
               </a:ext>
             </a:extLst>
           </p:cNvPr>
@@ -13615,7 +13827,7 @@
           <p:cNvPr id="49" name="TextBox 48">
             <a:extLst>
               <a:ext uri="{FF2B5EF4-FFF2-40B4-BE49-F238E27FC236}">
-                <a16:creationId xmlns="" xmlns:a16="http://schemas.microsoft.com/office/drawing/2014/main" id="{942FB8DE-965C-0845-A309-74C9F51EAF9F}"/>
+                <a16:creationId xmlns:a16="http://schemas.microsoft.com/office/drawing/2014/main" xmlns="" id="{942FB8DE-965C-0845-A309-74C9F51EAF9F}"/>
               </a:ext>
             </a:extLst>
           </p:cNvPr>
@@ -13683,7 +13895,7 @@
             <p:cNvPr id="51" name="직사각형 50">
               <a:extLst>
                 <a:ext uri="{FF2B5EF4-FFF2-40B4-BE49-F238E27FC236}">
-                  <a16:creationId xmlns="" xmlns:a16="http://schemas.microsoft.com/office/drawing/2014/main" id="{A89F077E-F7A4-3D49-BAB5-4E9D17005D90}"/>
+                  <a16:creationId xmlns:a16="http://schemas.microsoft.com/office/drawing/2014/main" xmlns="" id="{A89F077E-F7A4-3D49-BAB5-4E9D17005D90}"/>
                 </a:ext>
               </a:extLst>
             </p:cNvPr>
@@ -13737,7 +13949,7 @@
             <p:cNvPr id="52" name="TextBox 51">
               <a:extLst>
                 <a:ext uri="{FF2B5EF4-FFF2-40B4-BE49-F238E27FC236}">
-                  <a16:creationId xmlns="" xmlns:a16="http://schemas.microsoft.com/office/drawing/2014/main" id="{942FB8DE-965C-0845-A309-74C9F51EAF9F}"/>
+                  <a16:creationId xmlns:a16="http://schemas.microsoft.com/office/drawing/2014/main" xmlns="" id="{942FB8DE-965C-0845-A309-74C9F51EAF9F}"/>
                 </a:ext>
               </a:extLst>
             </p:cNvPr>
@@ -13812,7 +14024,7 @@
             <p:cNvPr id="54" name="직사각형 53">
               <a:extLst>
                 <a:ext uri="{FF2B5EF4-FFF2-40B4-BE49-F238E27FC236}">
-                  <a16:creationId xmlns="" xmlns:a16="http://schemas.microsoft.com/office/drawing/2014/main" id="{A89F077E-F7A4-3D49-BAB5-4E9D17005D90}"/>
+                  <a16:creationId xmlns:a16="http://schemas.microsoft.com/office/drawing/2014/main" xmlns="" id="{A89F077E-F7A4-3D49-BAB5-4E9D17005D90}"/>
                 </a:ext>
               </a:extLst>
             </p:cNvPr>
@@ -13866,7 +14078,7 @@
             <p:cNvPr id="55" name="TextBox 54">
               <a:extLst>
                 <a:ext uri="{FF2B5EF4-FFF2-40B4-BE49-F238E27FC236}">
-                  <a16:creationId xmlns="" xmlns:a16="http://schemas.microsoft.com/office/drawing/2014/main" id="{942FB8DE-965C-0845-A309-74C9F51EAF9F}"/>
+                  <a16:creationId xmlns:a16="http://schemas.microsoft.com/office/drawing/2014/main" xmlns="" id="{942FB8DE-965C-0845-A309-74C9F51EAF9F}"/>
                 </a:ext>
               </a:extLst>
             </p:cNvPr>
@@ -13907,13 +14119,6 @@
                 </a:rPr>
                 <a:t>실패</a:t>
               </a:r>
-              <a:endParaRPr kumimoji="1" lang="ko-KR" altLang="en-US" sz="2000" dirty="0">
-                <a:solidFill>
-                  <a:srgbClr val="BA2836"/>
-                </a:solidFill>
-                <a:latin typeface="배달의민족 주아" pitchFamily="18" charset="-127"/>
-                <a:ea typeface="배달의민족 주아" pitchFamily="18" charset="-127"/>
-              </a:endParaRPr>
             </a:p>
           </p:txBody>
         </p:sp>
@@ -14227,7 +14432,7 @@
   <a:extraClrSchemeLst/>
   <a:extLst>
     <a:ext uri="{05A4C25C-085E-4340-85A3-A5531E510DB2}">
-      <thm15:themeFamily xmlns="" xmlns:thm15="http://schemas.microsoft.com/office/thememl/2012/main" name="Office Theme" id="{62F939B6-93AF-4DB8-9C6B-D6C7DFDC589F}" vid="{4A3C46E8-61CC-4603-A589-7422A47A8E4A}"/>
+      <thm15:themeFamily xmlns:thm15="http://schemas.microsoft.com/office/thememl/2012/main" xmlns="" name="Office Theme" id="{62F939B6-93AF-4DB8-9C6B-D6C7DFDC589F}" vid="{4A3C46E8-61CC-4603-A589-7422A47A8E4A}"/>
     </a:ext>
   </a:extLst>
 </a:theme>
@@ -14522,7 +14727,7 @@
   <a:extraClrSchemeLst/>
   <a:extLst>
     <a:ext uri="{05A4C25C-085E-4340-85A3-A5531E510DB2}">
-      <thm15:themeFamily xmlns="" xmlns:thm15="http://schemas.microsoft.com/office/thememl/2012/main" name="Office Theme" id="{62F939B6-93AF-4DB8-9C6B-D6C7DFDC589F}" vid="{4A3C46E8-61CC-4603-A589-7422A47A8E4A}"/>
+      <thm15:themeFamily xmlns:thm15="http://schemas.microsoft.com/office/thememl/2012/main" xmlns="" name="Office Theme" id="{62F939B6-93AF-4DB8-9C6B-D6C7DFDC589F}" vid="{4A3C46E8-61CC-4603-A589-7422A47A8E4A}"/>
     </a:ext>
   </a:extLst>
 </a:theme>

--- a/01.doc/AOP.pptx
+++ b/01.doc/AOP.pptx
@@ -129,7 +129,7 @@
   </p:defaultTextStyle>
   <p:extLst>
     <p:ext uri="{EFAFB233-063F-42B5-8137-9DF3F51BA10A}">
-      <p15:sldGuideLst xmlns:p15="http://schemas.microsoft.com/office/powerpoint/2012/main" xmlns=""/>
+      <p15:sldGuideLst xmlns="" xmlns:p15="http://schemas.microsoft.com/office/powerpoint/2012/main"/>
     </p:ext>
   </p:extLst>
 </p:presentation>
@@ -483,7 +483,7 @@
           <p:cNvPr id="2" name="제목 1">
             <a:extLst>
               <a:ext uri="{FF2B5EF4-FFF2-40B4-BE49-F238E27FC236}">
-                <a16:creationId xmlns:a16="http://schemas.microsoft.com/office/drawing/2014/main" xmlns="" id="{F0215948-5B1A-E54E-93AD-8B579A758275}"/>
+                <a16:creationId xmlns="" xmlns:a16="http://schemas.microsoft.com/office/drawing/2014/main" id="{F0215948-5B1A-E54E-93AD-8B579A758275}"/>
               </a:ext>
             </a:extLst>
           </p:cNvPr>
@@ -520,7 +520,7 @@
           <p:cNvPr id="3" name="부제목 2">
             <a:extLst>
               <a:ext uri="{FF2B5EF4-FFF2-40B4-BE49-F238E27FC236}">
-                <a16:creationId xmlns:a16="http://schemas.microsoft.com/office/drawing/2014/main" xmlns="" id="{588E59E6-D1AC-D84D-B0EB-CCA091FBF5B9}"/>
+                <a16:creationId xmlns="" xmlns:a16="http://schemas.microsoft.com/office/drawing/2014/main" id="{588E59E6-D1AC-D84D-B0EB-CCA091FBF5B9}"/>
               </a:ext>
             </a:extLst>
           </p:cNvPr>
@@ -590,7 +590,7 @@
           <p:cNvPr id="4" name="날짜 개체 틀 3">
             <a:extLst>
               <a:ext uri="{FF2B5EF4-FFF2-40B4-BE49-F238E27FC236}">
-                <a16:creationId xmlns:a16="http://schemas.microsoft.com/office/drawing/2014/main" xmlns="" id="{D0FE2932-8A68-1E4D-9017-7FC216DBA319}"/>
+                <a16:creationId xmlns="" xmlns:a16="http://schemas.microsoft.com/office/drawing/2014/main" id="{D0FE2932-8A68-1E4D-9017-7FC216DBA319}"/>
               </a:ext>
             </a:extLst>
           </p:cNvPr>
@@ -620,7 +620,7 @@
           <p:cNvPr id="5" name="바닥글 개체 틀 4">
             <a:extLst>
               <a:ext uri="{FF2B5EF4-FFF2-40B4-BE49-F238E27FC236}">
-                <a16:creationId xmlns:a16="http://schemas.microsoft.com/office/drawing/2014/main" xmlns="" id="{3C412354-D2D2-5B45-8D74-78B85A897400}"/>
+                <a16:creationId xmlns="" xmlns:a16="http://schemas.microsoft.com/office/drawing/2014/main" id="{3C412354-D2D2-5B45-8D74-78B85A897400}"/>
               </a:ext>
             </a:extLst>
           </p:cNvPr>
@@ -645,7 +645,7 @@
           <p:cNvPr id="6" name="슬라이드 번호 개체 틀 5">
             <a:extLst>
               <a:ext uri="{FF2B5EF4-FFF2-40B4-BE49-F238E27FC236}">
-                <a16:creationId xmlns:a16="http://schemas.microsoft.com/office/drawing/2014/main" xmlns="" id="{DD4B9E51-C76B-8248-A3F3-BE36807ACF51}"/>
+                <a16:creationId xmlns="" xmlns:a16="http://schemas.microsoft.com/office/drawing/2014/main" id="{DD4B9E51-C76B-8248-A3F3-BE36807ACF51}"/>
               </a:ext>
             </a:extLst>
           </p:cNvPr>
@@ -705,7 +705,7 @@
           <p:cNvPr id="2" name="제목 1">
             <a:extLst>
               <a:ext uri="{FF2B5EF4-FFF2-40B4-BE49-F238E27FC236}">
-                <a16:creationId xmlns:a16="http://schemas.microsoft.com/office/drawing/2014/main" xmlns="" id="{2A5E2B98-A3FC-FA4D-A2BD-D8450F5D8D26}"/>
+                <a16:creationId xmlns="" xmlns:a16="http://schemas.microsoft.com/office/drawing/2014/main" id="{2A5E2B98-A3FC-FA4D-A2BD-D8450F5D8D26}"/>
               </a:ext>
             </a:extLst>
           </p:cNvPr>
@@ -733,7 +733,7 @@
           <p:cNvPr id="3" name="세로 텍스트 개체 틀 2">
             <a:extLst>
               <a:ext uri="{FF2B5EF4-FFF2-40B4-BE49-F238E27FC236}">
-                <a16:creationId xmlns:a16="http://schemas.microsoft.com/office/drawing/2014/main" xmlns="" id="{6A079FFF-2472-FA47-B6AC-F80C7746F99D}"/>
+                <a16:creationId xmlns="" xmlns:a16="http://schemas.microsoft.com/office/drawing/2014/main" id="{6A079FFF-2472-FA47-B6AC-F80C7746F99D}"/>
               </a:ext>
             </a:extLst>
           </p:cNvPr>
@@ -765,7 +765,7 @@
           <p:cNvPr id="4" name="날짜 개체 틀 3">
             <a:extLst>
               <a:ext uri="{FF2B5EF4-FFF2-40B4-BE49-F238E27FC236}">
-                <a16:creationId xmlns:a16="http://schemas.microsoft.com/office/drawing/2014/main" xmlns="" id="{98C0AE3F-9567-F945-9095-A599EAF6BEE3}"/>
+                <a16:creationId xmlns="" xmlns:a16="http://schemas.microsoft.com/office/drawing/2014/main" id="{98C0AE3F-9567-F945-9095-A599EAF6BEE3}"/>
               </a:ext>
             </a:extLst>
           </p:cNvPr>
@@ -795,7 +795,7 @@
           <p:cNvPr id="5" name="바닥글 개체 틀 4">
             <a:extLst>
               <a:ext uri="{FF2B5EF4-FFF2-40B4-BE49-F238E27FC236}">
-                <a16:creationId xmlns:a16="http://schemas.microsoft.com/office/drawing/2014/main" xmlns="" id="{985BE14D-E304-4540-B91A-45368E6891AC}"/>
+                <a16:creationId xmlns="" xmlns:a16="http://schemas.microsoft.com/office/drawing/2014/main" id="{985BE14D-E304-4540-B91A-45368E6891AC}"/>
               </a:ext>
             </a:extLst>
           </p:cNvPr>
@@ -820,7 +820,7 @@
           <p:cNvPr id="6" name="슬라이드 번호 개체 틀 5">
             <a:extLst>
               <a:ext uri="{FF2B5EF4-FFF2-40B4-BE49-F238E27FC236}">
-                <a16:creationId xmlns:a16="http://schemas.microsoft.com/office/drawing/2014/main" xmlns="" id="{2695B521-7F98-BF41-B606-35A7CC96F9D7}"/>
+                <a16:creationId xmlns="" xmlns:a16="http://schemas.microsoft.com/office/drawing/2014/main" id="{2695B521-7F98-BF41-B606-35A7CC96F9D7}"/>
               </a:ext>
             </a:extLst>
           </p:cNvPr>
@@ -880,7 +880,7 @@
           <p:cNvPr id="2" name="세로 제목 1">
             <a:extLst>
               <a:ext uri="{FF2B5EF4-FFF2-40B4-BE49-F238E27FC236}">
-                <a16:creationId xmlns:a16="http://schemas.microsoft.com/office/drawing/2014/main" xmlns="" id="{CC9F30B6-7E51-E849-9012-A2137E7DDD2A}"/>
+                <a16:creationId xmlns="" xmlns:a16="http://schemas.microsoft.com/office/drawing/2014/main" id="{CC9F30B6-7E51-E849-9012-A2137E7DDD2A}"/>
               </a:ext>
             </a:extLst>
           </p:cNvPr>
@@ -913,7 +913,7 @@
           <p:cNvPr id="3" name="세로 텍스트 개체 틀 2">
             <a:extLst>
               <a:ext uri="{FF2B5EF4-FFF2-40B4-BE49-F238E27FC236}">
-                <a16:creationId xmlns:a16="http://schemas.microsoft.com/office/drawing/2014/main" xmlns="" id="{7B69FA03-416D-8C4A-AE97-8A6CECC42143}"/>
+                <a16:creationId xmlns="" xmlns:a16="http://schemas.microsoft.com/office/drawing/2014/main" id="{7B69FA03-416D-8C4A-AE97-8A6CECC42143}"/>
               </a:ext>
             </a:extLst>
           </p:cNvPr>
@@ -950,7 +950,7 @@
           <p:cNvPr id="4" name="날짜 개체 틀 3">
             <a:extLst>
               <a:ext uri="{FF2B5EF4-FFF2-40B4-BE49-F238E27FC236}">
-                <a16:creationId xmlns:a16="http://schemas.microsoft.com/office/drawing/2014/main" xmlns="" id="{D4C60FB7-084B-C546-AA5A-31F216EEEECF}"/>
+                <a16:creationId xmlns="" xmlns:a16="http://schemas.microsoft.com/office/drawing/2014/main" id="{D4C60FB7-084B-C546-AA5A-31F216EEEECF}"/>
               </a:ext>
             </a:extLst>
           </p:cNvPr>
@@ -980,7 +980,7 @@
           <p:cNvPr id="5" name="바닥글 개체 틀 4">
             <a:extLst>
               <a:ext uri="{FF2B5EF4-FFF2-40B4-BE49-F238E27FC236}">
-                <a16:creationId xmlns:a16="http://schemas.microsoft.com/office/drawing/2014/main" xmlns="" id="{78E3B417-D516-7441-91B1-954736D5687B}"/>
+                <a16:creationId xmlns="" xmlns:a16="http://schemas.microsoft.com/office/drawing/2014/main" id="{78E3B417-D516-7441-91B1-954736D5687B}"/>
               </a:ext>
             </a:extLst>
           </p:cNvPr>
@@ -1005,7 +1005,7 @@
           <p:cNvPr id="6" name="슬라이드 번호 개체 틀 5">
             <a:extLst>
               <a:ext uri="{FF2B5EF4-FFF2-40B4-BE49-F238E27FC236}">
-                <a16:creationId xmlns:a16="http://schemas.microsoft.com/office/drawing/2014/main" xmlns="" id="{58F0D530-E2C2-254A-9891-CE4FEBFB8F75}"/>
+                <a16:creationId xmlns="" xmlns:a16="http://schemas.microsoft.com/office/drawing/2014/main" id="{58F0D530-E2C2-254A-9891-CE4FEBFB8F75}"/>
               </a:ext>
             </a:extLst>
           </p:cNvPr>
@@ -1065,7 +1065,7 @@
           <p:cNvPr id="2" name="제목 1">
             <a:extLst>
               <a:ext uri="{FF2B5EF4-FFF2-40B4-BE49-F238E27FC236}">
-                <a16:creationId xmlns:a16="http://schemas.microsoft.com/office/drawing/2014/main" xmlns="" id="{25908939-8DB2-E548-ACE8-A5E3DB62C879}"/>
+                <a16:creationId xmlns="" xmlns:a16="http://schemas.microsoft.com/office/drawing/2014/main" id="{25908939-8DB2-E548-ACE8-A5E3DB62C879}"/>
               </a:ext>
             </a:extLst>
           </p:cNvPr>
@@ -1093,7 +1093,7 @@
           <p:cNvPr id="3" name="내용 개체 틀 2">
             <a:extLst>
               <a:ext uri="{FF2B5EF4-FFF2-40B4-BE49-F238E27FC236}">
-                <a16:creationId xmlns:a16="http://schemas.microsoft.com/office/drawing/2014/main" xmlns="" id="{3E0E5E13-51CA-F449-A7FF-A628F1A4CA5F}"/>
+                <a16:creationId xmlns="" xmlns:a16="http://schemas.microsoft.com/office/drawing/2014/main" id="{3E0E5E13-51CA-F449-A7FF-A628F1A4CA5F}"/>
               </a:ext>
             </a:extLst>
           </p:cNvPr>
@@ -1125,7 +1125,7 @@
           <p:cNvPr id="4" name="날짜 개체 틀 3">
             <a:extLst>
               <a:ext uri="{FF2B5EF4-FFF2-40B4-BE49-F238E27FC236}">
-                <a16:creationId xmlns:a16="http://schemas.microsoft.com/office/drawing/2014/main" xmlns="" id="{A133EAE4-BEA2-1548-A59F-046FF0521C68}"/>
+                <a16:creationId xmlns="" xmlns:a16="http://schemas.microsoft.com/office/drawing/2014/main" id="{A133EAE4-BEA2-1548-A59F-046FF0521C68}"/>
               </a:ext>
             </a:extLst>
           </p:cNvPr>
@@ -1155,7 +1155,7 @@
           <p:cNvPr id="5" name="바닥글 개체 틀 4">
             <a:extLst>
               <a:ext uri="{FF2B5EF4-FFF2-40B4-BE49-F238E27FC236}">
-                <a16:creationId xmlns:a16="http://schemas.microsoft.com/office/drawing/2014/main" xmlns="" id="{1C4AB806-1717-6841-A40B-D91B892BC0AC}"/>
+                <a16:creationId xmlns="" xmlns:a16="http://schemas.microsoft.com/office/drawing/2014/main" id="{1C4AB806-1717-6841-A40B-D91B892BC0AC}"/>
               </a:ext>
             </a:extLst>
           </p:cNvPr>
@@ -1180,7 +1180,7 @@
           <p:cNvPr id="6" name="슬라이드 번호 개체 틀 5">
             <a:extLst>
               <a:ext uri="{FF2B5EF4-FFF2-40B4-BE49-F238E27FC236}">
-                <a16:creationId xmlns:a16="http://schemas.microsoft.com/office/drawing/2014/main" xmlns="" id="{C498F8E6-61EE-9A40-A82C-56B21C4FBA2E}"/>
+                <a16:creationId xmlns="" xmlns:a16="http://schemas.microsoft.com/office/drawing/2014/main" id="{C498F8E6-61EE-9A40-A82C-56B21C4FBA2E}"/>
               </a:ext>
             </a:extLst>
           </p:cNvPr>
@@ -1240,7 +1240,7 @@
           <p:cNvPr id="2" name="제목 1">
             <a:extLst>
               <a:ext uri="{FF2B5EF4-FFF2-40B4-BE49-F238E27FC236}">
-                <a16:creationId xmlns:a16="http://schemas.microsoft.com/office/drawing/2014/main" xmlns="" id="{20738035-A752-A04F-AC37-BE71AD6A1D56}"/>
+                <a16:creationId xmlns="" xmlns:a16="http://schemas.microsoft.com/office/drawing/2014/main" id="{20738035-A752-A04F-AC37-BE71AD6A1D56}"/>
               </a:ext>
             </a:extLst>
           </p:cNvPr>
@@ -1277,7 +1277,7 @@
           <p:cNvPr id="3" name="텍스트 개체 틀 2">
             <a:extLst>
               <a:ext uri="{FF2B5EF4-FFF2-40B4-BE49-F238E27FC236}">
-                <a16:creationId xmlns:a16="http://schemas.microsoft.com/office/drawing/2014/main" xmlns="" id="{45ED5397-BA55-5E49-8353-8A17C30A646F}"/>
+                <a16:creationId xmlns="" xmlns:a16="http://schemas.microsoft.com/office/drawing/2014/main" id="{45ED5397-BA55-5E49-8353-8A17C30A646F}"/>
               </a:ext>
             </a:extLst>
           </p:cNvPr>
@@ -1405,7 +1405,7 @@
           <p:cNvPr id="4" name="날짜 개체 틀 3">
             <a:extLst>
               <a:ext uri="{FF2B5EF4-FFF2-40B4-BE49-F238E27FC236}">
-                <a16:creationId xmlns:a16="http://schemas.microsoft.com/office/drawing/2014/main" xmlns="" id="{7DE34B4F-B9C4-6441-A021-A747F74D9083}"/>
+                <a16:creationId xmlns="" xmlns:a16="http://schemas.microsoft.com/office/drawing/2014/main" id="{7DE34B4F-B9C4-6441-A021-A747F74D9083}"/>
               </a:ext>
             </a:extLst>
           </p:cNvPr>
@@ -1435,7 +1435,7 @@
           <p:cNvPr id="5" name="바닥글 개체 틀 4">
             <a:extLst>
               <a:ext uri="{FF2B5EF4-FFF2-40B4-BE49-F238E27FC236}">
-                <a16:creationId xmlns:a16="http://schemas.microsoft.com/office/drawing/2014/main" xmlns="" id="{A5B6457E-0B56-1849-8C54-FFA2CC53DD8E}"/>
+                <a16:creationId xmlns="" xmlns:a16="http://schemas.microsoft.com/office/drawing/2014/main" id="{A5B6457E-0B56-1849-8C54-FFA2CC53DD8E}"/>
               </a:ext>
             </a:extLst>
           </p:cNvPr>
@@ -1460,7 +1460,7 @@
           <p:cNvPr id="6" name="슬라이드 번호 개체 틀 5">
             <a:extLst>
               <a:ext uri="{FF2B5EF4-FFF2-40B4-BE49-F238E27FC236}">
-                <a16:creationId xmlns:a16="http://schemas.microsoft.com/office/drawing/2014/main" xmlns="" id="{513D8DC1-B9C2-EC42-AB77-8CA99AF0B5D7}"/>
+                <a16:creationId xmlns="" xmlns:a16="http://schemas.microsoft.com/office/drawing/2014/main" id="{513D8DC1-B9C2-EC42-AB77-8CA99AF0B5D7}"/>
               </a:ext>
             </a:extLst>
           </p:cNvPr>
@@ -1520,7 +1520,7 @@
           <p:cNvPr id="2" name="제목 1">
             <a:extLst>
               <a:ext uri="{FF2B5EF4-FFF2-40B4-BE49-F238E27FC236}">
-                <a16:creationId xmlns:a16="http://schemas.microsoft.com/office/drawing/2014/main" xmlns="" id="{572AC94E-DE91-3648-9D50-663BA6102CE3}"/>
+                <a16:creationId xmlns="" xmlns:a16="http://schemas.microsoft.com/office/drawing/2014/main" id="{572AC94E-DE91-3648-9D50-663BA6102CE3}"/>
               </a:ext>
             </a:extLst>
           </p:cNvPr>
@@ -1548,7 +1548,7 @@
           <p:cNvPr id="3" name="내용 개체 틀 2">
             <a:extLst>
               <a:ext uri="{FF2B5EF4-FFF2-40B4-BE49-F238E27FC236}">
-                <a16:creationId xmlns:a16="http://schemas.microsoft.com/office/drawing/2014/main" xmlns="" id="{D767EA31-594C-0C4F-ABE8-4C1F0DC90912}"/>
+                <a16:creationId xmlns="" xmlns:a16="http://schemas.microsoft.com/office/drawing/2014/main" id="{D767EA31-594C-0C4F-ABE8-4C1F0DC90912}"/>
               </a:ext>
             </a:extLst>
           </p:cNvPr>
@@ -1585,7 +1585,7 @@
           <p:cNvPr id="4" name="내용 개체 틀 3">
             <a:extLst>
               <a:ext uri="{FF2B5EF4-FFF2-40B4-BE49-F238E27FC236}">
-                <a16:creationId xmlns:a16="http://schemas.microsoft.com/office/drawing/2014/main" xmlns="" id="{B2622D40-DAB4-7248-A1B5-FF4E3669FB92}"/>
+                <a16:creationId xmlns="" xmlns:a16="http://schemas.microsoft.com/office/drawing/2014/main" id="{B2622D40-DAB4-7248-A1B5-FF4E3669FB92}"/>
               </a:ext>
             </a:extLst>
           </p:cNvPr>
@@ -1622,7 +1622,7 @@
           <p:cNvPr id="5" name="날짜 개체 틀 4">
             <a:extLst>
               <a:ext uri="{FF2B5EF4-FFF2-40B4-BE49-F238E27FC236}">
-                <a16:creationId xmlns:a16="http://schemas.microsoft.com/office/drawing/2014/main" xmlns="" id="{55D8839B-9014-BA4A-A907-E47C2462E550}"/>
+                <a16:creationId xmlns="" xmlns:a16="http://schemas.microsoft.com/office/drawing/2014/main" id="{55D8839B-9014-BA4A-A907-E47C2462E550}"/>
               </a:ext>
             </a:extLst>
           </p:cNvPr>
@@ -1652,7 +1652,7 @@
           <p:cNvPr id="6" name="바닥글 개체 틀 5">
             <a:extLst>
               <a:ext uri="{FF2B5EF4-FFF2-40B4-BE49-F238E27FC236}">
-                <a16:creationId xmlns:a16="http://schemas.microsoft.com/office/drawing/2014/main" xmlns="" id="{0CF04C83-BF5E-5C44-855B-07A61405377B}"/>
+                <a16:creationId xmlns="" xmlns:a16="http://schemas.microsoft.com/office/drawing/2014/main" id="{0CF04C83-BF5E-5C44-855B-07A61405377B}"/>
               </a:ext>
             </a:extLst>
           </p:cNvPr>
@@ -1677,7 +1677,7 @@
           <p:cNvPr id="7" name="슬라이드 번호 개체 틀 6">
             <a:extLst>
               <a:ext uri="{FF2B5EF4-FFF2-40B4-BE49-F238E27FC236}">
-                <a16:creationId xmlns:a16="http://schemas.microsoft.com/office/drawing/2014/main" xmlns="" id="{EAE3301C-ED85-6E4E-97CB-26B53561128B}"/>
+                <a16:creationId xmlns="" xmlns:a16="http://schemas.microsoft.com/office/drawing/2014/main" id="{EAE3301C-ED85-6E4E-97CB-26B53561128B}"/>
               </a:ext>
             </a:extLst>
           </p:cNvPr>
@@ -1737,7 +1737,7 @@
           <p:cNvPr id="2" name="제목 1">
             <a:extLst>
               <a:ext uri="{FF2B5EF4-FFF2-40B4-BE49-F238E27FC236}">
-                <a16:creationId xmlns:a16="http://schemas.microsoft.com/office/drawing/2014/main" xmlns="" id="{2D48C063-E021-C841-B92D-A087198E7C60}"/>
+                <a16:creationId xmlns="" xmlns:a16="http://schemas.microsoft.com/office/drawing/2014/main" id="{2D48C063-E021-C841-B92D-A087198E7C60}"/>
               </a:ext>
             </a:extLst>
           </p:cNvPr>
@@ -1770,7 +1770,7 @@
           <p:cNvPr id="3" name="텍스트 개체 틀 2">
             <a:extLst>
               <a:ext uri="{FF2B5EF4-FFF2-40B4-BE49-F238E27FC236}">
-                <a16:creationId xmlns:a16="http://schemas.microsoft.com/office/drawing/2014/main" xmlns="" id="{015AAEF1-6ADE-2A4F-A1B2-B4214FBACDB8}"/>
+                <a16:creationId xmlns="" xmlns:a16="http://schemas.microsoft.com/office/drawing/2014/main" id="{015AAEF1-6ADE-2A4F-A1B2-B4214FBACDB8}"/>
               </a:ext>
             </a:extLst>
           </p:cNvPr>
@@ -1844,7 +1844,7 @@
           <p:cNvPr id="4" name="내용 개체 틀 3">
             <a:extLst>
               <a:ext uri="{FF2B5EF4-FFF2-40B4-BE49-F238E27FC236}">
-                <a16:creationId xmlns:a16="http://schemas.microsoft.com/office/drawing/2014/main" xmlns="" id="{DD0A6D24-CF00-D447-BA91-083FD7FD1EDF}"/>
+                <a16:creationId xmlns="" xmlns:a16="http://schemas.microsoft.com/office/drawing/2014/main" id="{DD0A6D24-CF00-D447-BA91-083FD7FD1EDF}"/>
               </a:ext>
             </a:extLst>
           </p:cNvPr>
@@ -1881,7 +1881,7 @@
           <p:cNvPr id="5" name="텍스트 개체 틀 4">
             <a:extLst>
               <a:ext uri="{FF2B5EF4-FFF2-40B4-BE49-F238E27FC236}">
-                <a16:creationId xmlns:a16="http://schemas.microsoft.com/office/drawing/2014/main" xmlns="" id="{B1A05A70-C9A1-994D-98CF-9B83235CF9EE}"/>
+                <a16:creationId xmlns="" xmlns:a16="http://schemas.microsoft.com/office/drawing/2014/main" id="{B1A05A70-C9A1-994D-98CF-9B83235CF9EE}"/>
               </a:ext>
             </a:extLst>
           </p:cNvPr>
@@ -1955,7 +1955,7 @@
           <p:cNvPr id="6" name="내용 개체 틀 5">
             <a:extLst>
               <a:ext uri="{FF2B5EF4-FFF2-40B4-BE49-F238E27FC236}">
-                <a16:creationId xmlns:a16="http://schemas.microsoft.com/office/drawing/2014/main" xmlns="" id="{2EBD6979-0DF5-C248-A430-408686A9D3DD}"/>
+                <a16:creationId xmlns="" xmlns:a16="http://schemas.microsoft.com/office/drawing/2014/main" id="{2EBD6979-0DF5-C248-A430-408686A9D3DD}"/>
               </a:ext>
             </a:extLst>
           </p:cNvPr>
@@ -1992,7 +1992,7 @@
           <p:cNvPr id="7" name="날짜 개체 틀 6">
             <a:extLst>
               <a:ext uri="{FF2B5EF4-FFF2-40B4-BE49-F238E27FC236}">
-                <a16:creationId xmlns:a16="http://schemas.microsoft.com/office/drawing/2014/main" xmlns="" id="{1ECD500E-620C-2444-99DF-1F1E77D80078}"/>
+                <a16:creationId xmlns="" xmlns:a16="http://schemas.microsoft.com/office/drawing/2014/main" id="{1ECD500E-620C-2444-99DF-1F1E77D80078}"/>
               </a:ext>
             </a:extLst>
           </p:cNvPr>
@@ -2022,7 +2022,7 @@
           <p:cNvPr id="8" name="바닥글 개체 틀 7">
             <a:extLst>
               <a:ext uri="{FF2B5EF4-FFF2-40B4-BE49-F238E27FC236}">
-                <a16:creationId xmlns:a16="http://schemas.microsoft.com/office/drawing/2014/main" xmlns="" id="{5FC09583-EDEB-8140-9E03-7E3D359A6F6A}"/>
+                <a16:creationId xmlns="" xmlns:a16="http://schemas.microsoft.com/office/drawing/2014/main" id="{5FC09583-EDEB-8140-9E03-7E3D359A6F6A}"/>
               </a:ext>
             </a:extLst>
           </p:cNvPr>
@@ -2047,7 +2047,7 @@
           <p:cNvPr id="9" name="슬라이드 번호 개체 틀 8">
             <a:extLst>
               <a:ext uri="{FF2B5EF4-FFF2-40B4-BE49-F238E27FC236}">
-                <a16:creationId xmlns:a16="http://schemas.microsoft.com/office/drawing/2014/main" xmlns="" id="{95125583-F585-AF4D-8136-8CC5AC5DE6DD}"/>
+                <a16:creationId xmlns="" xmlns:a16="http://schemas.microsoft.com/office/drawing/2014/main" id="{95125583-F585-AF4D-8136-8CC5AC5DE6DD}"/>
               </a:ext>
             </a:extLst>
           </p:cNvPr>
@@ -2107,7 +2107,7 @@
           <p:cNvPr id="2" name="제목 1">
             <a:extLst>
               <a:ext uri="{FF2B5EF4-FFF2-40B4-BE49-F238E27FC236}">
-                <a16:creationId xmlns:a16="http://schemas.microsoft.com/office/drawing/2014/main" xmlns="" id="{F49BD015-8352-6342-BF8C-4736C2A1DAE4}"/>
+                <a16:creationId xmlns="" xmlns:a16="http://schemas.microsoft.com/office/drawing/2014/main" id="{F49BD015-8352-6342-BF8C-4736C2A1DAE4}"/>
               </a:ext>
             </a:extLst>
           </p:cNvPr>
@@ -2135,7 +2135,7 @@
           <p:cNvPr id="3" name="날짜 개체 틀 2">
             <a:extLst>
               <a:ext uri="{FF2B5EF4-FFF2-40B4-BE49-F238E27FC236}">
-                <a16:creationId xmlns:a16="http://schemas.microsoft.com/office/drawing/2014/main" xmlns="" id="{2F95FE88-801B-5043-8A28-57A8255CDB66}"/>
+                <a16:creationId xmlns="" xmlns:a16="http://schemas.microsoft.com/office/drawing/2014/main" id="{2F95FE88-801B-5043-8A28-57A8255CDB66}"/>
               </a:ext>
             </a:extLst>
           </p:cNvPr>
@@ -2165,7 +2165,7 @@
           <p:cNvPr id="4" name="바닥글 개체 틀 3">
             <a:extLst>
               <a:ext uri="{FF2B5EF4-FFF2-40B4-BE49-F238E27FC236}">
-                <a16:creationId xmlns:a16="http://schemas.microsoft.com/office/drawing/2014/main" xmlns="" id="{1B29247F-613F-8041-A68F-2E695BEFA12E}"/>
+                <a16:creationId xmlns="" xmlns:a16="http://schemas.microsoft.com/office/drawing/2014/main" id="{1B29247F-613F-8041-A68F-2E695BEFA12E}"/>
               </a:ext>
             </a:extLst>
           </p:cNvPr>
@@ -2190,7 +2190,7 @@
           <p:cNvPr id="5" name="슬라이드 번호 개체 틀 4">
             <a:extLst>
               <a:ext uri="{FF2B5EF4-FFF2-40B4-BE49-F238E27FC236}">
-                <a16:creationId xmlns:a16="http://schemas.microsoft.com/office/drawing/2014/main" xmlns="" id="{B20387DC-5EE6-F94C-86EA-19E6A36F2376}"/>
+                <a16:creationId xmlns="" xmlns:a16="http://schemas.microsoft.com/office/drawing/2014/main" id="{B20387DC-5EE6-F94C-86EA-19E6A36F2376}"/>
               </a:ext>
             </a:extLst>
           </p:cNvPr>
@@ -2250,7 +2250,7 @@
           <p:cNvPr id="2" name="날짜 개체 틀 1">
             <a:extLst>
               <a:ext uri="{FF2B5EF4-FFF2-40B4-BE49-F238E27FC236}">
-                <a16:creationId xmlns:a16="http://schemas.microsoft.com/office/drawing/2014/main" xmlns="" id="{AC54CF41-2CCB-2546-8A51-3EC7908852B3}"/>
+                <a16:creationId xmlns="" xmlns:a16="http://schemas.microsoft.com/office/drawing/2014/main" id="{AC54CF41-2CCB-2546-8A51-3EC7908852B3}"/>
               </a:ext>
             </a:extLst>
           </p:cNvPr>
@@ -2280,7 +2280,7 @@
           <p:cNvPr id="3" name="바닥글 개체 틀 2">
             <a:extLst>
               <a:ext uri="{FF2B5EF4-FFF2-40B4-BE49-F238E27FC236}">
-                <a16:creationId xmlns:a16="http://schemas.microsoft.com/office/drawing/2014/main" xmlns="" id="{5C41C900-20D4-1E46-A503-DEA018F92506}"/>
+                <a16:creationId xmlns="" xmlns:a16="http://schemas.microsoft.com/office/drawing/2014/main" id="{5C41C900-20D4-1E46-A503-DEA018F92506}"/>
               </a:ext>
             </a:extLst>
           </p:cNvPr>
@@ -2305,7 +2305,7 @@
           <p:cNvPr id="4" name="슬라이드 번호 개체 틀 3">
             <a:extLst>
               <a:ext uri="{FF2B5EF4-FFF2-40B4-BE49-F238E27FC236}">
-                <a16:creationId xmlns:a16="http://schemas.microsoft.com/office/drawing/2014/main" xmlns="" id="{473903CA-6145-3846-B5B6-56790FC68ACB}"/>
+                <a16:creationId xmlns="" xmlns:a16="http://schemas.microsoft.com/office/drawing/2014/main" id="{473903CA-6145-3846-B5B6-56790FC68ACB}"/>
               </a:ext>
             </a:extLst>
           </p:cNvPr>
@@ -2365,7 +2365,7 @@
           <p:cNvPr id="2" name="제목 1">
             <a:extLst>
               <a:ext uri="{FF2B5EF4-FFF2-40B4-BE49-F238E27FC236}">
-                <a16:creationId xmlns:a16="http://schemas.microsoft.com/office/drawing/2014/main" xmlns="" id="{5BB53706-6F59-164D-8AB3-61AA4193855E}"/>
+                <a16:creationId xmlns="" xmlns:a16="http://schemas.microsoft.com/office/drawing/2014/main" id="{5BB53706-6F59-164D-8AB3-61AA4193855E}"/>
               </a:ext>
             </a:extLst>
           </p:cNvPr>
@@ -2402,7 +2402,7 @@
           <p:cNvPr id="3" name="내용 개체 틀 2">
             <a:extLst>
               <a:ext uri="{FF2B5EF4-FFF2-40B4-BE49-F238E27FC236}">
-                <a16:creationId xmlns:a16="http://schemas.microsoft.com/office/drawing/2014/main" xmlns="" id="{7705A654-A7BC-6F44-B678-0077F702E549}"/>
+                <a16:creationId xmlns="" xmlns:a16="http://schemas.microsoft.com/office/drawing/2014/main" id="{7705A654-A7BC-6F44-B678-0077F702E549}"/>
               </a:ext>
             </a:extLst>
           </p:cNvPr>
@@ -2467,7 +2467,7 @@
           <p:cNvPr id="4" name="텍스트 개체 틀 3">
             <a:extLst>
               <a:ext uri="{FF2B5EF4-FFF2-40B4-BE49-F238E27FC236}">
-                <a16:creationId xmlns:a16="http://schemas.microsoft.com/office/drawing/2014/main" xmlns="" id="{85861AE6-FE95-6C4A-A5DD-59F45593D0F8}"/>
+                <a16:creationId xmlns="" xmlns:a16="http://schemas.microsoft.com/office/drawing/2014/main" id="{85861AE6-FE95-6C4A-A5DD-59F45593D0F8}"/>
               </a:ext>
             </a:extLst>
           </p:cNvPr>
@@ -2541,7 +2541,7 @@
           <p:cNvPr id="5" name="날짜 개체 틀 4">
             <a:extLst>
               <a:ext uri="{FF2B5EF4-FFF2-40B4-BE49-F238E27FC236}">
-                <a16:creationId xmlns:a16="http://schemas.microsoft.com/office/drawing/2014/main" xmlns="" id="{CEC38569-2EC9-484E-BC36-4FD46BA240E8}"/>
+                <a16:creationId xmlns="" xmlns:a16="http://schemas.microsoft.com/office/drawing/2014/main" id="{CEC38569-2EC9-484E-BC36-4FD46BA240E8}"/>
               </a:ext>
             </a:extLst>
           </p:cNvPr>
@@ -2571,7 +2571,7 @@
           <p:cNvPr id="6" name="바닥글 개체 틀 5">
             <a:extLst>
               <a:ext uri="{FF2B5EF4-FFF2-40B4-BE49-F238E27FC236}">
-                <a16:creationId xmlns:a16="http://schemas.microsoft.com/office/drawing/2014/main" xmlns="" id="{B10CDF1C-8E4C-8241-BA2C-C99E5B7E9191}"/>
+                <a16:creationId xmlns="" xmlns:a16="http://schemas.microsoft.com/office/drawing/2014/main" id="{B10CDF1C-8E4C-8241-BA2C-C99E5B7E9191}"/>
               </a:ext>
             </a:extLst>
           </p:cNvPr>
@@ -2596,7 +2596,7 @@
           <p:cNvPr id="7" name="슬라이드 번호 개체 틀 6">
             <a:extLst>
               <a:ext uri="{FF2B5EF4-FFF2-40B4-BE49-F238E27FC236}">
-                <a16:creationId xmlns:a16="http://schemas.microsoft.com/office/drawing/2014/main" xmlns="" id="{14D33965-C422-214D-8E44-BED179F2B464}"/>
+                <a16:creationId xmlns="" xmlns:a16="http://schemas.microsoft.com/office/drawing/2014/main" id="{14D33965-C422-214D-8E44-BED179F2B464}"/>
               </a:ext>
             </a:extLst>
           </p:cNvPr>
@@ -2656,7 +2656,7 @@
           <p:cNvPr id="2" name="제목 1">
             <a:extLst>
               <a:ext uri="{FF2B5EF4-FFF2-40B4-BE49-F238E27FC236}">
-                <a16:creationId xmlns:a16="http://schemas.microsoft.com/office/drawing/2014/main" xmlns="" id="{CE4343F3-D339-3D4A-9995-04AF273A728B}"/>
+                <a16:creationId xmlns="" xmlns:a16="http://schemas.microsoft.com/office/drawing/2014/main" id="{CE4343F3-D339-3D4A-9995-04AF273A728B}"/>
               </a:ext>
             </a:extLst>
           </p:cNvPr>
@@ -2693,7 +2693,7 @@
           <p:cNvPr id="3" name="그림 개체 틀 2">
             <a:extLst>
               <a:ext uri="{FF2B5EF4-FFF2-40B4-BE49-F238E27FC236}">
-                <a16:creationId xmlns:a16="http://schemas.microsoft.com/office/drawing/2014/main" xmlns="" id="{466D680B-DF64-1E47-B558-E4E9FCE8C012}"/>
+                <a16:creationId xmlns="" xmlns:a16="http://schemas.microsoft.com/office/drawing/2014/main" id="{466D680B-DF64-1E47-B558-E4E9FCE8C012}"/>
               </a:ext>
             </a:extLst>
           </p:cNvPr>
@@ -2760,7 +2760,7 @@
           <p:cNvPr id="4" name="텍스트 개체 틀 3">
             <a:extLst>
               <a:ext uri="{FF2B5EF4-FFF2-40B4-BE49-F238E27FC236}">
-                <a16:creationId xmlns:a16="http://schemas.microsoft.com/office/drawing/2014/main" xmlns="" id="{D01AC4ED-49CE-8D45-919C-2793B67A77A8}"/>
+                <a16:creationId xmlns="" xmlns:a16="http://schemas.microsoft.com/office/drawing/2014/main" id="{D01AC4ED-49CE-8D45-919C-2793B67A77A8}"/>
               </a:ext>
             </a:extLst>
           </p:cNvPr>
@@ -2834,7 +2834,7 @@
           <p:cNvPr id="5" name="날짜 개체 틀 4">
             <a:extLst>
               <a:ext uri="{FF2B5EF4-FFF2-40B4-BE49-F238E27FC236}">
-                <a16:creationId xmlns:a16="http://schemas.microsoft.com/office/drawing/2014/main" xmlns="" id="{6154C891-D6C4-F84E-AF79-923E3C88E217}"/>
+                <a16:creationId xmlns="" xmlns:a16="http://schemas.microsoft.com/office/drawing/2014/main" id="{6154C891-D6C4-F84E-AF79-923E3C88E217}"/>
               </a:ext>
             </a:extLst>
           </p:cNvPr>
@@ -2864,7 +2864,7 @@
           <p:cNvPr id="6" name="바닥글 개체 틀 5">
             <a:extLst>
               <a:ext uri="{FF2B5EF4-FFF2-40B4-BE49-F238E27FC236}">
-                <a16:creationId xmlns:a16="http://schemas.microsoft.com/office/drawing/2014/main" xmlns="" id="{C9DE4D14-A320-6446-8026-44D5260079EA}"/>
+                <a16:creationId xmlns="" xmlns:a16="http://schemas.microsoft.com/office/drawing/2014/main" id="{C9DE4D14-A320-6446-8026-44D5260079EA}"/>
               </a:ext>
             </a:extLst>
           </p:cNvPr>
@@ -2889,7 +2889,7 @@
           <p:cNvPr id="7" name="슬라이드 번호 개체 틀 6">
             <a:extLst>
               <a:ext uri="{FF2B5EF4-FFF2-40B4-BE49-F238E27FC236}">
-                <a16:creationId xmlns:a16="http://schemas.microsoft.com/office/drawing/2014/main" xmlns="" id="{3B086DF2-9F59-6945-B2A9-CB77FF8B2FFB}"/>
+                <a16:creationId xmlns="" xmlns:a16="http://schemas.microsoft.com/office/drawing/2014/main" id="{3B086DF2-9F59-6945-B2A9-CB77FF8B2FFB}"/>
               </a:ext>
             </a:extLst>
           </p:cNvPr>
@@ -2959,7 +2959,7 @@
           <p:cNvPr id="2" name="제목 개체 틀 1">
             <a:extLst>
               <a:ext uri="{FF2B5EF4-FFF2-40B4-BE49-F238E27FC236}">
-                <a16:creationId xmlns:a16="http://schemas.microsoft.com/office/drawing/2014/main" xmlns="" id="{FA4F4CFC-3045-7748-B28E-892F3216124E}"/>
+                <a16:creationId xmlns="" xmlns:a16="http://schemas.microsoft.com/office/drawing/2014/main" id="{FA4F4CFC-3045-7748-B28E-892F3216124E}"/>
               </a:ext>
             </a:extLst>
           </p:cNvPr>
@@ -2997,7 +2997,7 @@
           <p:cNvPr id="3" name="텍스트 개체 틀 2">
             <a:extLst>
               <a:ext uri="{FF2B5EF4-FFF2-40B4-BE49-F238E27FC236}">
-                <a16:creationId xmlns:a16="http://schemas.microsoft.com/office/drawing/2014/main" xmlns="" id="{57A11C7A-7CAD-7B4E-B8E7-FD3E44F2AD60}"/>
+                <a16:creationId xmlns="" xmlns:a16="http://schemas.microsoft.com/office/drawing/2014/main" id="{57A11C7A-7CAD-7B4E-B8E7-FD3E44F2AD60}"/>
               </a:ext>
             </a:extLst>
           </p:cNvPr>
@@ -3039,7 +3039,7 @@
           <p:cNvPr id="4" name="날짜 개체 틀 3">
             <a:extLst>
               <a:ext uri="{FF2B5EF4-FFF2-40B4-BE49-F238E27FC236}">
-                <a16:creationId xmlns:a16="http://schemas.microsoft.com/office/drawing/2014/main" xmlns="" id="{2ED43360-5054-BC43-AAE8-E246BC0C435E}"/>
+                <a16:creationId xmlns="" xmlns:a16="http://schemas.microsoft.com/office/drawing/2014/main" id="{2ED43360-5054-BC43-AAE8-E246BC0C435E}"/>
               </a:ext>
             </a:extLst>
           </p:cNvPr>
@@ -3087,7 +3087,7 @@
           <p:cNvPr id="5" name="바닥글 개체 틀 4">
             <a:extLst>
               <a:ext uri="{FF2B5EF4-FFF2-40B4-BE49-F238E27FC236}">
-                <a16:creationId xmlns:a16="http://schemas.microsoft.com/office/drawing/2014/main" xmlns="" id="{F947AE0D-B559-3345-9906-9F20127E89C2}"/>
+                <a16:creationId xmlns="" xmlns:a16="http://schemas.microsoft.com/office/drawing/2014/main" id="{F947AE0D-B559-3345-9906-9F20127E89C2}"/>
               </a:ext>
             </a:extLst>
           </p:cNvPr>
@@ -3130,7 +3130,7 @@
           <p:cNvPr id="6" name="슬라이드 번호 개체 틀 5">
             <a:extLst>
               <a:ext uri="{FF2B5EF4-FFF2-40B4-BE49-F238E27FC236}">
-                <a16:creationId xmlns:a16="http://schemas.microsoft.com/office/drawing/2014/main" xmlns="" id="{A2C0E009-4D69-E141-BDE3-7A5BCBD91A1C}"/>
+                <a16:creationId xmlns="" xmlns:a16="http://schemas.microsoft.com/office/drawing/2014/main" id="{A2C0E009-4D69-E141-BDE3-7A5BCBD91A1C}"/>
               </a:ext>
             </a:extLst>
           </p:cNvPr>
@@ -3499,7 +3499,7 @@
           <p:cNvPr id="2" name="왼쪽 대괄호[L] 1">
             <a:extLst>
               <a:ext uri="{FF2B5EF4-FFF2-40B4-BE49-F238E27FC236}">
-                <a16:creationId xmlns:a16="http://schemas.microsoft.com/office/drawing/2014/main" xmlns="" id="{FD2BE796-18C4-7542-922F-AC07CCDE25AD}"/>
+                <a16:creationId xmlns="" xmlns:a16="http://schemas.microsoft.com/office/drawing/2014/main" id="{FD2BE796-18C4-7542-922F-AC07CCDE25AD}"/>
               </a:ext>
             </a:extLst>
           </p:cNvPr>
@@ -3548,7 +3548,7 @@
           <p:cNvPr id="13" name="왼쪽 대괄호[L] 12">
             <a:extLst>
               <a:ext uri="{FF2B5EF4-FFF2-40B4-BE49-F238E27FC236}">
-                <a16:creationId xmlns:a16="http://schemas.microsoft.com/office/drawing/2014/main" xmlns="" id="{EFECA2F4-7A60-7B4A-9E41-4C7AFF855ED1}"/>
+                <a16:creationId xmlns="" xmlns:a16="http://schemas.microsoft.com/office/drawing/2014/main" id="{EFECA2F4-7A60-7B4A-9E41-4C7AFF855ED1}"/>
               </a:ext>
             </a:extLst>
           </p:cNvPr>
@@ -3845,7 +3845,7 @@
           <p:cNvPr id="17" name="그림 16">
             <a:extLst>
               <a:ext uri="{FF2B5EF4-FFF2-40B4-BE49-F238E27FC236}">
-                <a16:creationId xmlns:a16="http://schemas.microsoft.com/office/drawing/2014/main" xmlns="" id="{4E4BF807-5974-A34A-9980-0041EFD87BF0}"/>
+                <a16:creationId xmlns="" xmlns:a16="http://schemas.microsoft.com/office/drawing/2014/main" id="{4E4BF807-5974-A34A-9980-0041EFD87BF0}"/>
               </a:ext>
             </a:extLst>
           </p:cNvPr>
@@ -3875,7 +3875,7 @@
           <p:cNvPr id="7" name="그림 6">
             <a:extLst>
               <a:ext uri="{FF2B5EF4-FFF2-40B4-BE49-F238E27FC236}">
-                <a16:creationId xmlns:a16="http://schemas.microsoft.com/office/drawing/2014/main" xmlns="" id="{4E4BF807-5974-A34A-9980-0041EFD87BF0}"/>
+                <a16:creationId xmlns="" xmlns:a16="http://schemas.microsoft.com/office/drawing/2014/main" id="{4E4BF807-5974-A34A-9980-0041EFD87BF0}"/>
               </a:ext>
             </a:extLst>
           </p:cNvPr>
@@ -3942,7 +3942,7 @@
           <p:cNvPr id="2" name="왼쪽 대괄호[L] 1">
             <a:extLst>
               <a:ext uri="{FF2B5EF4-FFF2-40B4-BE49-F238E27FC236}">
-                <a16:creationId xmlns:a16="http://schemas.microsoft.com/office/drawing/2014/main" xmlns="" id="{FD2BE796-18C4-7542-922F-AC07CCDE25AD}"/>
+                <a16:creationId xmlns="" xmlns:a16="http://schemas.microsoft.com/office/drawing/2014/main" id="{FD2BE796-18C4-7542-922F-AC07CCDE25AD}"/>
               </a:ext>
             </a:extLst>
           </p:cNvPr>
@@ -3993,7 +3993,7 @@
           <p:cNvPr id="13" name="왼쪽 대괄호[L] 12">
             <a:extLst>
               <a:ext uri="{FF2B5EF4-FFF2-40B4-BE49-F238E27FC236}">
-                <a16:creationId xmlns:a16="http://schemas.microsoft.com/office/drawing/2014/main" xmlns="" id="{EFECA2F4-7A60-7B4A-9E41-4C7AFF855ED1}"/>
+                <a16:creationId xmlns="" xmlns:a16="http://schemas.microsoft.com/office/drawing/2014/main" id="{EFECA2F4-7A60-7B4A-9E41-4C7AFF855ED1}"/>
               </a:ext>
             </a:extLst>
           </p:cNvPr>
@@ -4105,14 +4105,54 @@
           <a:p>
             <a:pPr algn="r"/>
             <a:r>
-              <a:rPr lang="en-US" altLang="ko-KR" sz="1600" smtClean="0">
+              <a:rPr lang="en-US" altLang="ko-KR" sz="1600" dirty="0" smtClean="0">
                 <a:solidFill>
                   <a:schemeClr val="bg1"/>
                 </a:solidFill>
                 <a:latin typeface="배달의민족 주아" pitchFamily="18" charset="-127"/>
                 <a:ea typeface="배달의민족 주아" pitchFamily="18" charset="-127"/>
               </a:rPr>
-              <a:t>It is a big secret. Guess what? we have a fairy.  </a:t>
+              <a:t>It is a </a:t>
+            </a:r>
+            <a:r>
+              <a:rPr lang="en-US" altLang="ko-KR" sz="1600" dirty="0" smtClean="0">
+                <a:solidFill>
+                  <a:schemeClr val="bg1"/>
+                </a:solidFill>
+                <a:latin typeface="배달의민족 주아" pitchFamily="18" charset="-127"/>
+                <a:ea typeface="배달의민족 주아" pitchFamily="18" charset="-127"/>
+              </a:rPr>
+              <a:t>top </a:t>
+            </a:r>
+            <a:r>
+              <a:rPr lang="en-US" altLang="ko-KR" sz="1600" dirty="0" smtClean="0">
+                <a:solidFill>
+                  <a:schemeClr val="bg1"/>
+                </a:solidFill>
+                <a:latin typeface="배달의민족 주아" pitchFamily="18" charset="-127"/>
+                <a:ea typeface="배달의민족 주아" pitchFamily="18" charset="-127"/>
+              </a:rPr>
+              <a:t>secret. Guess what? </a:t>
+            </a:r>
+            <a:r>
+              <a:rPr lang="en-US" altLang="ko-KR" sz="1600" dirty="0" smtClean="0">
+                <a:solidFill>
+                  <a:schemeClr val="bg1"/>
+                </a:solidFill>
+                <a:latin typeface="배달의민족 주아" pitchFamily="18" charset="-127"/>
+                <a:ea typeface="배달의민족 주아" pitchFamily="18" charset="-127"/>
+              </a:rPr>
+              <a:t>We </a:t>
+            </a:r>
+            <a:r>
+              <a:rPr lang="en-US" altLang="ko-KR" sz="1600" dirty="0" smtClean="0">
+                <a:solidFill>
+                  <a:schemeClr val="bg1"/>
+                </a:solidFill>
+                <a:latin typeface="배달의민족 주아" pitchFamily="18" charset="-127"/>
+                <a:ea typeface="배달의민족 주아" pitchFamily="18" charset="-127"/>
+              </a:rPr>
+              <a:t>have a fairy.  </a:t>
             </a:r>
           </a:p>
         </p:txBody>
@@ -4122,7 +4162,7 @@
           <p:cNvPr id="7" name="그림 6">
             <a:extLst>
               <a:ext uri="{FF2B5EF4-FFF2-40B4-BE49-F238E27FC236}">
-                <a16:creationId xmlns:a16="http://schemas.microsoft.com/office/drawing/2014/main" xmlns="" id="{95C89E7D-FCD8-254C-B718-BA729EAAFC40}"/>
+                <a16:creationId xmlns="" xmlns:a16="http://schemas.microsoft.com/office/drawing/2014/main" id="{95C89E7D-FCD8-254C-B718-BA729EAAFC40}"/>
               </a:ext>
             </a:extLst>
           </p:cNvPr>
@@ -4139,7 +4179,7 @@
         </p:blipFill>
         <p:spPr>
           <a:xfrm>
-            <a:off x="7489851" y="6052459"/>
+            <a:off x="7424535" y="6041573"/>
             <a:ext cx="386945" cy="386945"/>
           </a:xfrm>
           <a:prstGeom prst="rect">
@@ -4189,7 +4229,7 @@
           <p:cNvPr id="7" name="TextBox 6">
             <a:extLst>
               <a:ext uri="{FF2B5EF4-FFF2-40B4-BE49-F238E27FC236}">
-                <a16:creationId xmlns:a16="http://schemas.microsoft.com/office/drawing/2014/main" xmlns="" id="{42FE3236-750D-A047-B36B-3A3B34F30683}"/>
+                <a16:creationId xmlns="" xmlns:a16="http://schemas.microsoft.com/office/drawing/2014/main" id="{42FE3236-750D-A047-B36B-3A3B34F30683}"/>
               </a:ext>
             </a:extLst>
           </p:cNvPr>
@@ -4248,7 +4288,7 @@
           <p:cNvPr id="22" name="TextBox 21">
             <a:extLst>
               <a:ext uri="{FF2B5EF4-FFF2-40B4-BE49-F238E27FC236}">
-                <a16:creationId xmlns:a16="http://schemas.microsoft.com/office/drawing/2014/main" xmlns="" id="{891037EF-45BE-2049-B684-DDCDF37608A5}"/>
+                <a16:creationId xmlns="" xmlns:a16="http://schemas.microsoft.com/office/drawing/2014/main" id="{891037EF-45BE-2049-B684-DDCDF37608A5}"/>
               </a:ext>
             </a:extLst>
           </p:cNvPr>
@@ -4307,7 +4347,7 @@
           <p:cNvPr id="28" name="TextBox 27">
             <a:extLst>
               <a:ext uri="{FF2B5EF4-FFF2-40B4-BE49-F238E27FC236}">
-                <a16:creationId xmlns:a16="http://schemas.microsoft.com/office/drawing/2014/main" xmlns="" id="{3CBBC928-2143-ED49-9C10-4DD06080EC37}"/>
+                <a16:creationId xmlns="" xmlns:a16="http://schemas.microsoft.com/office/drawing/2014/main" id="{3CBBC928-2143-ED49-9C10-4DD06080EC37}"/>
               </a:ext>
             </a:extLst>
           </p:cNvPr>
@@ -4376,7 +4416,7 @@
           <p:cNvPr id="33" name="TextBox 32">
             <a:extLst>
               <a:ext uri="{FF2B5EF4-FFF2-40B4-BE49-F238E27FC236}">
-                <a16:creationId xmlns:a16="http://schemas.microsoft.com/office/drawing/2014/main" xmlns="" id="{9C8B4252-4EEE-734E-AFA7-0099FFEA17CC}"/>
+                <a16:creationId xmlns="" xmlns:a16="http://schemas.microsoft.com/office/drawing/2014/main" id="{9C8B4252-4EEE-734E-AFA7-0099FFEA17CC}"/>
               </a:ext>
             </a:extLst>
           </p:cNvPr>
@@ -4425,7 +4465,7 @@
           <p:cNvPr id="3" name="모서리가 둥근 직사각형 2">
             <a:extLst>
               <a:ext uri="{FF2B5EF4-FFF2-40B4-BE49-F238E27FC236}">
-                <a16:creationId xmlns:a16="http://schemas.microsoft.com/office/drawing/2014/main" xmlns="" id="{B15BC01F-85DD-6C4D-969F-ADCBD2EA1767}"/>
+                <a16:creationId xmlns="" xmlns:a16="http://schemas.microsoft.com/office/drawing/2014/main" id="{B15BC01F-85DD-6C4D-969F-ADCBD2EA1767}"/>
               </a:ext>
             </a:extLst>
           </p:cNvPr>
@@ -4480,7 +4520,7 @@
           <p:cNvPr id="4" name="직사각형 3">
             <a:extLst>
               <a:ext uri="{FF2B5EF4-FFF2-40B4-BE49-F238E27FC236}">
-                <a16:creationId xmlns:a16="http://schemas.microsoft.com/office/drawing/2014/main" xmlns="" id="{54DE23C4-D779-3D4A-955D-339E1BFECDE9}"/>
+                <a16:creationId xmlns="" xmlns:a16="http://schemas.microsoft.com/office/drawing/2014/main" id="{54DE23C4-D779-3D4A-955D-339E1BFECDE9}"/>
               </a:ext>
             </a:extLst>
           </p:cNvPr>
@@ -4535,7 +4575,7 @@
           <p:cNvPr id="37" name="직사각형 36">
             <a:extLst>
               <a:ext uri="{FF2B5EF4-FFF2-40B4-BE49-F238E27FC236}">
-                <a16:creationId xmlns:a16="http://schemas.microsoft.com/office/drawing/2014/main" xmlns="" id="{9E85BA02-5CD5-C244-B2E5-5A66D4E9D24A}"/>
+                <a16:creationId xmlns="" xmlns:a16="http://schemas.microsoft.com/office/drawing/2014/main" id="{9E85BA02-5CD5-C244-B2E5-5A66D4E9D24A}"/>
               </a:ext>
             </a:extLst>
           </p:cNvPr>
@@ -4589,7 +4629,7 @@
           <p:cNvPr id="40" name="모서리가 둥근 직사각형 39">
             <a:extLst>
               <a:ext uri="{FF2B5EF4-FFF2-40B4-BE49-F238E27FC236}">
-                <a16:creationId xmlns:a16="http://schemas.microsoft.com/office/drawing/2014/main" xmlns="" id="{08DCDE5E-8FBD-9F45-B642-7F7DC2A30298}"/>
+                <a16:creationId xmlns="" xmlns:a16="http://schemas.microsoft.com/office/drawing/2014/main" id="{08DCDE5E-8FBD-9F45-B642-7F7DC2A30298}"/>
               </a:ext>
             </a:extLst>
           </p:cNvPr>
@@ -4644,7 +4684,7 @@
           <p:cNvPr id="41" name="직사각형 40">
             <a:extLst>
               <a:ext uri="{FF2B5EF4-FFF2-40B4-BE49-F238E27FC236}">
-                <a16:creationId xmlns:a16="http://schemas.microsoft.com/office/drawing/2014/main" xmlns="" id="{7DED2737-C550-0043-A389-B804C5C9CDED}"/>
+                <a16:creationId xmlns="" xmlns:a16="http://schemas.microsoft.com/office/drawing/2014/main" id="{7DED2737-C550-0043-A389-B804C5C9CDED}"/>
               </a:ext>
             </a:extLst>
           </p:cNvPr>
@@ -4699,7 +4739,7 @@
           <p:cNvPr id="42" name="직사각형 41">
             <a:extLst>
               <a:ext uri="{FF2B5EF4-FFF2-40B4-BE49-F238E27FC236}">
-                <a16:creationId xmlns:a16="http://schemas.microsoft.com/office/drawing/2014/main" xmlns="" id="{DA2565A9-A39B-8C49-8DF8-F04B259702F2}"/>
+                <a16:creationId xmlns="" xmlns:a16="http://schemas.microsoft.com/office/drawing/2014/main" id="{DA2565A9-A39B-8C49-8DF8-F04B259702F2}"/>
               </a:ext>
             </a:extLst>
           </p:cNvPr>
@@ -4753,7 +4793,7 @@
           <p:cNvPr id="43" name="직사각형 42">
             <a:extLst>
               <a:ext uri="{FF2B5EF4-FFF2-40B4-BE49-F238E27FC236}">
-                <a16:creationId xmlns:a16="http://schemas.microsoft.com/office/drawing/2014/main" xmlns="" id="{3C4567BC-0D51-9846-8D02-B52A3DAD6382}"/>
+                <a16:creationId xmlns="" xmlns:a16="http://schemas.microsoft.com/office/drawing/2014/main" id="{3C4567BC-0D51-9846-8D02-B52A3DAD6382}"/>
               </a:ext>
             </a:extLst>
           </p:cNvPr>
@@ -4807,7 +4847,7 @@
           <p:cNvPr id="44" name="모서리가 둥근 직사각형 43">
             <a:extLst>
               <a:ext uri="{FF2B5EF4-FFF2-40B4-BE49-F238E27FC236}">
-                <a16:creationId xmlns:a16="http://schemas.microsoft.com/office/drawing/2014/main" xmlns="" id="{192C4406-F5BE-AB4A-BC1D-5F2AC2B497E5}"/>
+                <a16:creationId xmlns="" xmlns:a16="http://schemas.microsoft.com/office/drawing/2014/main" id="{192C4406-F5BE-AB4A-BC1D-5F2AC2B497E5}"/>
               </a:ext>
             </a:extLst>
           </p:cNvPr>
@@ -4862,7 +4902,7 @@
           <p:cNvPr id="45" name="직사각형 44">
             <a:extLst>
               <a:ext uri="{FF2B5EF4-FFF2-40B4-BE49-F238E27FC236}">
-                <a16:creationId xmlns:a16="http://schemas.microsoft.com/office/drawing/2014/main" xmlns="" id="{40A1B75A-1C2F-3C4B-A218-8DEF5EA1A240}"/>
+                <a16:creationId xmlns="" xmlns:a16="http://schemas.microsoft.com/office/drawing/2014/main" id="{40A1B75A-1C2F-3C4B-A218-8DEF5EA1A240}"/>
               </a:ext>
             </a:extLst>
           </p:cNvPr>
@@ -4917,7 +4957,7 @@
           <p:cNvPr id="46" name="직사각형 45">
             <a:extLst>
               <a:ext uri="{FF2B5EF4-FFF2-40B4-BE49-F238E27FC236}">
-                <a16:creationId xmlns:a16="http://schemas.microsoft.com/office/drawing/2014/main" xmlns="" id="{1E8C94F4-E033-604B-8A58-00F978D2EB43}"/>
+                <a16:creationId xmlns="" xmlns:a16="http://schemas.microsoft.com/office/drawing/2014/main" id="{1E8C94F4-E033-604B-8A58-00F978D2EB43}"/>
               </a:ext>
             </a:extLst>
           </p:cNvPr>
@@ -4971,7 +5011,7 @@
           <p:cNvPr id="47" name="직사각형 46">
             <a:extLst>
               <a:ext uri="{FF2B5EF4-FFF2-40B4-BE49-F238E27FC236}">
-                <a16:creationId xmlns:a16="http://schemas.microsoft.com/office/drawing/2014/main" xmlns="" id="{33CE4ED5-DA1F-5940-AC3E-08F271B2E1E5}"/>
+                <a16:creationId xmlns="" xmlns:a16="http://schemas.microsoft.com/office/drawing/2014/main" id="{33CE4ED5-DA1F-5940-AC3E-08F271B2E1E5}"/>
               </a:ext>
             </a:extLst>
           </p:cNvPr>
@@ -5025,7 +5065,7 @@
           <p:cNvPr id="48" name="직사각형 47">
             <a:extLst>
               <a:ext uri="{FF2B5EF4-FFF2-40B4-BE49-F238E27FC236}">
-                <a16:creationId xmlns:a16="http://schemas.microsoft.com/office/drawing/2014/main" xmlns="" id="{EF879863-4002-0649-908E-E3FA425C7515}"/>
+                <a16:creationId xmlns="" xmlns:a16="http://schemas.microsoft.com/office/drawing/2014/main" id="{EF879863-4002-0649-908E-E3FA425C7515}"/>
               </a:ext>
             </a:extLst>
           </p:cNvPr>
@@ -5079,7 +5119,7 @@
           <p:cNvPr id="49" name="모서리가 둥근 직사각형 48">
             <a:extLst>
               <a:ext uri="{FF2B5EF4-FFF2-40B4-BE49-F238E27FC236}">
-                <a16:creationId xmlns:a16="http://schemas.microsoft.com/office/drawing/2014/main" xmlns="" id="{D9415A5C-B5F6-434A-AAC2-5D23A69D0690}"/>
+                <a16:creationId xmlns="" xmlns:a16="http://schemas.microsoft.com/office/drawing/2014/main" id="{D9415A5C-B5F6-434A-AAC2-5D23A69D0690}"/>
               </a:ext>
             </a:extLst>
           </p:cNvPr>
@@ -5134,7 +5174,7 @@
           <p:cNvPr id="50" name="직사각형 49">
             <a:extLst>
               <a:ext uri="{FF2B5EF4-FFF2-40B4-BE49-F238E27FC236}">
-                <a16:creationId xmlns:a16="http://schemas.microsoft.com/office/drawing/2014/main" xmlns="" id="{A2E4B733-0B2F-EB44-9495-3D7B493225B5}"/>
+                <a16:creationId xmlns="" xmlns:a16="http://schemas.microsoft.com/office/drawing/2014/main" id="{A2E4B733-0B2F-EB44-9495-3D7B493225B5}"/>
               </a:ext>
             </a:extLst>
           </p:cNvPr>
@@ -5189,7 +5229,7 @@
           <p:cNvPr id="51" name="직사각형 50">
             <a:extLst>
               <a:ext uri="{FF2B5EF4-FFF2-40B4-BE49-F238E27FC236}">
-                <a16:creationId xmlns:a16="http://schemas.microsoft.com/office/drawing/2014/main" xmlns="" id="{25B6C46A-2DED-544B-825A-A3E9D8F9B9F1}"/>
+                <a16:creationId xmlns="" xmlns:a16="http://schemas.microsoft.com/office/drawing/2014/main" id="{25B6C46A-2DED-544B-825A-A3E9D8F9B9F1}"/>
               </a:ext>
             </a:extLst>
           </p:cNvPr>
@@ -5243,7 +5283,7 @@
           <p:cNvPr id="52" name="직사각형 51">
             <a:extLst>
               <a:ext uri="{FF2B5EF4-FFF2-40B4-BE49-F238E27FC236}">
-                <a16:creationId xmlns:a16="http://schemas.microsoft.com/office/drawing/2014/main" xmlns="" id="{9B00F2CE-B862-1F45-A8EF-EEAB910DC2DD}"/>
+                <a16:creationId xmlns="" xmlns:a16="http://schemas.microsoft.com/office/drawing/2014/main" id="{9B00F2CE-B862-1F45-A8EF-EEAB910DC2DD}"/>
               </a:ext>
             </a:extLst>
           </p:cNvPr>
@@ -5297,7 +5337,7 @@
           <p:cNvPr id="53" name="직사각형 52">
             <a:extLst>
               <a:ext uri="{FF2B5EF4-FFF2-40B4-BE49-F238E27FC236}">
-                <a16:creationId xmlns:a16="http://schemas.microsoft.com/office/drawing/2014/main" xmlns="" id="{C840DF5C-D742-454B-9744-B666449F3463}"/>
+                <a16:creationId xmlns="" xmlns:a16="http://schemas.microsoft.com/office/drawing/2014/main" id="{C840DF5C-D742-454B-9744-B666449F3463}"/>
               </a:ext>
             </a:extLst>
           </p:cNvPr>
@@ -5351,7 +5391,7 @@
           <p:cNvPr id="54" name="직사각형 53">
             <a:extLst>
               <a:ext uri="{FF2B5EF4-FFF2-40B4-BE49-F238E27FC236}">
-                <a16:creationId xmlns:a16="http://schemas.microsoft.com/office/drawing/2014/main" xmlns="" id="{7FD7FDAD-86FC-2F4C-974B-9A9A60523BA0}"/>
+                <a16:creationId xmlns="" xmlns:a16="http://schemas.microsoft.com/office/drawing/2014/main" id="{7FD7FDAD-86FC-2F4C-974B-9A9A60523BA0}"/>
               </a:ext>
             </a:extLst>
           </p:cNvPr>
@@ -5405,7 +5445,7 @@
           <p:cNvPr id="36" name="직사각형 35">
             <a:extLst>
               <a:ext uri="{FF2B5EF4-FFF2-40B4-BE49-F238E27FC236}">
-                <a16:creationId xmlns:a16="http://schemas.microsoft.com/office/drawing/2014/main" xmlns="" id="{2E8730FD-3FE0-CF49-87D6-55D4CADD52EC}"/>
+                <a16:creationId xmlns="" xmlns:a16="http://schemas.microsoft.com/office/drawing/2014/main" id="{2E8730FD-3FE0-CF49-87D6-55D4CADD52EC}"/>
               </a:ext>
             </a:extLst>
           </p:cNvPr>
@@ -5459,7 +5499,7 @@
           <p:cNvPr id="38" name="TextBox 37">
             <a:extLst>
               <a:ext uri="{FF2B5EF4-FFF2-40B4-BE49-F238E27FC236}">
-                <a16:creationId xmlns:a16="http://schemas.microsoft.com/office/drawing/2014/main" xmlns="" id="{D924124E-8556-6D40-B0AF-F8C8FE260281}"/>
+                <a16:creationId xmlns="" xmlns:a16="http://schemas.microsoft.com/office/drawing/2014/main" id="{D924124E-8556-6D40-B0AF-F8C8FE260281}"/>
               </a:ext>
             </a:extLst>
           </p:cNvPr>
@@ -5545,7 +5585,7 @@
           <p:cNvPr id="34" name="직사각형 33">
             <a:extLst>
               <a:ext uri="{FF2B5EF4-FFF2-40B4-BE49-F238E27FC236}">
-                <a16:creationId xmlns:a16="http://schemas.microsoft.com/office/drawing/2014/main" xmlns="" id="{37CB002D-8420-B548-9BEA-2E18D8A9A204}"/>
+                <a16:creationId xmlns="" xmlns:a16="http://schemas.microsoft.com/office/drawing/2014/main" id="{37CB002D-8420-B548-9BEA-2E18D8A9A204}"/>
               </a:ext>
             </a:extLst>
           </p:cNvPr>
@@ -5599,7 +5639,7 @@
           <p:cNvPr id="8" name="직사각형 7">
             <a:extLst>
               <a:ext uri="{FF2B5EF4-FFF2-40B4-BE49-F238E27FC236}">
-                <a16:creationId xmlns:a16="http://schemas.microsoft.com/office/drawing/2014/main" xmlns="" id="{6B8B80B4-792D-174E-8B2C-A10CA85CDD01}"/>
+                <a16:creationId xmlns="" xmlns:a16="http://schemas.microsoft.com/office/drawing/2014/main" id="{6B8B80B4-792D-174E-8B2C-A10CA85CDD01}"/>
               </a:ext>
             </a:extLst>
           </p:cNvPr>
@@ -5651,7 +5691,7 @@
           <p:cNvPr id="9" name="직각 삼각형[R] 8">
             <a:extLst>
               <a:ext uri="{FF2B5EF4-FFF2-40B4-BE49-F238E27FC236}">
-                <a16:creationId xmlns:a16="http://schemas.microsoft.com/office/drawing/2014/main" xmlns="" id="{E9289217-6E56-7D4B-B6FB-329F373CAF3E}"/>
+                <a16:creationId xmlns="" xmlns:a16="http://schemas.microsoft.com/office/drawing/2014/main" id="{E9289217-6E56-7D4B-B6FB-329F373CAF3E}"/>
               </a:ext>
             </a:extLst>
           </p:cNvPr>
@@ -5705,7 +5745,7 @@
           <p:cNvPr id="31" name="직사각형 30">
             <a:extLst>
               <a:ext uri="{FF2B5EF4-FFF2-40B4-BE49-F238E27FC236}">
-                <a16:creationId xmlns:a16="http://schemas.microsoft.com/office/drawing/2014/main" xmlns="" id="{A89F077E-F7A4-3D49-BAB5-4E9D17005D90}"/>
+                <a16:creationId xmlns="" xmlns:a16="http://schemas.microsoft.com/office/drawing/2014/main" id="{A89F077E-F7A4-3D49-BAB5-4E9D17005D90}"/>
               </a:ext>
             </a:extLst>
           </p:cNvPr>
@@ -5759,7 +5799,7 @@
           <p:cNvPr id="32" name="TextBox 31">
             <a:extLst>
               <a:ext uri="{FF2B5EF4-FFF2-40B4-BE49-F238E27FC236}">
-                <a16:creationId xmlns:a16="http://schemas.microsoft.com/office/drawing/2014/main" xmlns="" id="{942FB8DE-965C-0845-A309-74C9F51EAF9F}"/>
+                <a16:creationId xmlns="" xmlns:a16="http://schemas.microsoft.com/office/drawing/2014/main" id="{942FB8DE-965C-0845-A309-74C9F51EAF9F}"/>
               </a:ext>
             </a:extLst>
           </p:cNvPr>
@@ -5802,7 +5842,7 @@
           <p:cNvPr id="33" name="TextBox 32">
             <a:extLst>
               <a:ext uri="{FF2B5EF4-FFF2-40B4-BE49-F238E27FC236}">
-                <a16:creationId xmlns:a16="http://schemas.microsoft.com/office/drawing/2014/main" xmlns="" id="{7F85061E-E6C3-C84C-BB7D-87EC6FAD4193}"/>
+                <a16:creationId xmlns="" xmlns:a16="http://schemas.microsoft.com/office/drawing/2014/main" id="{7F85061E-E6C3-C84C-BB7D-87EC6FAD4193}"/>
               </a:ext>
             </a:extLst>
           </p:cNvPr>
@@ -5915,7 +5955,7 @@
           <p:cNvPr id="79" name="TextBox 78">
             <a:extLst>
               <a:ext uri="{FF2B5EF4-FFF2-40B4-BE49-F238E27FC236}">
-                <a16:creationId xmlns:a16="http://schemas.microsoft.com/office/drawing/2014/main" xmlns="" id="{7F85061E-E6C3-C84C-BB7D-87EC6FAD4193}"/>
+                <a16:creationId xmlns="" xmlns:a16="http://schemas.microsoft.com/office/drawing/2014/main" id="{7F85061E-E6C3-C84C-BB7D-87EC6FAD4193}"/>
               </a:ext>
             </a:extLst>
           </p:cNvPr>
@@ -6133,7 +6173,7 @@
           <p:cNvPr id="19" name="TextBox 18">
             <a:extLst>
               <a:ext uri="{FF2B5EF4-FFF2-40B4-BE49-F238E27FC236}">
-                <a16:creationId xmlns:a16="http://schemas.microsoft.com/office/drawing/2014/main" xmlns="" id="{BC578308-8F78-DB4D-8BBF-E8CCC31D5FEE}"/>
+                <a16:creationId xmlns="" xmlns:a16="http://schemas.microsoft.com/office/drawing/2014/main" id="{BC578308-8F78-DB4D-8BBF-E8CCC31D5FEE}"/>
               </a:ext>
             </a:extLst>
           </p:cNvPr>
@@ -6242,7 +6282,7 @@
           <p:cNvPr id="20" name="TextBox 19">
             <a:extLst>
               <a:ext uri="{FF2B5EF4-FFF2-40B4-BE49-F238E27FC236}">
-                <a16:creationId xmlns:a16="http://schemas.microsoft.com/office/drawing/2014/main" xmlns="" id="{849EE5DD-2363-0B42-B4FD-2464134E7BE2}"/>
+                <a16:creationId xmlns="" xmlns:a16="http://schemas.microsoft.com/office/drawing/2014/main" id="{849EE5DD-2363-0B42-B4FD-2464134E7BE2}"/>
               </a:ext>
             </a:extLst>
           </p:cNvPr>
@@ -6453,7 +6493,7 @@
           <p:cNvPr id="50" name="TextBox 49">
             <a:extLst>
               <a:ext uri="{FF2B5EF4-FFF2-40B4-BE49-F238E27FC236}">
-                <a16:creationId xmlns:a16="http://schemas.microsoft.com/office/drawing/2014/main" xmlns="" id="{3B845D38-5442-6B48-ADA4-3CD7234B8DE3}"/>
+                <a16:creationId xmlns="" xmlns:a16="http://schemas.microsoft.com/office/drawing/2014/main" id="{3B845D38-5442-6B48-ADA4-3CD7234B8DE3}"/>
               </a:ext>
             </a:extLst>
           </p:cNvPr>
@@ -6500,7 +6540,7 @@
           <p:cNvPr id="51" name="TextBox 50">
             <a:extLst>
               <a:ext uri="{FF2B5EF4-FFF2-40B4-BE49-F238E27FC236}">
-                <a16:creationId xmlns:a16="http://schemas.microsoft.com/office/drawing/2014/main" xmlns="" id="{3B845D38-5442-6B48-ADA4-3CD7234B8DE3}"/>
+                <a16:creationId xmlns="" xmlns:a16="http://schemas.microsoft.com/office/drawing/2014/main" id="{3B845D38-5442-6B48-ADA4-3CD7234B8DE3}"/>
               </a:ext>
             </a:extLst>
           </p:cNvPr>
@@ -6565,7 +6605,7 @@
           <p:cNvPr id="52" name="TextBox 51">
             <a:extLst>
               <a:ext uri="{FF2B5EF4-FFF2-40B4-BE49-F238E27FC236}">
-                <a16:creationId xmlns:a16="http://schemas.microsoft.com/office/drawing/2014/main" xmlns="" id="{3B845D38-5442-6B48-ADA4-3CD7234B8DE3}"/>
+                <a16:creationId xmlns="" xmlns:a16="http://schemas.microsoft.com/office/drawing/2014/main" id="{3B845D38-5442-6B48-ADA4-3CD7234B8DE3}"/>
               </a:ext>
             </a:extLst>
           </p:cNvPr>
@@ -6735,7 +6775,7 @@
           <p:cNvPr id="34" name="직사각형 33">
             <a:extLst>
               <a:ext uri="{FF2B5EF4-FFF2-40B4-BE49-F238E27FC236}">
-                <a16:creationId xmlns:a16="http://schemas.microsoft.com/office/drawing/2014/main" xmlns="" id="{37CB002D-8420-B548-9BEA-2E18D8A9A204}"/>
+                <a16:creationId xmlns="" xmlns:a16="http://schemas.microsoft.com/office/drawing/2014/main" id="{37CB002D-8420-B548-9BEA-2E18D8A9A204}"/>
               </a:ext>
             </a:extLst>
           </p:cNvPr>
@@ -6789,7 +6829,7 @@
           <p:cNvPr id="8" name="직사각형 7">
             <a:extLst>
               <a:ext uri="{FF2B5EF4-FFF2-40B4-BE49-F238E27FC236}">
-                <a16:creationId xmlns:a16="http://schemas.microsoft.com/office/drawing/2014/main" xmlns="" id="{6B8B80B4-792D-174E-8B2C-A10CA85CDD01}"/>
+                <a16:creationId xmlns="" xmlns:a16="http://schemas.microsoft.com/office/drawing/2014/main" id="{6B8B80B4-792D-174E-8B2C-A10CA85CDD01}"/>
               </a:ext>
             </a:extLst>
           </p:cNvPr>
@@ -6841,7 +6881,7 @@
           <p:cNvPr id="9" name="직각 삼각형[R] 8">
             <a:extLst>
               <a:ext uri="{FF2B5EF4-FFF2-40B4-BE49-F238E27FC236}">
-                <a16:creationId xmlns:a16="http://schemas.microsoft.com/office/drawing/2014/main" xmlns="" id="{E9289217-6E56-7D4B-B6FB-329F373CAF3E}"/>
+                <a16:creationId xmlns="" xmlns:a16="http://schemas.microsoft.com/office/drawing/2014/main" id="{E9289217-6E56-7D4B-B6FB-329F373CAF3E}"/>
               </a:ext>
             </a:extLst>
           </p:cNvPr>
@@ -6895,7 +6935,7 @@
           <p:cNvPr id="31" name="직사각형 30">
             <a:extLst>
               <a:ext uri="{FF2B5EF4-FFF2-40B4-BE49-F238E27FC236}">
-                <a16:creationId xmlns:a16="http://schemas.microsoft.com/office/drawing/2014/main" xmlns="" id="{A89F077E-F7A4-3D49-BAB5-4E9D17005D90}"/>
+                <a16:creationId xmlns="" xmlns:a16="http://schemas.microsoft.com/office/drawing/2014/main" id="{A89F077E-F7A4-3D49-BAB5-4E9D17005D90}"/>
               </a:ext>
             </a:extLst>
           </p:cNvPr>
@@ -6949,7 +6989,7 @@
           <p:cNvPr id="32" name="TextBox 31">
             <a:extLst>
               <a:ext uri="{FF2B5EF4-FFF2-40B4-BE49-F238E27FC236}">
-                <a16:creationId xmlns:a16="http://schemas.microsoft.com/office/drawing/2014/main" xmlns="" id="{942FB8DE-965C-0845-A309-74C9F51EAF9F}"/>
+                <a16:creationId xmlns="" xmlns:a16="http://schemas.microsoft.com/office/drawing/2014/main" id="{942FB8DE-965C-0845-A309-74C9F51EAF9F}"/>
               </a:ext>
             </a:extLst>
           </p:cNvPr>
@@ -6999,7 +7039,7 @@
           <p:cNvPr id="10" name="직선 연결선[R] 9">
             <a:extLst>
               <a:ext uri="{FF2B5EF4-FFF2-40B4-BE49-F238E27FC236}">
-                <a16:creationId xmlns:a16="http://schemas.microsoft.com/office/drawing/2014/main" xmlns="" id="{3857C8F2-A192-E54E-ABE9-F03801DAB105}"/>
+                <a16:creationId xmlns="" xmlns:a16="http://schemas.microsoft.com/office/drawing/2014/main" id="{3857C8F2-A192-E54E-ABE9-F03801DAB105}"/>
               </a:ext>
             </a:extLst>
           </p:cNvPr>
@@ -7042,7 +7082,7 @@
           <p:cNvPr id="19" name="TextBox 18">
             <a:extLst>
               <a:ext uri="{FF2B5EF4-FFF2-40B4-BE49-F238E27FC236}">
-                <a16:creationId xmlns:a16="http://schemas.microsoft.com/office/drawing/2014/main" xmlns="" id="{BC578308-8F78-DB4D-8BBF-E8CCC31D5FEE}"/>
+                <a16:creationId xmlns="" xmlns:a16="http://schemas.microsoft.com/office/drawing/2014/main" id="{BC578308-8F78-DB4D-8BBF-E8CCC31D5FEE}"/>
               </a:ext>
             </a:extLst>
           </p:cNvPr>
@@ -7170,7 +7210,7 @@
           <p:cNvPr id="20" name="TextBox 19">
             <a:extLst>
               <a:ext uri="{FF2B5EF4-FFF2-40B4-BE49-F238E27FC236}">
-                <a16:creationId xmlns:a16="http://schemas.microsoft.com/office/drawing/2014/main" xmlns="" id="{849EE5DD-2363-0B42-B4FD-2464134E7BE2}"/>
+                <a16:creationId xmlns="" xmlns:a16="http://schemas.microsoft.com/office/drawing/2014/main" id="{849EE5DD-2363-0B42-B4FD-2464134E7BE2}"/>
               </a:ext>
             </a:extLst>
           </p:cNvPr>
@@ -7264,7 +7304,7 @@
           <p:cNvPr id="22" name="TextBox 21">
             <a:extLst>
               <a:ext uri="{FF2B5EF4-FFF2-40B4-BE49-F238E27FC236}">
-                <a16:creationId xmlns:a16="http://schemas.microsoft.com/office/drawing/2014/main" xmlns="" id="{3B845D38-5442-6B48-ADA4-3CD7234B8DE3}"/>
+                <a16:creationId xmlns="" xmlns:a16="http://schemas.microsoft.com/office/drawing/2014/main" id="{3B845D38-5442-6B48-ADA4-3CD7234B8DE3}"/>
               </a:ext>
             </a:extLst>
           </p:cNvPr>
@@ -7622,7 +7662,7 @@
           <p:cNvPr id="25" name="직사각형 24">
             <a:extLst>
               <a:ext uri="{FF2B5EF4-FFF2-40B4-BE49-F238E27FC236}">
-                <a16:creationId xmlns:a16="http://schemas.microsoft.com/office/drawing/2014/main" xmlns="" id="{A89F077E-F7A4-3D49-BAB5-4E9D17005D90}"/>
+                <a16:creationId xmlns="" xmlns:a16="http://schemas.microsoft.com/office/drawing/2014/main" id="{A89F077E-F7A4-3D49-BAB5-4E9D17005D90}"/>
               </a:ext>
             </a:extLst>
           </p:cNvPr>
@@ -7676,7 +7716,7 @@
           <p:cNvPr id="26" name="TextBox 25">
             <a:extLst>
               <a:ext uri="{FF2B5EF4-FFF2-40B4-BE49-F238E27FC236}">
-                <a16:creationId xmlns:a16="http://schemas.microsoft.com/office/drawing/2014/main" xmlns="" id="{942FB8DE-965C-0845-A309-74C9F51EAF9F}"/>
+                <a16:creationId xmlns="" xmlns:a16="http://schemas.microsoft.com/office/drawing/2014/main" id="{942FB8DE-965C-0845-A309-74C9F51EAF9F}"/>
               </a:ext>
             </a:extLst>
           </p:cNvPr>
@@ -7726,7 +7766,7 @@
           <p:cNvPr id="27" name="TextBox 26">
             <a:extLst>
               <a:ext uri="{FF2B5EF4-FFF2-40B4-BE49-F238E27FC236}">
-                <a16:creationId xmlns:a16="http://schemas.microsoft.com/office/drawing/2014/main" xmlns="" id="{3B845D38-5442-6B48-ADA4-3CD7234B8DE3}"/>
+                <a16:creationId xmlns="" xmlns:a16="http://schemas.microsoft.com/office/drawing/2014/main" id="{3B845D38-5442-6B48-ADA4-3CD7234B8DE3}"/>
               </a:ext>
             </a:extLst>
           </p:cNvPr>
@@ -7761,10 +7801,6 @@
               </a:rPr>
               <a:t>Before </a:t>
             </a:r>
-            <a:endParaRPr kumimoji="1" lang="en-US" altLang="ko-KR" dirty="0" smtClean="0">
-              <a:latin typeface="배달의민족 주아" pitchFamily="18" charset="-127"/>
-              <a:ea typeface="배달의민족 주아" pitchFamily="18" charset="-127"/>
-            </a:endParaRPr>
           </a:p>
           <a:p>
             <a:pPr algn="just">
@@ -7809,14 +7845,7 @@
                 <a:latin typeface="배달의민족 주아" pitchFamily="18" charset="-127"/>
                 <a:ea typeface="배달의민족 주아" pitchFamily="18" charset="-127"/>
               </a:rPr>
-              <a:t>After </a:t>
-            </a:r>
-            <a:r>
-              <a:rPr kumimoji="1" lang="en-US" altLang="ko-KR" dirty="0" smtClean="0">
-                <a:latin typeface="배달의민족 주아" pitchFamily="18" charset="-127"/>
-                <a:ea typeface="배달의민족 주아" pitchFamily="18" charset="-127"/>
-              </a:rPr>
-              <a:t>returning </a:t>
+              <a:t>After returning </a:t>
             </a:r>
           </a:p>
           <a:p>
@@ -7855,19 +7884,8 @@
                 <a:latin typeface="배달의민족 주아" pitchFamily="18" charset="-127"/>
                 <a:ea typeface="배달의민족 주아" pitchFamily="18" charset="-127"/>
               </a:rPr>
-              <a:t>After </a:t>
-            </a:r>
-            <a:r>
-              <a:rPr kumimoji="1" lang="en-US" altLang="ko-KR" dirty="0" smtClean="0">
-                <a:latin typeface="배달의민족 주아" pitchFamily="18" charset="-127"/>
-                <a:ea typeface="배달의민족 주아" pitchFamily="18" charset="-127"/>
-              </a:rPr>
-              <a:t>throwing</a:t>
-            </a:r>
-            <a:endParaRPr kumimoji="1" lang="en-US" altLang="ko-KR" dirty="0" smtClean="0">
-              <a:latin typeface="배달의민족 주아" pitchFamily="18" charset="-127"/>
-              <a:ea typeface="배달의민족 주아" pitchFamily="18" charset="-127"/>
-            </a:endParaRPr>
+              <a:t>After throwing</a:t>
+            </a:r>
           </a:p>
           <a:p>
             <a:pPr algn="just">
@@ -7924,10 +7942,6 @@
               </a:rPr>
               <a:t>After</a:t>
             </a:r>
-            <a:endParaRPr kumimoji="1" lang="en-US" altLang="ko-KR" dirty="0" smtClean="0">
-              <a:latin typeface="배달의민족 주아" pitchFamily="18" charset="-127"/>
-              <a:ea typeface="배달의민족 주아" pitchFamily="18" charset="-127"/>
-            </a:endParaRPr>
           </a:p>
           <a:p>
             <a:pPr algn="just">
@@ -7998,10 +8012,6 @@
               </a:rPr>
               <a:t>Around</a:t>
             </a:r>
-            <a:endParaRPr kumimoji="1" lang="en-US" altLang="ko-KR" dirty="0" smtClean="0">
-              <a:latin typeface="배달의민족 주아" pitchFamily="18" charset="-127"/>
-              <a:ea typeface="배달의민족 주아" pitchFamily="18" charset="-127"/>
-            </a:endParaRPr>
           </a:p>
           <a:p>
             <a:pPr algn="just">
@@ -8114,7 +8124,7 @@
           <p:cNvPr id="8" name="직사각형 7">
             <a:extLst>
               <a:ext uri="{FF2B5EF4-FFF2-40B4-BE49-F238E27FC236}">
-                <a16:creationId xmlns:a16="http://schemas.microsoft.com/office/drawing/2014/main" xmlns="" id="{6B8B80B4-792D-174E-8B2C-A10CA85CDD01}"/>
+                <a16:creationId xmlns="" xmlns:a16="http://schemas.microsoft.com/office/drawing/2014/main" id="{6B8B80B4-792D-174E-8B2C-A10CA85CDD01}"/>
               </a:ext>
             </a:extLst>
           </p:cNvPr>
@@ -8166,7 +8176,7 @@
           <p:cNvPr id="9" name="직각 삼각형[R] 8">
             <a:extLst>
               <a:ext uri="{FF2B5EF4-FFF2-40B4-BE49-F238E27FC236}">
-                <a16:creationId xmlns:a16="http://schemas.microsoft.com/office/drawing/2014/main" xmlns="" id="{E9289217-6E56-7D4B-B6FB-329F373CAF3E}"/>
+                <a16:creationId xmlns="" xmlns:a16="http://schemas.microsoft.com/office/drawing/2014/main" id="{E9289217-6E56-7D4B-B6FB-329F373CAF3E}"/>
               </a:ext>
             </a:extLst>
           </p:cNvPr>
@@ -8220,7 +8230,7 @@
           <p:cNvPr id="19" name="TextBox 18">
             <a:extLst>
               <a:ext uri="{FF2B5EF4-FFF2-40B4-BE49-F238E27FC236}">
-                <a16:creationId xmlns:a16="http://schemas.microsoft.com/office/drawing/2014/main" xmlns="" id="{BC578308-8F78-DB4D-8BBF-E8CCC31D5FEE}"/>
+                <a16:creationId xmlns="" xmlns:a16="http://schemas.microsoft.com/office/drawing/2014/main" id="{BC578308-8F78-DB4D-8BBF-E8CCC31D5FEE}"/>
               </a:ext>
             </a:extLst>
           </p:cNvPr>
@@ -8291,7 +8301,7 @@
           <p:cNvPr id="20" name="TextBox 19">
             <a:extLst>
               <a:ext uri="{FF2B5EF4-FFF2-40B4-BE49-F238E27FC236}">
-                <a16:creationId xmlns:a16="http://schemas.microsoft.com/office/drawing/2014/main" xmlns="" id="{849EE5DD-2363-0B42-B4FD-2464134E7BE2}"/>
+                <a16:creationId xmlns="" xmlns:a16="http://schemas.microsoft.com/office/drawing/2014/main" id="{849EE5DD-2363-0B42-B4FD-2464134E7BE2}"/>
               </a:ext>
             </a:extLst>
           </p:cNvPr>
@@ -8359,7 +8369,7 @@
           <p:cNvPr id="16" name="직사각형 15">
             <a:extLst>
               <a:ext uri="{FF2B5EF4-FFF2-40B4-BE49-F238E27FC236}">
-                <a16:creationId xmlns:a16="http://schemas.microsoft.com/office/drawing/2014/main" xmlns="" id="{F323C5E6-A911-2440-93DA-DEE87A35D1B3}"/>
+                <a16:creationId xmlns="" xmlns:a16="http://schemas.microsoft.com/office/drawing/2014/main" id="{F323C5E6-A911-2440-93DA-DEE87A35D1B3}"/>
               </a:ext>
             </a:extLst>
           </p:cNvPr>
@@ -8413,7 +8423,7 @@
           <p:cNvPr id="17" name="TextBox 16">
             <a:extLst>
               <a:ext uri="{FF2B5EF4-FFF2-40B4-BE49-F238E27FC236}">
-                <a16:creationId xmlns:a16="http://schemas.microsoft.com/office/drawing/2014/main" xmlns="" id="{7F85061E-E6C3-C84C-BB7D-87EC6FAD4193}"/>
+                <a16:creationId xmlns="" xmlns:a16="http://schemas.microsoft.com/office/drawing/2014/main" id="{7F85061E-E6C3-C84C-BB7D-87EC6FAD4193}"/>
               </a:ext>
             </a:extLst>
           </p:cNvPr>
@@ -8719,7 +8729,7 @@
           <p:cNvPr id="18" name="그림 17">
             <a:extLst>
               <a:ext uri="{FF2B5EF4-FFF2-40B4-BE49-F238E27FC236}">
-                <a16:creationId xmlns:a16="http://schemas.microsoft.com/office/drawing/2014/main" xmlns="" id="{812D3A33-7692-BA40-9F75-B21606CDE920}"/>
+                <a16:creationId xmlns="" xmlns:a16="http://schemas.microsoft.com/office/drawing/2014/main" id="{812D3A33-7692-BA40-9F75-B21606CDE920}"/>
               </a:ext>
             </a:extLst>
           </p:cNvPr>
@@ -8749,7 +8759,7 @@
           <p:cNvPr id="28" name="TextBox 27">
             <a:extLst>
               <a:ext uri="{FF2B5EF4-FFF2-40B4-BE49-F238E27FC236}">
-                <a16:creationId xmlns:a16="http://schemas.microsoft.com/office/drawing/2014/main" xmlns="" id="{942FB8DE-965C-0845-A309-74C9F51EAF9F}"/>
+                <a16:creationId xmlns="" xmlns:a16="http://schemas.microsoft.com/office/drawing/2014/main" id="{942FB8DE-965C-0845-A309-74C9F51EAF9F}"/>
               </a:ext>
             </a:extLst>
           </p:cNvPr>
@@ -8806,7 +8816,7 @@
           <p:cNvPr id="29" name="TextBox 28">
             <a:extLst>
               <a:ext uri="{FF2B5EF4-FFF2-40B4-BE49-F238E27FC236}">
-                <a16:creationId xmlns:a16="http://schemas.microsoft.com/office/drawing/2014/main" xmlns="" id="{3B845D38-5442-6B48-ADA4-3CD7234B8DE3}"/>
+                <a16:creationId xmlns="" xmlns:a16="http://schemas.microsoft.com/office/drawing/2014/main" id="{3B845D38-5442-6B48-ADA4-3CD7234B8DE3}"/>
               </a:ext>
             </a:extLst>
           </p:cNvPr>
@@ -8975,7 +8985,7 @@
           <p:cNvPr id="30" name="TextBox 29">
             <a:extLst>
               <a:ext uri="{FF2B5EF4-FFF2-40B4-BE49-F238E27FC236}">
-                <a16:creationId xmlns:a16="http://schemas.microsoft.com/office/drawing/2014/main" xmlns="" id="{7F85061E-E6C3-C84C-BB7D-87EC6FAD4193}"/>
+                <a16:creationId xmlns="" xmlns:a16="http://schemas.microsoft.com/office/drawing/2014/main" id="{7F85061E-E6C3-C84C-BB7D-87EC6FAD4193}"/>
               </a:ext>
             </a:extLst>
           </p:cNvPr>
@@ -9084,7 +9094,7 @@
           <p:cNvPr id="33" name="TextBox 32">
             <a:extLst>
               <a:ext uri="{FF2B5EF4-FFF2-40B4-BE49-F238E27FC236}">
-                <a16:creationId xmlns:a16="http://schemas.microsoft.com/office/drawing/2014/main" xmlns="" id="{7F85061E-E6C3-C84C-BB7D-87EC6FAD4193}"/>
+                <a16:creationId xmlns="" xmlns:a16="http://schemas.microsoft.com/office/drawing/2014/main" id="{7F85061E-E6C3-C84C-BB7D-87EC6FAD4193}"/>
               </a:ext>
             </a:extLst>
           </p:cNvPr>
@@ -9275,7 +9285,7 @@
           <p:cNvPr id="15" name="직선 연결선[R] 9">
             <a:extLst>
               <a:ext uri="{FF2B5EF4-FFF2-40B4-BE49-F238E27FC236}">
-                <a16:creationId xmlns:a16="http://schemas.microsoft.com/office/drawing/2014/main" xmlns="" id="{3857C8F2-A192-E54E-ABE9-F03801DAB105}"/>
+                <a16:creationId xmlns="" xmlns:a16="http://schemas.microsoft.com/office/drawing/2014/main" id="{3857C8F2-A192-E54E-ABE9-F03801DAB105}"/>
               </a:ext>
             </a:extLst>
           </p:cNvPr>
@@ -9355,7 +9365,7 @@
           <p:cNvPr id="13" name="직사각형 12">
             <a:extLst>
               <a:ext uri="{FF2B5EF4-FFF2-40B4-BE49-F238E27FC236}">
-                <a16:creationId xmlns:a16="http://schemas.microsoft.com/office/drawing/2014/main" xmlns="" id="{F323C5E6-A911-2440-93DA-DEE87A35D1B3}"/>
+                <a16:creationId xmlns="" xmlns:a16="http://schemas.microsoft.com/office/drawing/2014/main" id="{F323C5E6-A911-2440-93DA-DEE87A35D1B3}"/>
               </a:ext>
             </a:extLst>
           </p:cNvPr>
@@ -9409,7 +9419,7 @@
           <p:cNvPr id="8" name="직사각형 7">
             <a:extLst>
               <a:ext uri="{FF2B5EF4-FFF2-40B4-BE49-F238E27FC236}">
-                <a16:creationId xmlns:a16="http://schemas.microsoft.com/office/drawing/2014/main" xmlns="" id="{6B8B80B4-792D-174E-8B2C-A10CA85CDD01}"/>
+                <a16:creationId xmlns="" xmlns:a16="http://schemas.microsoft.com/office/drawing/2014/main" id="{6B8B80B4-792D-174E-8B2C-A10CA85CDD01}"/>
               </a:ext>
             </a:extLst>
           </p:cNvPr>
@@ -9461,7 +9471,7 @@
           <p:cNvPr id="9" name="직각 삼각형[R] 8">
             <a:extLst>
               <a:ext uri="{FF2B5EF4-FFF2-40B4-BE49-F238E27FC236}">
-                <a16:creationId xmlns:a16="http://schemas.microsoft.com/office/drawing/2014/main" xmlns="" id="{E9289217-6E56-7D4B-B6FB-329F373CAF3E}"/>
+                <a16:creationId xmlns="" xmlns:a16="http://schemas.microsoft.com/office/drawing/2014/main" id="{E9289217-6E56-7D4B-B6FB-329F373CAF3E}"/>
               </a:ext>
             </a:extLst>
           </p:cNvPr>
@@ -9515,7 +9525,7 @@
           <p:cNvPr id="10" name="TextBox 9">
             <a:extLst>
               <a:ext uri="{FF2B5EF4-FFF2-40B4-BE49-F238E27FC236}">
-                <a16:creationId xmlns:a16="http://schemas.microsoft.com/office/drawing/2014/main" xmlns="" id="{BC578308-8F78-DB4D-8BBF-E8CCC31D5FEE}"/>
+                <a16:creationId xmlns="" xmlns:a16="http://schemas.microsoft.com/office/drawing/2014/main" id="{BC578308-8F78-DB4D-8BBF-E8CCC31D5FEE}"/>
               </a:ext>
             </a:extLst>
           </p:cNvPr>
@@ -9605,7 +9615,7 @@
           <p:cNvPr id="11" name="TextBox 10">
             <a:extLst>
               <a:ext uri="{FF2B5EF4-FFF2-40B4-BE49-F238E27FC236}">
-                <a16:creationId xmlns:a16="http://schemas.microsoft.com/office/drawing/2014/main" xmlns="" id="{849EE5DD-2363-0B42-B4FD-2464134E7BE2}"/>
+                <a16:creationId xmlns="" xmlns:a16="http://schemas.microsoft.com/office/drawing/2014/main" id="{849EE5DD-2363-0B42-B4FD-2464134E7BE2}"/>
               </a:ext>
             </a:extLst>
           </p:cNvPr>
@@ -9677,7 +9687,7 @@
             <p:cNvPr id="43" name="직사각형 42">
               <a:extLst>
                 <a:ext uri="{FF2B5EF4-FFF2-40B4-BE49-F238E27FC236}">
-                  <a16:creationId xmlns:a16="http://schemas.microsoft.com/office/drawing/2014/main" xmlns="" id="{A89F077E-F7A4-3D49-BAB5-4E9D17005D90}"/>
+                  <a16:creationId xmlns="" xmlns:a16="http://schemas.microsoft.com/office/drawing/2014/main" id="{A89F077E-F7A4-3D49-BAB5-4E9D17005D90}"/>
                 </a:ext>
               </a:extLst>
             </p:cNvPr>
@@ -9731,7 +9741,7 @@
             <p:cNvPr id="44" name="TextBox 43">
               <a:extLst>
                 <a:ext uri="{FF2B5EF4-FFF2-40B4-BE49-F238E27FC236}">
-                  <a16:creationId xmlns:a16="http://schemas.microsoft.com/office/drawing/2014/main" xmlns="" id="{942FB8DE-965C-0845-A309-74C9F51EAF9F}"/>
+                  <a16:creationId xmlns="" xmlns:a16="http://schemas.microsoft.com/office/drawing/2014/main" id="{942FB8DE-965C-0845-A309-74C9F51EAF9F}"/>
                 </a:ext>
               </a:extLst>
             </p:cNvPr>
@@ -10485,7 +10495,7 @@
           <p:cNvPr id="13" name="직사각형 12">
             <a:extLst>
               <a:ext uri="{FF2B5EF4-FFF2-40B4-BE49-F238E27FC236}">
-                <a16:creationId xmlns:a16="http://schemas.microsoft.com/office/drawing/2014/main" xmlns="" id="{F323C5E6-A911-2440-93DA-DEE87A35D1B3}"/>
+                <a16:creationId xmlns="" xmlns:a16="http://schemas.microsoft.com/office/drawing/2014/main" id="{F323C5E6-A911-2440-93DA-DEE87A35D1B3}"/>
               </a:ext>
             </a:extLst>
           </p:cNvPr>
@@ -10539,7 +10549,7 @@
           <p:cNvPr id="8" name="직사각형 7">
             <a:extLst>
               <a:ext uri="{FF2B5EF4-FFF2-40B4-BE49-F238E27FC236}">
-                <a16:creationId xmlns:a16="http://schemas.microsoft.com/office/drawing/2014/main" xmlns="" id="{6B8B80B4-792D-174E-8B2C-A10CA85CDD01}"/>
+                <a16:creationId xmlns="" xmlns:a16="http://schemas.microsoft.com/office/drawing/2014/main" id="{6B8B80B4-792D-174E-8B2C-A10CA85CDD01}"/>
               </a:ext>
             </a:extLst>
           </p:cNvPr>
@@ -10591,7 +10601,7 @@
           <p:cNvPr id="9" name="직각 삼각형[R] 8">
             <a:extLst>
               <a:ext uri="{FF2B5EF4-FFF2-40B4-BE49-F238E27FC236}">
-                <a16:creationId xmlns:a16="http://schemas.microsoft.com/office/drawing/2014/main" xmlns="" id="{E9289217-6E56-7D4B-B6FB-329F373CAF3E}"/>
+                <a16:creationId xmlns="" xmlns:a16="http://schemas.microsoft.com/office/drawing/2014/main" id="{E9289217-6E56-7D4B-B6FB-329F373CAF3E}"/>
               </a:ext>
             </a:extLst>
           </p:cNvPr>
@@ -10645,7 +10655,7 @@
           <p:cNvPr id="10" name="TextBox 9">
             <a:extLst>
               <a:ext uri="{FF2B5EF4-FFF2-40B4-BE49-F238E27FC236}">
-                <a16:creationId xmlns:a16="http://schemas.microsoft.com/office/drawing/2014/main" xmlns="" id="{BC578308-8F78-DB4D-8BBF-E8CCC31D5FEE}"/>
+                <a16:creationId xmlns="" xmlns:a16="http://schemas.microsoft.com/office/drawing/2014/main" id="{BC578308-8F78-DB4D-8BBF-E8CCC31D5FEE}"/>
               </a:ext>
             </a:extLst>
           </p:cNvPr>
@@ -10716,7 +10726,7 @@
           <p:cNvPr id="11" name="TextBox 10">
             <a:extLst>
               <a:ext uri="{FF2B5EF4-FFF2-40B4-BE49-F238E27FC236}">
-                <a16:creationId xmlns:a16="http://schemas.microsoft.com/office/drawing/2014/main" xmlns="" id="{849EE5DD-2363-0B42-B4FD-2464134E7BE2}"/>
+                <a16:creationId xmlns="" xmlns:a16="http://schemas.microsoft.com/office/drawing/2014/main" id="{849EE5DD-2363-0B42-B4FD-2464134E7BE2}"/>
               </a:ext>
             </a:extLst>
           </p:cNvPr>
@@ -10759,13 +10769,6 @@
               </a:rPr>
               <a:t>샘플 코드</a:t>
             </a:r>
-            <a:endParaRPr kumimoji="1" lang="ko-KR" altLang="en-US" sz="2400" dirty="0">
-              <a:solidFill>
-                <a:schemeClr val="bg1"/>
-              </a:solidFill>
-              <a:latin typeface="배달의민족 주아" pitchFamily="18" charset="-127"/>
-              <a:ea typeface="배달의민족 주아" pitchFamily="18" charset="-127"/>
-            </a:endParaRPr>
           </a:p>
         </p:txBody>
       </p:sp>
@@ -10774,7 +10777,7 @@
           <p:cNvPr id="7" name="TextBox 6">
             <a:extLst>
               <a:ext uri="{FF2B5EF4-FFF2-40B4-BE49-F238E27FC236}">
-                <a16:creationId xmlns:a16="http://schemas.microsoft.com/office/drawing/2014/main" xmlns="" id="{942FB8DE-965C-0845-A309-74C9F51EAF9F}"/>
+                <a16:creationId xmlns="" xmlns:a16="http://schemas.microsoft.com/office/drawing/2014/main" id="{942FB8DE-965C-0845-A309-74C9F51EAF9F}"/>
               </a:ext>
             </a:extLst>
           </p:cNvPr>
@@ -11101,7 +11104,7 @@
           <p:cNvPr id="14" name="TextBox 13">
             <a:extLst>
               <a:ext uri="{FF2B5EF4-FFF2-40B4-BE49-F238E27FC236}">
-                <a16:creationId xmlns:a16="http://schemas.microsoft.com/office/drawing/2014/main" xmlns="" id="{7F85061E-E6C3-C84C-BB7D-87EC6FAD4193}"/>
+                <a16:creationId xmlns="" xmlns:a16="http://schemas.microsoft.com/office/drawing/2014/main" id="{7F85061E-E6C3-C84C-BB7D-87EC6FAD4193}"/>
               </a:ext>
             </a:extLst>
           </p:cNvPr>
@@ -11248,7 +11251,7 @@
           <p:cNvPr id="18" name="TextBox 17">
             <a:extLst>
               <a:ext uri="{FF2B5EF4-FFF2-40B4-BE49-F238E27FC236}">
-                <a16:creationId xmlns:a16="http://schemas.microsoft.com/office/drawing/2014/main" xmlns="" id="{7F85061E-E6C3-C84C-BB7D-87EC6FAD4193}"/>
+                <a16:creationId xmlns="" xmlns:a16="http://schemas.microsoft.com/office/drawing/2014/main" id="{7F85061E-E6C3-C84C-BB7D-87EC6FAD4193}"/>
               </a:ext>
             </a:extLst>
           </p:cNvPr>
@@ -11413,7 +11416,7 @@
           <p:cNvPr id="13" name="직사각형 12">
             <a:extLst>
               <a:ext uri="{FF2B5EF4-FFF2-40B4-BE49-F238E27FC236}">
-                <a16:creationId xmlns:a16="http://schemas.microsoft.com/office/drawing/2014/main" xmlns="" id="{F323C5E6-A911-2440-93DA-DEE87A35D1B3}"/>
+                <a16:creationId xmlns="" xmlns:a16="http://schemas.microsoft.com/office/drawing/2014/main" id="{F323C5E6-A911-2440-93DA-DEE87A35D1B3}"/>
               </a:ext>
             </a:extLst>
           </p:cNvPr>
@@ -11467,7 +11470,7 @@
           <p:cNvPr id="8" name="직사각형 7">
             <a:extLst>
               <a:ext uri="{FF2B5EF4-FFF2-40B4-BE49-F238E27FC236}">
-                <a16:creationId xmlns:a16="http://schemas.microsoft.com/office/drawing/2014/main" xmlns="" id="{6B8B80B4-792D-174E-8B2C-A10CA85CDD01}"/>
+                <a16:creationId xmlns="" xmlns:a16="http://schemas.microsoft.com/office/drawing/2014/main" id="{6B8B80B4-792D-174E-8B2C-A10CA85CDD01}"/>
               </a:ext>
             </a:extLst>
           </p:cNvPr>
@@ -11519,7 +11522,7 @@
           <p:cNvPr id="9" name="직각 삼각형[R] 8">
             <a:extLst>
               <a:ext uri="{FF2B5EF4-FFF2-40B4-BE49-F238E27FC236}">
-                <a16:creationId xmlns:a16="http://schemas.microsoft.com/office/drawing/2014/main" xmlns="" id="{E9289217-6E56-7D4B-B6FB-329F373CAF3E}"/>
+                <a16:creationId xmlns="" xmlns:a16="http://schemas.microsoft.com/office/drawing/2014/main" id="{E9289217-6E56-7D4B-B6FB-329F373CAF3E}"/>
               </a:ext>
             </a:extLst>
           </p:cNvPr>
@@ -11573,7 +11576,7 @@
           <p:cNvPr id="10" name="TextBox 9">
             <a:extLst>
               <a:ext uri="{FF2B5EF4-FFF2-40B4-BE49-F238E27FC236}">
-                <a16:creationId xmlns:a16="http://schemas.microsoft.com/office/drawing/2014/main" xmlns="" id="{BC578308-8F78-DB4D-8BBF-E8CCC31D5FEE}"/>
+                <a16:creationId xmlns="" xmlns:a16="http://schemas.microsoft.com/office/drawing/2014/main" id="{BC578308-8F78-DB4D-8BBF-E8CCC31D5FEE}"/>
               </a:ext>
             </a:extLst>
           </p:cNvPr>
@@ -11644,7 +11647,7 @@
           <p:cNvPr id="11" name="TextBox 10">
             <a:extLst>
               <a:ext uri="{FF2B5EF4-FFF2-40B4-BE49-F238E27FC236}">
-                <a16:creationId xmlns:a16="http://schemas.microsoft.com/office/drawing/2014/main" xmlns="" id="{849EE5DD-2363-0B42-B4FD-2464134E7BE2}"/>
+                <a16:creationId xmlns="" xmlns:a16="http://schemas.microsoft.com/office/drawing/2014/main" id="{849EE5DD-2363-0B42-B4FD-2464134E7BE2}"/>
               </a:ext>
             </a:extLst>
           </p:cNvPr>
@@ -11687,13 +11690,6 @@
               </a:rPr>
               <a:t>샘플 코드</a:t>
             </a:r>
-            <a:endParaRPr kumimoji="1" lang="ko-KR" altLang="en-US" sz="2400" dirty="0">
-              <a:solidFill>
-                <a:schemeClr val="bg1"/>
-              </a:solidFill>
-              <a:latin typeface="배달의민족 주아" pitchFamily="18" charset="-127"/>
-              <a:ea typeface="배달의민족 주아" pitchFamily="18" charset="-127"/>
-            </a:endParaRPr>
           </a:p>
         </p:txBody>
       </p:sp>
@@ -11702,7 +11698,7 @@
           <p:cNvPr id="7" name="TextBox 6">
             <a:extLst>
               <a:ext uri="{FF2B5EF4-FFF2-40B4-BE49-F238E27FC236}">
-                <a16:creationId xmlns:a16="http://schemas.microsoft.com/office/drawing/2014/main" xmlns="" id="{942FB8DE-965C-0845-A309-74C9F51EAF9F}"/>
+                <a16:creationId xmlns="" xmlns:a16="http://schemas.microsoft.com/office/drawing/2014/main" id="{942FB8DE-965C-0845-A309-74C9F51EAF9F}"/>
               </a:ext>
             </a:extLst>
           </p:cNvPr>
@@ -11756,7 +11752,7 @@
           <p:cNvPr id="12" name="TextBox 11">
             <a:extLst>
               <a:ext uri="{FF2B5EF4-FFF2-40B4-BE49-F238E27FC236}">
-                <a16:creationId xmlns:a16="http://schemas.microsoft.com/office/drawing/2014/main" xmlns="" id="{3B845D38-5442-6B48-ADA4-3CD7234B8DE3}"/>
+                <a16:creationId xmlns="" xmlns:a16="http://schemas.microsoft.com/office/drawing/2014/main" id="{3B845D38-5442-6B48-ADA4-3CD7234B8DE3}"/>
               </a:ext>
             </a:extLst>
           </p:cNvPr>
@@ -13134,7 +13130,7 @@
           <p:cNvPr id="13" name="직사각형 12">
             <a:extLst>
               <a:ext uri="{FF2B5EF4-FFF2-40B4-BE49-F238E27FC236}">
-                <a16:creationId xmlns:a16="http://schemas.microsoft.com/office/drawing/2014/main" xmlns="" id="{F323C5E6-A911-2440-93DA-DEE87A35D1B3}"/>
+                <a16:creationId xmlns="" xmlns:a16="http://schemas.microsoft.com/office/drawing/2014/main" id="{F323C5E6-A911-2440-93DA-DEE87A35D1B3}"/>
               </a:ext>
             </a:extLst>
           </p:cNvPr>
@@ -13188,7 +13184,7 @@
           <p:cNvPr id="8" name="직사각형 7">
             <a:extLst>
               <a:ext uri="{FF2B5EF4-FFF2-40B4-BE49-F238E27FC236}">
-                <a16:creationId xmlns:a16="http://schemas.microsoft.com/office/drawing/2014/main" xmlns="" id="{6B8B80B4-792D-174E-8B2C-A10CA85CDD01}"/>
+                <a16:creationId xmlns="" xmlns:a16="http://schemas.microsoft.com/office/drawing/2014/main" id="{6B8B80B4-792D-174E-8B2C-A10CA85CDD01}"/>
               </a:ext>
             </a:extLst>
           </p:cNvPr>
@@ -13240,7 +13236,7 @@
           <p:cNvPr id="9" name="직각 삼각형[R] 8">
             <a:extLst>
               <a:ext uri="{FF2B5EF4-FFF2-40B4-BE49-F238E27FC236}">
-                <a16:creationId xmlns:a16="http://schemas.microsoft.com/office/drawing/2014/main" xmlns="" id="{E9289217-6E56-7D4B-B6FB-329F373CAF3E}"/>
+                <a16:creationId xmlns="" xmlns:a16="http://schemas.microsoft.com/office/drawing/2014/main" id="{E9289217-6E56-7D4B-B6FB-329F373CAF3E}"/>
               </a:ext>
             </a:extLst>
           </p:cNvPr>
@@ -13294,7 +13290,7 @@
           <p:cNvPr id="10" name="TextBox 9">
             <a:extLst>
               <a:ext uri="{FF2B5EF4-FFF2-40B4-BE49-F238E27FC236}">
-                <a16:creationId xmlns:a16="http://schemas.microsoft.com/office/drawing/2014/main" xmlns="" id="{BC578308-8F78-DB4D-8BBF-E8CCC31D5FEE}"/>
+                <a16:creationId xmlns="" xmlns:a16="http://schemas.microsoft.com/office/drawing/2014/main" id="{BC578308-8F78-DB4D-8BBF-E8CCC31D5FEE}"/>
               </a:ext>
             </a:extLst>
           </p:cNvPr>
@@ -13384,7 +13380,7 @@
           <p:cNvPr id="11" name="TextBox 10">
             <a:extLst>
               <a:ext uri="{FF2B5EF4-FFF2-40B4-BE49-F238E27FC236}">
-                <a16:creationId xmlns:a16="http://schemas.microsoft.com/office/drawing/2014/main" xmlns="" id="{849EE5DD-2363-0B42-B4FD-2464134E7BE2}"/>
+                <a16:creationId xmlns="" xmlns:a16="http://schemas.microsoft.com/office/drawing/2014/main" id="{849EE5DD-2363-0B42-B4FD-2464134E7BE2}"/>
               </a:ext>
             </a:extLst>
           </p:cNvPr>
@@ -13427,13 +13423,6 @@
               </a:rPr>
               <a:t>샘플 코드</a:t>
             </a:r>
-            <a:endParaRPr kumimoji="1" lang="ko-KR" altLang="en-US" sz="2400" dirty="0">
-              <a:solidFill>
-                <a:schemeClr val="bg1"/>
-              </a:solidFill>
-              <a:latin typeface="배달의민족 주아" pitchFamily="18" charset="-127"/>
-              <a:ea typeface="배달의민족 주아" pitchFamily="18" charset="-127"/>
-            </a:endParaRPr>
           </a:p>
         </p:txBody>
       </p:sp>
@@ -13784,7 +13773,7 @@
           <p:cNvPr id="43" name="직선 연결선[R] 9">
             <a:extLst>
               <a:ext uri="{FF2B5EF4-FFF2-40B4-BE49-F238E27FC236}">
-                <a16:creationId xmlns:a16="http://schemas.microsoft.com/office/drawing/2014/main" xmlns="" id="{3857C8F2-A192-E54E-ABE9-F03801DAB105}"/>
+                <a16:creationId xmlns="" xmlns:a16="http://schemas.microsoft.com/office/drawing/2014/main" id="{3857C8F2-A192-E54E-ABE9-F03801DAB105}"/>
               </a:ext>
             </a:extLst>
           </p:cNvPr>
@@ -13827,7 +13816,7 @@
           <p:cNvPr id="49" name="TextBox 48">
             <a:extLst>
               <a:ext uri="{FF2B5EF4-FFF2-40B4-BE49-F238E27FC236}">
-                <a16:creationId xmlns:a16="http://schemas.microsoft.com/office/drawing/2014/main" xmlns="" id="{942FB8DE-965C-0845-A309-74C9F51EAF9F}"/>
+                <a16:creationId xmlns="" xmlns:a16="http://schemas.microsoft.com/office/drawing/2014/main" id="{942FB8DE-965C-0845-A309-74C9F51EAF9F}"/>
               </a:ext>
             </a:extLst>
           </p:cNvPr>
@@ -13895,7 +13884,7 @@
             <p:cNvPr id="51" name="직사각형 50">
               <a:extLst>
                 <a:ext uri="{FF2B5EF4-FFF2-40B4-BE49-F238E27FC236}">
-                  <a16:creationId xmlns:a16="http://schemas.microsoft.com/office/drawing/2014/main" xmlns="" id="{A89F077E-F7A4-3D49-BAB5-4E9D17005D90}"/>
+                  <a16:creationId xmlns="" xmlns:a16="http://schemas.microsoft.com/office/drawing/2014/main" id="{A89F077E-F7A4-3D49-BAB5-4E9D17005D90}"/>
                 </a:ext>
               </a:extLst>
             </p:cNvPr>
@@ -13949,7 +13938,7 @@
             <p:cNvPr id="52" name="TextBox 51">
               <a:extLst>
                 <a:ext uri="{FF2B5EF4-FFF2-40B4-BE49-F238E27FC236}">
-                  <a16:creationId xmlns:a16="http://schemas.microsoft.com/office/drawing/2014/main" xmlns="" id="{942FB8DE-965C-0845-A309-74C9F51EAF9F}"/>
+                  <a16:creationId xmlns="" xmlns:a16="http://schemas.microsoft.com/office/drawing/2014/main" id="{942FB8DE-965C-0845-A309-74C9F51EAF9F}"/>
                 </a:ext>
               </a:extLst>
             </p:cNvPr>
@@ -14024,7 +14013,7 @@
             <p:cNvPr id="54" name="직사각형 53">
               <a:extLst>
                 <a:ext uri="{FF2B5EF4-FFF2-40B4-BE49-F238E27FC236}">
-                  <a16:creationId xmlns:a16="http://schemas.microsoft.com/office/drawing/2014/main" xmlns="" id="{A89F077E-F7A4-3D49-BAB5-4E9D17005D90}"/>
+                  <a16:creationId xmlns="" xmlns:a16="http://schemas.microsoft.com/office/drawing/2014/main" id="{A89F077E-F7A4-3D49-BAB5-4E9D17005D90}"/>
                 </a:ext>
               </a:extLst>
             </p:cNvPr>
@@ -14078,7 +14067,7 @@
             <p:cNvPr id="55" name="TextBox 54">
               <a:extLst>
                 <a:ext uri="{FF2B5EF4-FFF2-40B4-BE49-F238E27FC236}">
-                  <a16:creationId xmlns:a16="http://schemas.microsoft.com/office/drawing/2014/main" xmlns="" id="{942FB8DE-965C-0845-A309-74C9F51EAF9F}"/>
+                  <a16:creationId xmlns="" xmlns:a16="http://schemas.microsoft.com/office/drawing/2014/main" id="{942FB8DE-965C-0845-A309-74C9F51EAF9F}"/>
                 </a:ext>
               </a:extLst>
             </p:cNvPr>
@@ -14432,7 +14421,7 @@
   <a:extraClrSchemeLst/>
   <a:extLst>
     <a:ext uri="{05A4C25C-085E-4340-85A3-A5531E510DB2}">
-      <thm15:themeFamily xmlns:thm15="http://schemas.microsoft.com/office/thememl/2012/main" xmlns="" name="Office Theme" id="{62F939B6-93AF-4DB8-9C6B-D6C7DFDC589F}" vid="{4A3C46E8-61CC-4603-A589-7422A47A8E4A}"/>
+      <thm15:themeFamily xmlns="" xmlns:thm15="http://schemas.microsoft.com/office/thememl/2012/main" name="Office Theme" id="{62F939B6-93AF-4DB8-9C6B-D6C7DFDC589F}" vid="{4A3C46E8-61CC-4603-A589-7422A47A8E4A}"/>
     </a:ext>
   </a:extLst>
 </a:theme>
@@ -14727,7 +14716,7 @@
   <a:extraClrSchemeLst/>
   <a:extLst>
     <a:ext uri="{05A4C25C-085E-4340-85A3-A5531E510DB2}">
-      <thm15:themeFamily xmlns:thm15="http://schemas.microsoft.com/office/thememl/2012/main" xmlns="" name="Office Theme" id="{62F939B6-93AF-4DB8-9C6B-D6C7DFDC589F}" vid="{4A3C46E8-61CC-4603-A589-7422A47A8E4A}"/>
+      <thm15:themeFamily xmlns="" xmlns:thm15="http://schemas.microsoft.com/office/thememl/2012/main" name="Office Theme" id="{62F939B6-93AF-4DB8-9C6B-D6C7DFDC589F}" vid="{4A3C46E8-61CC-4603-A589-7422A47A8E4A}"/>
     </a:ext>
   </a:extLst>
 </a:theme>
